--- a/samples/Agenda Lab Example - Text Agenda.pptx
+++ b/samples/Agenda Lab Example - Text Agenda.pptx
@@ -11,39 +11,39 @@
     <p:notesMasterId r:id="rId38"/>
   </p:notesMasterIdLst>
   <p:sldIdLst>
-    <p:sldId id="296" r:id="rId5"/>
+    <p:sldId id="332" r:id="rId5"/>
     <p:sldId id="256" r:id="rId6"/>
-    <p:sldId id="336" r:id="rId7"/>
-    <p:sldId id="337" r:id="rId8"/>
+    <p:sldId id="333" r:id="rId7"/>
+    <p:sldId id="334" r:id="rId8"/>
     <p:sldId id="314" r:id="rId9"/>
     <p:sldId id="315" r:id="rId10"/>
     <p:sldId id="316" r:id="rId11"/>
-    <p:sldId id="298" r:id="rId12"/>
-    <p:sldId id="299" r:id="rId13"/>
+    <p:sldId id="335" r:id="rId12"/>
+    <p:sldId id="336" r:id="rId13"/>
     <p:sldId id="318" r:id="rId14"/>
     <p:sldId id="320" r:id="rId15"/>
     <p:sldId id="319" r:id="rId16"/>
-    <p:sldId id="300" r:id="rId17"/>
-    <p:sldId id="301" r:id="rId18"/>
+    <p:sldId id="337" r:id="rId17"/>
+    <p:sldId id="338" r:id="rId18"/>
     <p:sldId id="323" r:id="rId19"/>
     <p:sldId id="322" r:id="rId20"/>
     <p:sldId id="324" r:id="rId21"/>
-    <p:sldId id="302" r:id="rId22"/>
-    <p:sldId id="303" r:id="rId23"/>
+    <p:sldId id="339" r:id="rId22"/>
+    <p:sldId id="340" r:id="rId23"/>
     <p:sldId id="326" r:id="rId24"/>
     <p:sldId id="325" r:id="rId25"/>
     <p:sldId id="327" r:id="rId26"/>
-    <p:sldId id="304" r:id="rId27"/>
-    <p:sldId id="309" r:id="rId28"/>
+    <p:sldId id="341" r:id="rId27"/>
+    <p:sldId id="342" r:id="rId28"/>
     <p:sldId id="328" r:id="rId29"/>
     <p:sldId id="330" r:id="rId30"/>
     <p:sldId id="329" r:id="rId31"/>
-    <p:sldId id="310" r:id="rId32"/>
-    <p:sldId id="305" r:id="rId33"/>
+    <p:sldId id="343" r:id="rId32"/>
+    <p:sldId id="344" r:id="rId33"/>
     <p:sldId id="331" r:id="rId34"/>
-    <p:sldId id="306" r:id="rId35"/>
-    <p:sldId id="338" r:id="rId36"/>
-    <p:sldId id="339" r:id="rId37"/>
+    <p:sldId id="345" r:id="rId35"/>
+    <p:sldId id="346" r:id="rId36"/>
+    <p:sldId id="347" r:id="rId37"/>
   </p:sldIdLst>
   <p:sldSz cx="9144000" cy="6858000" type="screen4x3"/>
   <p:notesSz cx="6858000" cy="9144000"/>
@@ -147,63 +147,63 @@
       <p14:sectionLst xmlns:p14="http://schemas.microsoft.com/office/powerpoint/2010/main">
         <p14:section name="Intro" id="{C3F46055-7502-42B9-9A3E-BFBA34161CDA}">
           <p14:sldIdLst>
-            <p14:sldId id="296"/>
+            <p14:sldId id="332"/>
             <p14:sldId id="256"/>
-            <p14:sldId id="336"/>
+            <p14:sldId id="333"/>
           </p14:sldIdLst>
         </p14:section>
         <p14:section name="Background and motivation" id="{B64985A9-05A0-43FD-A400-8315A4E2DF68}">
           <p14:sldIdLst>
-            <p14:sldId id="337"/>
+            <p14:sldId id="334"/>
             <p14:sldId id="314"/>
             <p14:sldId id="315"/>
             <p14:sldId id="316"/>
-            <p14:sldId id="298"/>
+            <p14:sldId id="335"/>
           </p14:sldIdLst>
         </p14:section>
         <p14:section name="Problem addressed" id="{762C5EAF-0031-4ABA-A6DC-C2E1FFCF29AA}">
           <p14:sldIdLst>
-            <p14:sldId id="299"/>
+            <p14:sldId id="336"/>
             <p14:sldId id="318"/>
             <p14:sldId id="320"/>
             <p14:sldId id="319"/>
-            <p14:sldId id="300"/>
+            <p14:sldId id="337"/>
           </p14:sldIdLst>
         </p14:section>
         <p14:section name="Proposed solution" id="{536B48B7-E19C-4BDE-9D79-EC0A9D413904}">
           <p14:sldIdLst>
-            <p14:sldId id="301"/>
+            <p14:sldId id="338"/>
             <p14:sldId id="323"/>
             <p14:sldId id="322"/>
             <p14:sldId id="324"/>
-            <p14:sldId id="302"/>
+            <p14:sldId id="339"/>
           </p14:sldIdLst>
         </p14:section>
         <p14:section name="Preliminary results" id="{52192AD5-88A1-40A6-8C9F-2C0DBDEB5F6A}">
           <p14:sldIdLst>
-            <p14:sldId id="303"/>
+            <p14:sldId id="340"/>
             <p14:sldId id="326"/>
             <p14:sldId id="325"/>
             <p14:sldId id="327"/>
-            <p14:sldId id="304"/>
+            <p14:sldId id="341"/>
           </p14:sldIdLst>
         </p14:section>
         <p14:section name="Evaluation" id="{7CA5F120-8D27-490D-A50A-6675B4DA4921}">
           <p14:sldIdLst>
-            <p14:sldId id="309"/>
+            <p14:sldId id="342"/>
             <p14:sldId id="328"/>
             <p14:sldId id="330"/>
             <p14:sldId id="329"/>
-            <p14:sldId id="310"/>
+            <p14:sldId id="343"/>
           </p14:sldIdLst>
         </p14:section>
         <p14:section name="Future work" id="{510D2B0B-24B5-4E7C-9001-41E51380791D}">
           <p14:sldIdLst>
-            <p14:sldId id="305"/>
+            <p14:sldId id="344"/>
             <p14:sldId id="331"/>
-            <p14:sldId id="306"/>
-            <p14:sldId id="338"/>
-            <p14:sldId id="339"/>
+            <p14:sldId id="345"/>
+            <p14:sldId id="346"/>
+            <p14:sldId id="347"/>
           </p14:sldIdLst>
         </p14:section>
       </p14:sectionLst>
@@ -294,7 +294,7 @@
           <a:p>
             <a:fld id="{672627BE-A05D-4ACA-8E33-EA05D522C849}" type="datetimeFigureOut">
               <a:rPr lang="en-SG" smtClean="0"/>
-              <a:t>30/6/2015</a:t>
+              <a:t>13/7/2015</a:t>
             </a:fld>
             <a:endParaRPr lang="en-SG"/>
           </a:p>
@@ -607,8 +607,8 @@
           <a:lstStyle/>
           <a:p>
             <a:r>
-              <a:rPr lang="en-US" smtClean="0"/>
-              <a:t>This notes page is used to store data - Do not edit the notes. UFBUVGVtcGxhdGVNYXJrZXI=@VGl0bGUgMQ==@UHB0TGFic0FnZW5kYV8mXkBDb250ZW50U2hhcGVfJl5AMjAxNTA2MjgxOTQ2MDY2MTgwMA==@941242467</a:t>
+              <a:rPr lang="en-SG" smtClean="0"/>
+              <a:t>This notes page is used to store data - Do not edit the notes. UFBUVGVtcGxhdGVNYXJrZXI=@VGl0bGUgMQ==@UHB0TGFic0FnZW5kYV8mXkBDb250ZW50U2hhcGVfJl5AMjAxNTA3MDExOTE3NTMzMjU1MA==@VW5uYW1lZCBTaGFwZSAyMDE1MDcxMzEzNTMxODcwNzIxNA==@1456392278</a:t>
             </a:r>
             <a:endParaRPr lang="en-SG"/>
           </a:p>
@@ -640,7 +640,7 @@
     </p:spTree>
     <p:extLst>
       <p:ext uri="{BB962C8B-B14F-4D97-AF65-F5344CB8AC3E}">
-        <p14:creationId xmlns:p14="http://schemas.microsoft.com/office/powerpoint/2010/main" val="1067767735"/>
+        <p14:creationId xmlns:p14="http://schemas.microsoft.com/office/powerpoint/2010/main" val="1276779241"/>
       </p:ext>
     </p:extLst>
   </p:cSld>
@@ -1040,7 +1040,7 @@
           <a:p>
             <a:fld id="{9EC42EEE-3E5D-4D0F-A5A1-DBE4DDAAFE18}" type="datetimeFigureOut">
               <a:rPr lang="en-SG" smtClean="0"/>
-              <a:t>30/6/2015</a:t>
+              <a:t>13/7/2015</a:t>
             </a:fld>
             <a:endParaRPr lang="en-SG"/>
           </a:p>
@@ -1219,7 +1219,7 @@
           <a:p>
             <a:fld id="{9EC42EEE-3E5D-4D0F-A5A1-DBE4DDAAFE18}" type="datetimeFigureOut">
               <a:rPr lang="en-SG" smtClean="0"/>
-              <a:t>30/6/2015</a:t>
+              <a:t>13/7/2015</a:t>
             </a:fld>
             <a:endParaRPr lang="en-SG"/>
           </a:p>
@@ -1398,7 +1398,7 @@
           <a:p>
             <a:fld id="{9EC42EEE-3E5D-4D0F-A5A1-DBE4DDAAFE18}" type="datetimeFigureOut">
               <a:rPr lang="en-SG" smtClean="0"/>
-              <a:t>30/6/2015</a:t>
+              <a:t>13/7/2015</a:t>
             </a:fld>
             <a:endParaRPr lang="en-SG"/>
           </a:p>
@@ -1455,7 +1455,7 @@
 </file>
 
 <file path=ppt/slideLayouts/slideLayout12.xml><?xml version="1.0" encoding="utf-8"?>
-<p:sldLayout xmlns:a="http://schemas.openxmlformats.org/drawingml/2006/main" xmlns:r="http://schemas.openxmlformats.org/officeDocument/2006/relationships" xmlns:p="http://schemas.openxmlformats.org/presentationml/2006/main" type="tx">
+<p:sldLayout xmlns:a="http://schemas.openxmlformats.org/drawingml/2006/main" xmlns:r="http://schemas.openxmlformats.org/officeDocument/2006/relationships" xmlns:p="http://schemas.openxmlformats.org/presentationml/2006/main" type="tx" preserve="1">
   <p:cSld name="Title and Text">
     <p:spTree>
       <p:nvGrpSpPr>
@@ -1563,7 +1563,7 @@
           <a:p>
             <a:fld id="{9EC42EEE-3E5D-4D0F-A5A1-DBE4DDAAFE18}" type="datetimeFigureOut">
               <a:rPr lang="en-SG" smtClean="0"/>
-              <a:t>30/6/2015</a:t>
+              <a:t>13/7/2015</a:t>
             </a:fld>
             <a:endParaRPr lang="en-SG"/>
           </a:p>
@@ -1614,7 +1614,7 @@
     </p:spTree>
     <p:extLst>
       <p:ext uri="{BB962C8B-B14F-4D97-AF65-F5344CB8AC3E}">
-        <p14:creationId xmlns:p14="http://schemas.microsoft.com/office/powerpoint/2010/main" val="2978348172"/>
+        <p14:creationId xmlns:p14="http://schemas.microsoft.com/office/powerpoint/2010/main" val="1004846861"/>
       </p:ext>
     </p:extLst>
   </p:cSld>
@@ -1741,7 +1741,7 @@
           <a:p>
             <a:fld id="{9EC42EEE-3E5D-4D0F-A5A1-DBE4DDAAFE18}" type="datetimeFigureOut">
               <a:rPr lang="en-SG" smtClean="0"/>
-              <a:t>30/6/2015</a:t>
+              <a:t>13/7/2015</a:t>
             </a:fld>
             <a:endParaRPr lang="en-SG"/>
           </a:p>
@@ -2001,7 +2001,7 @@
           <a:p>
             <a:fld id="{9EC42EEE-3E5D-4D0F-A5A1-DBE4DDAAFE18}" type="datetimeFigureOut">
               <a:rPr lang="en-SG" smtClean="0"/>
-              <a:t>30/6/2015</a:t>
+              <a:t>13/7/2015</a:t>
             </a:fld>
             <a:endParaRPr lang="en-SG"/>
           </a:p>
@@ -2135,7 +2135,7 @@
           <a:p>
             <a:fld id="{9EC42EEE-3E5D-4D0F-A5A1-DBE4DDAAFE18}" type="datetimeFigureOut">
               <a:rPr lang="en-SG" smtClean="0"/>
-              <a:t>30/6/2015</a:t>
+              <a:t>13/7/2015</a:t>
             </a:fld>
             <a:endParaRPr lang="en-SG"/>
           </a:p>
@@ -2529,7 +2529,7 @@
           <a:p>
             <a:fld id="{9EC42EEE-3E5D-4D0F-A5A1-DBE4DDAAFE18}" type="datetimeFigureOut">
               <a:rPr lang="en-SG" smtClean="0"/>
-              <a:t>30/6/2015</a:t>
+              <a:t>13/7/2015</a:t>
             </a:fld>
             <a:endParaRPr lang="en-SG"/>
           </a:p>
@@ -2777,7 +2777,7 @@
           <a:p>
             <a:fld id="{9EC42EEE-3E5D-4D0F-A5A1-DBE4DDAAFE18}" type="datetimeFigureOut">
               <a:rPr lang="en-SG" smtClean="0"/>
-              <a:t>30/6/2015</a:t>
+              <a:t>13/7/2015</a:t>
             </a:fld>
             <a:endParaRPr lang="en-SG"/>
           </a:p>
@@ -2888,7 +2888,7 @@
           <a:p>
             <a:fld id="{9EC42EEE-3E5D-4D0F-A5A1-DBE4DDAAFE18}" type="datetimeFigureOut">
               <a:rPr lang="en-SG" smtClean="0"/>
-              <a:t>30/6/2015</a:t>
+              <a:t>13/7/2015</a:t>
             </a:fld>
             <a:endParaRPr lang="en-SG"/>
           </a:p>
@@ -3074,7 +3074,7 @@
           <a:p>
             <a:fld id="{9EC42EEE-3E5D-4D0F-A5A1-DBE4DDAAFE18}" type="datetimeFigureOut">
               <a:rPr lang="en-SG" smtClean="0"/>
-              <a:t>30/6/2015</a:t>
+              <a:t>13/7/2015</a:t>
             </a:fld>
             <a:endParaRPr lang="en-SG"/>
           </a:p>
@@ -3252,7 +3252,7 @@
           <a:p>
             <a:fld id="{9EC42EEE-3E5D-4D0F-A5A1-DBE4DDAAFE18}" type="datetimeFigureOut">
               <a:rPr lang="en-SG" smtClean="0"/>
-              <a:t>30/6/2015</a:t>
+              <a:t>13/7/2015</a:t>
             </a:fld>
             <a:endParaRPr lang="en-SG"/>
           </a:p>
@@ -3439,7 +3439,7 @@
           <a:p>
             <a:fld id="{9EC42EEE-3E5D-4D0F-A5A1-DBE4DDAAFE18}" type="datetimeFigureOut">
               <a:rPr lang="en-SG" smtClean="0"/>
-              <a:t>30/6/2015</a:t>
+              <a:t>13/7/2015</a:t>
             </a:fld>
             <a:endParaRPr lang="en-SG"/>
           </a:p>
@@ -3635,7 +3635,7 @@
           <a:p>
             <a:fld id="{9EC42EEE-3E5D-4D0F-A5A1-DBE4DDAAFE18}" type="datetimeFigureOut">
               <a:rPr lang="en-SG" smtClean="0"/>
-              <a:t>30/6/2015</a:t>
+              <a:t>13/7/2015</a:t>
             </a:fld>
             <a:endParaRPr lang="en-SG"/>
           </a:p>
@@ -3826,7 +3826,7 @@
                 </a:solidFill>
               </a:rPr>
               <a:pPr/>
-              <a:t>30/6/2015</a:t>
+              <a:t>13/7/2015</a:t>
             </a:fld>
             <a:endParaRPr lang="en-SG">
               <a:solidFill>
@@ -4108,7 +4108,7 @@
                 </a:solidFill>
               </a:rPr>
               <a:pPr/>
-              <a:t>30/6/2015</a:t>
+              <a:t>13/7/2015</a:t>
             </a:fld>
             <a:endParaRPr lang="en-SG">
               <a:solidFill>
@@ -4264,7 +4264,7 @@
                 </a:solidFill>
               </a:rPr>
               <a:pPr/>
-              <a:t>30/6/2015</a:t>
+              <a:t>13/7/2015</a:t>
             </a:fld>
             <a:endParaRPr lang="en-SG">
               <a:solidFill>
@@ -4680,7 +4680,7 @@
                 </a:solidFill>
               </a:rPr>
               <a:pPr/>
-              <a:t>30/6/2015</a:t>
+              <a:t>13/7/2015</a:t>
             </a:fld>
             <a:endParaRPr lang="en-SG">
               <a:solidFill>
@@ -4950,7 +4950,7 @@
                 </a:solidFill>
               </a:rPr>
               <a:pPr/>
-              <a:t>30/6/2015</a:t>
+              <a:t>13/7/2015</a:t>
             </a:fld>
             <a:endParaRPr lang="en-SG">
               <a:solidFill>
@@ -5083,7 +5083,7 @@
                 </a:solidFill>
               </a:rPr>
               <a:pPr/>
-              <a:t>30/6/2015</a:t>
+              <a:t>13/7/2015</a:t>
             </a:fld>
             <a:endParaRPr lang="en-SG">
               <a:solidFill>
@@ -5291,7 +5291,7 @@
                 </a:solidFill>
               </a:rPr>
               <a:pPr/>
-              <a:t>30/6/2015</a:t>
+              <a:t>13/7/2015</a:t>
             </a:fld>
             <a:endParaRPr lang="en-SG">
               <a:solidFill>
@@ -5513,7 +5513,7 @@
                 </a:solidFill>
               </a:rPr>
               <a:pPr/>
-              <a:t>30/6/2015</a:t>
+              <a:t>13/7/2015</a:t>
             </a:fld>
             <a:endParaRPr lang="en-SG">
               <a:solidFill>
@@ -5782,7 +5782,7 @@
           <a:p>
             <a:fld id="{9EC42EEE-3E5D-4D0F-A5A1-DBE4DDAAFE18}" type="datetimeFigureOut">
               <a:rPr lang="en-SG" smtClean="0"/>
-              <a:t>30/6/2015</a:t>
+              <a:t>13/7/2015</a:t>
             </a:fld>
             <a:endParaRPr lang="en-SG"/>
           </a:p>
@@ -5970,7 +5970,7 @@
                 </a:solidFill>
               </a:rPr>
               <a:pPr/>
-              <a:t>30/6/2015</a:t>
+              <a:t>13/7/2015</a:t>
             </a:fld>
             <a:endParaRPr lang="en-SG">
               <a:solidFill>
@@ -6178,7 +6178,7 @@
                 </a:solidFill>
               </a:rPr>
               <a:pPr/>
-              <a:t>30/6/2015</a:t>
+              <a:t>13/7/2015</a:t>
             </a:fld>
             <a:endParaRPr lang="en-SG">
               <a:solidFill>
@@ -6460,7 +6460,7 @@
                 </a:solidFill>
               </a:rPr>
               <a:pPr/>
-              <a:t>30/6/2015</a:t>
+              <a:t>13/7/2015</a:t>
             </a:fld>
             <a:endParaRPr lang="en-SG">
               <a:solidFill>
@@ -6616,7 +6616,7 @@
                 </a:solidFill>
               </a:rPr>
               <a:pPr/>
-              <a:t>30/6/2015</a:t>
+              <a:t>13/7/2015</a:t>
             </a:fld>
             <a:endParaRPr lang="en-SG">
               <a:solidFill>
@@ -7032,7 +7032,7 @@
                 </a:solidFill>
               </a:rPr>
               <a:pPr/>
-              <a:t>30/6/2015</a:t>
+              <a:t>13/7/2015</a:t>
             </a:fld>
             <a:endParaRPr lang="en-SG">
               <a:solidFill>
@@ -7302,7 +7302,7 @@
                 </a:solidFill>
               </a:rPr>
               <a:pPr/>
-              <a:t>30/6/2015</a:t>
+              <a:t>13/7/2015</a:t>
             </a:fld>
             <a:endParaRPr lang="en-SG">
               <a:solidFill>
@@ -7435,7 +7435,7 @@
                 </a:solidFill>
               </a:rPr>
               <a:pPr/>
-              <a:t>30/6/2015</a:t>
+              <a:t>13/7/2015</a:t>
             </a:fld>
             <a:endParaRPr lang="en-SG">
               <a:solidFill>
@@ -7643,7 +7643,7 @@
                 </a:solidFill>
               </a:rPr>
               <a:pPr/>
-              <a:t>30/6/2015</a:t>
+              <a:t>13/7/2015</a:t>
             </a:fld>
             <a:endParaRPr lang="en-SG">
               <a:solidFill>
@@ -7865,7 +7865,7 @@
                 </a:solidFill>
               </a:rPr>
               <a:pPr/>
-              <a:t>30/6/2015</a:t>
+              <a:t>13/7/2015</a:t>
             </a:fld>
             <a:endParaRPr lang="en-SG">
               <a:solidFill>
@@ -8083,7 +8083,7 @@
                 </a:solidFill>
               </a:rPr>
               <a:pPr/>
-              <a:t>30/6/2015</a:t>
+              <a:t>13/7/2015</a:t>
             </a:fld>
             <a:endParaRPr lang="en-SG">
               <a:solidFill>
@@ -8226,7 +8226,7 @@
           <a:p>
             <a:fld id="{9EC42EEE-3E5D-4D0F-A5A1-DBE4DDAAFE18}" type="datetimeFigureOut">
               <a:rPr lang="en-SG" smtClean="0"/>
-              <a:t>30/6/2015</a:t>
+              <a:t>13/7/2015</a:t>
             </a:fld>
             <a:endParaRPr lang="en-SG"/>
           </a:p>
@@ -8599,7 +8599,7 @@
           <a:p>
             <a:fld id="{9EC42EEE-3E5D-4D0F-A5A1-DBE4DDAAFE18}" type="datetimeFigureOut">
               <a:rPr lang="en-SG" smtClean="0"/>
-              <a:t>30/6/2015</a:t>
+              <a:t>13/7/2015</a:t>
             </a:fld>
             <a:endParaRPr lang="en-SG"/>
           </a:p>
@@ -8826,7 +8826,7 @@
           <a:p>
             <a:fld id="{9EC42EEE-3E5D-4D0F-A5A1-DBE4DDAAFE18}" type="datetimeFigureOut">
               <a:rPr lang="en-SG" smtClean="0"/>
-              <a:t>30/6/2015</a:t>
+              <a:t>13/7/2015</a:t>
             </a:fld>
             <a:endParaRPr lang="en-SG"/>
           </a:p>
@@ -8916,7 +8916,7 @@
           <a:p>
             <a:fld id="{9EC42EEE-3E5D-4D0F-A5A1-DBE4DDAAFE18}" type="datetimeFigureOut">
               <a:rPr lang="en-SG" smtClean="0"/>
-              <a:t>30/6/2015</a:t>
+              <a:t>13/7/2015</a:t>
             </a:fld>
             <a:endParaRPr lang="en-SG"/>
           </a:p>
@@ -9755,7 +9755,7 @@
           <a:p>
             <a:fld id="{9EC42EEE-3E5D-4D0F-A5A1-DBE4DDAAFE18}" type="datetimeFigureOut">
               <a:rPr lang="en-SG" smtClean="0"/>
-              <a:t>30/6/2015</a:t>
+              <a:t>13/7/2015</a:t>
             </a:fld>
             <a:endParaRPr lang="en-SG"/>
           </a:p>
@@ -10598,7 +10598,7 @@
           <a:p>
             <a:fld id="{9EC42EEE-3E5D-4D0F-A5A1-DBE4DDAAFE18}" type="datetimeFigureOut">
               <a:rPr lang="en-SG" smtClean="0"/>
-              <a:t>30/6/2015</a:t>
+              <a:t>13/7/2015</a:t>
             </a:fld>
             <a:endParaRPr lang="en-SG"/>
           </a:p>
@@ -11175,7 +11175,7 @@
           <a:p>
             <a:fld id="{9EC42EEE-3E5D-4D0F-A5A1-DBE4DDAAFE18}" type="datetimeFigureOut">
               <a:rPr lang="en-SG" smtClean="0"/>
-              <a:t>30/6/2015</a:t>
+              <a:t>13/7/2015</a:t>
             </a:fld>
             <a:endParaRPr lang="en-SG"/>
           </a:p>
@@ -11272,7 +11272,7 @@
     <p:sldLayoutId id="2147483670" r:id="rId9"/>
     <p:sldLayoutId id="2147483671" r:id="rId10"/>
     <p:sldLayoutId id="2147483672" r:id="rId11"/>
-    <p:sldLayoutId id="2147483673" r:id="rId12"/>
+    <p:sldLayoutId id="2147483707" r:id="rId12"/>
   </p:sldLayoutIdLst>
   <p:txStyles>
     <p:titleStyle>
@@ -13354,7 +13354,7 @@
 
 <file path=ppt/slides/slide1.xml><?xml version="1.0" encoding="utf-8"?>
 <p:sld xmlns:a="http://schemas.openxmlformats.org/drawingml/2006/main" xmlns:r="http://schemas.openxmlformats.org/officeDocument/2006/relationships" xmlns:p="http://schemas.openxmlformats.org/presentationml/2006/main" show="0">
-  <p:cSld name="PptLabsAgenda_&amp;^@Bullet_&amp;^@Reference_&amp;^@2015062819460665501">
+  <p:cSld name="PptLabsAgenda_&amp;^@Bullet_&amp;^@Reference_&amp;^@2015070119175344351">
     <p:spTree>
       <p:nvGrpSpPr>
         <p:cNvPr id="1" name=""/>
@@ -13377,8 +13377,8 @@
         </p:nvSpPr>
         <p:spPr>
           <a:xfrm>
-            <a:off x="0" y="5934670"/>
-            <a:ext cx="9144000" cy="923330"/>
+            <a:off x="0" y="6405135"/>
+            <a:ext cx="9144000" cy="1200329"/>
           </a:xfrm>
           <a:prstGeom prst="rect">
             <a:avLst/>
@@ -13389,7 +13389,7 @@
         </p:spPr>
         <p:txBody>
           <a:bodyPr vert="horz" rtlCol="0">
-            <a:normAutofit fontScale="92500"/>
+            <a:normAutofit/>
           </a:bodyPr>
           <a:lstStyle/>
           <a:p>
@@ -13433,29 +13433,25 @@
         </p:nvSpPr>
         <p:spPr/>
         <p:txBody>
-          <a:bodyPr/>
+          <a:bodyPr>
+            <a:normAutofit/>
+          </a:bodyPr>
           <a:lstStyle/>
           <a:p>
-            <a:pPr algn="l"/>
-            <a:r>
-              <a:rPr lang="en-SG" b="1" dirty="0" smtClean="0">
+            <a:r>
+              <a:rPr lang="en-SG" b="1" dirty="0">
                 <a:solidFill>
                   <a:srgbClr val="C00000"/>
                 </a:solidFill>
               </a:rPr>
               <a:t>Project Progress Report</a:t>
             </a:r>
-            <a:endParaRPr lang="en-SG" b="1" dirty="0">
-              <a:solidFill>
-                <a:srgbClr val="C00000"/>
-              </a:solidFill>
-            </a:endParaRPr>
-          </a:p>
-        </p:txBody>
-      </p:sp>
-      <p:sp>
-        <p:nvSpPr>
-          <p:cNvPr id="3" name="PptLabsAgenda_&amp;^@ContentShape_&amp;^@2015062819460661800"/>
+          </a:p>
+        </p:txBody>
+      </p:sp>
+      <p:sp>
+        <p:nvSpPr>
+          <p:cNvPr id="3" name="PptLabsAgenda_&amp;^@ContentShape_&amp;^@2015070119175332550"/>
           <p:cNvSpPr>
             <a:spLocks noGrp="1"/>
           </p:cNvSpPr>
@@ -13478,7 +13474,7 @@
               <a:buChar char="ü"/>
             </a:pPr>
             <a:r>
-              <a:rPr lang="en-SG" dirty="0" smtClean="0">
+              <a:rPr lang="en-SG" dirty="0">
                 <a:solidFill>
                   <a:srgbClr val="808080"/>
                 </a:solidFill>
@@ -13492,7 +13488,7 @@
               <a:buChar char="Ø"/>
             </a:pPr>
             <a:r>
-              <a:rPr lang="en-SG" dirty="0" smtClean="0">
+              <a:rPr lang="en-SG" dirty="0">
                 <a:solidFill>
                   <a:srgbClr val="C00000"/>
                 </a:solidFill>
@@ -13507,7 +13503,7 @@
               <a:buChar char="o"/>
             </a:pPr>
             <a:r>
-              <a:rPr lang="en-SG" dirty="0" smtClean="0">
+              <a:rPr lang="en-SG" dirty="0">
                 <a:solidFill>
                   <a:srgbClr val="000000"/>
                 </a:solidFill>
@@ -13574,10 +13570,272 @@
           </a:p>
         </p:txBody>
       </p:sp>
+      <p:grpSp>
+        <p:nvGrpSpPr>
+          <p:cNvPr id="14" name="Unnamed Shape 20150713135318707214"/>
+          <p:cNvGrpSpPr/>
+          <p:nvPr/>
+        </p:nvGrpSpPr>
+        <p:grpSpPr>
+          <a:xfrm>
+            <a:off x="827584" y="5291916"/>
+            <a:ext cx="7488832" cy="657364"/>
+            <a:chOff x="827584" y="5291916"/>
+            <a:chExt cx="7488832" cy="657364"/>
+          </a:xfrm>
+        </p:grpSpPr>
+        <p:sp>
+          <p:nvSpPr>
+            <p:cNvPr id="9" name="Rectangle 8"/>
+            <p:cNvSpPr/>
+            <p:nvPr/>
+          </p:nvSpPr>
+          <p:spPr>
+            <a:xfrm>
+              <a:off x="5436096" y="5661248"/>
+              <a:ext cx="2376264" cy="288032"/>
+            </a:xfrm>
+            <a:prstGeom prst="rect">
+              <a:avLst/>
+            </a:prstGeom>
+            <a:noFill/>
+            <a:ln>
+              <a:solidFill>
+                <a:schemeClr val="bg1">
+                  <a:lumMod val="65000"/>
+                </a:schemeClr>
+              </a:solidFill>
+            </a:ln>
+          </p:spPr>
+          <p:style>
+            <a:lnRef idx="2">
+              <a:schemeClr val="accent1">
+                <a:shade val="50000"/>
+              </a:schemeClr>
+            </a:lnRef>
+            <a:fillRef idx="1">
+              <a:schemeClr val="accent1"/>
+            </a:fillRef>
+            <a:effectRef idx="0">
+              <a:schemeClr val="accent1"/>
+            </a:effectRef>
+            <a:fontRef idx="minor">
+              <a:schemeClr val="lt1"/>
+            </a:fontRef>
+          </p:style>
+          <p:txBody>
+            <a:bodyPr rtlCol="0" anchor="ctr"/>
+            <a:lstStyle/>
+            <a:p>
+              <a:pPr algn="ctr"/>
+              <a:r>
+                <a:rPr lang="en-US" dirty="0" smtClean="0">
+                  <a:solidFill>
+                    <a:schemeClr val="bg1">
+                      <a:lumMod val="65000"/>
+                    </a:schemeClr>
+                  </a:solidFill>
+                </a:rPr>
+                <a:t>2.5 months</a:t>
+              </a:r>
+              <a:endParaRPr lang="en-SG" dirty="0">
+                <a:solidFill>
+                  <a:schemeClr val="bg1">
+                    <a:lumMod val="65000"/>
+                  </a:schemeClr>
+                </a:solidFill>
+              </a:endParaRPr>
+            </a:p>
+          </p:txBody>
+        </p:sp>
+        <p:sp>
+          <p:nvSpPr>
+            <p:cNvPr id="12" name="TextBox 11"/>
+            <p:cNvSpPr txBox="1"/>
+            <p:nvPr/>
+          </p:nvSpPr>
+          <p:spPr>
+            <a:xfrm>
+              <a:off x="7251436" y="5291916"/>
+              <a:ext cx="1064980" cy="369332"/>
+            </a:xfrm>
+            <a:prstGeom prst="rect">
+              <a:avLst/>
+            </a:prstGeom>
+            <a:noFill/>
+          </p:spPr>
+          <p:txBody>
+            <a:bodyPr wrap="square" rtlCol="0">
+              <a:spAutoFit/>
+            </a:bodyPr>
+            <a:lstStyle/>
+            <a:p>
+              <a:pPr algn="r"/>
+              <a:r>
+                <a:rPr lang="en-US" dirty="0" smtClean="0">
+                  <a:solidFill>
+                    <a:schemeClr val="bg1">
+                      <a:lumMod val="65000"/>
+                    </a:schemeClr>
+                  </a:solidFill>
+                </a:rPr>
+                <a:t>Deadline</a:t>
+              </a:r>
+              <a:endParaRPr lang="en-SG" dirty="0">
+                <a:solidFill>
+                  <a:schemeClr val="bg1">
+                    <a:lumMod val="65000"/>
+                  </a:schemeClr>
+                </a:solidFill>
+              </a:endParaRPr>
+            </a:p>
+          </p:txBody>
+        </p:sp>
+        <p:sp>
+          <p:nvSpPr>
+            <p:cNvPr id="8" name="Pentagon 7"/>
+            <p:cNvSpPr/>
+            <p:nvPr/>
+          </p:nvSpPr>
+          <p:spPr>
+            <a:xfrm>
+              <a:off x="1187624" y="5661248"/>
+              <a:ext cx="4392488" cy="288032"/>
+            </a:xfrm>
+            <a:prstGeom prst="homePlate">
+              <a:avLst/>
+            </a:prstGeom>
+            <a:solidFill>
+              <a:schemeClr val="bg1">
+                <a:lumMod val="65000"/>
+              </a:schemeClr>
+            </a:solidFill>
+            <a:ln>
+              <a:solidFill>
+                <a:schemeClr val="bg1">
+                  <a:lumMod val="65000"/>
+                </a:schemeClr>
+              </a:solidFill>
+            </a:ln>
+          </p:spPr>
+          <p:style>
+            <a:lnRef idx="2">
+              <a:schemeClr val="accent1">
+                <a:shade val="50000"/>
+              </a:schemeClr>
+            </a:lnRef>
+            <a:fillRef idx="1">
+              <a:schemeClr val="accent1"/>
+            </a:fillRef>
+            <a:effectRef idx="0">
+              <a:schemeClr val="accent1"/>
+            </a:effectRef>
+            <a:fontRef idx="minor">
+              <a:schemeClr val="lt1"/>
+            </a:fontRef>
+          </p:style>
+          <p:txBody>
+            <a:bodyPr rtlCol="0" anchor="ctr"/>
+            <a:lstStyle/>
+            <a:p>
+              <a:pPr algn="ctr"/>
+              <a:r>
+                <a:rPr lang="en-US" dirty="0" smtClean="0"/>
+                <a:t>8 months</a:t>
+              </a:r>
+              <a:endParaRPr lang="en-SG" dirty="0"/>
+            </a:p>
+          </p:txBody>
+        </p:sp>
+        <p:sp>
+          <p:nvSpPr>
+            <p:cNvPr id="10" name="TextBox 9"/>
+            <p:cNvSpPr txBox="1"/>
+            <p:nvPr/>
+          </p:nvSpPr>
+          <p:spPr>
+            <a:xfrm>
+              <a:off x="827584" y="5301208"/>
+              <a:ext cx="963812" cy="369332"/>
+            </a:xfrm>
+            <a:prstGeom prst="rect">
+              <a:avLst/>
+            </a:prstGeom>
+            <a:noFill/>
+          </p:spPr>
+          <p:txBody>
+            <a:bodyPr wrap="square" rtlCol="0">
+              <a:spAutoFit/>
+            </a:bodyPr>
+            <a:lstStyle/>
+            <a:p>
+              <a:r>
+                <a:rPr lang="en-US" dirty="0" smtClean="0">
+                  <a:solidFill>
+                    <a:schemeClr val="bg1">
+                      <a:lumMod val="65000"/>
+                    </a:schemeClr>
+                  </a:solidFill>
+                </a:rPr>
+                <a:t>Kickoff</a:t>
+              </a:r>
+              <a:endParaRPr lang="en-SG" dirty="0">
+                <a:solidFill>
+                  <a:schemeClr val="bg1">
+                    <a:lumMod val="65000"/>
+                  </a:schemeClr>
+                </a:solidFill>
+              </a:endParaRPr>
+            </a:p>
+          </p:txBody>
+        </p:sp>
+        <p:sp>
+          <p:nvSpPr>
+            <p:cNvPr id="11" name="TextBox 10"/>
+            <p:cNvSpPr txBox="1"/>
+            <p:nvPr/>
+          </p:nvSpPr>
+          <p:spPr>
+            <a:xfrm>
+              <a:off x="5120356" y="5301208"/>
+              <a:ext cx="675780" cy="369332"/>
+            </a:xfrm>
+            <a:prstGeom prst="rect">
+              <a:avLst/>
+            </a:prstGeom>
+            <a:noFill/>
+          </p:spPr>
+          <p:txBody>
+            <a:bodyPr wrap="square" rtlCol="0">
+              <a:spAutoFit/>
+            </a:bodyPr>
+            <a:lstStyle/>
+            <a:p>
+              <a:r>
+                <a:rPr lang="en-US" dirty="0" smtClean="0">
+                  <a:solidFill>
+                    <a:schemeClr val="bg1">
+                      <a:lumMod val="65000"/>
+                    </a:schemeClr>
+                  </a:solidFill>
+                </a:rPr>
+                <a:t>Now</a:t>
+              </a:r>
+              <a:endParaRPr lang="en-SG" dirty="0">
+                <a:solidFill>
+                  <a:schemeClr val="bg1">
+                    <a:lumMod val="65000"/>
+                  </a:schemeClr>
+                </a:solidFill>
+              </a:endParaRPr>
+            </a:p>
+          </p:txBody>
+        </p:sp>
+      </p:grpSp>
     </p:spTree>
     <p:extLst>
       <p:ext uri="{BB962C8B-B14F-4D97-AF65-F5344CB8AC3E}">
-        <p14:creationId xmlns:p14="http://schemas.microsoft.com/office/powerpoint/2010/main" val="2642690875"/>
+        <p14:creationId xmlns:p14="http://schemas.microsoft.com/office/powerpoint/2010/main" val="816372446"/>
       </p:ext>
     </p:extLst>
   </p:cSld>
@@ -13586,10 +13844,14 @@
   </p:clrMapOvr>
   <mc:AlternateContent xmlns:mc="http://schemas.openxmlformats.org/markup-compatibility/2006" xmlns:p14="http://schemas.microsoft.com/office/powerpoint/2010/main">
     <mc:Choice Requires="p14">
-      <p:transition spd="slow" p14:dur="2000"/>
+      <p:transition spd="slow" p14:dur="800">
+        <p:push dir="u"/>
+      </p:transition>
     </mc:Choice>
     <mc:Fallback xmlns="">
-      <p:transition spd="slow"/>
+      <p:transition spd="slow">
+        <p:push dir="u"/>
+      </p:transition>
     </mc:Fallback>
   </mc:AlternateContent>
   <p:timing>
@@ -13832,9 +14094,18 @@
   <p:clrMapOvr>
     <a:masterClrMapping/>
   </p:clrMapOvr>
-  <p:transition spd="slow">
-    <p:push dir="u"/>
-  </p:transition>
+  <mc:AlternateContent xmlns:mc="http://schemas.openxmlformats.org/markup-compatibility/2006" xmlns:p14="http://schemas.microsoft.com/office/powerpoint/2010/main">
+    <mc:Choice Requires="p14">
+      <p:transition spd="slow" p14:dur="800">
+        <p:push dir="u"/>
+      </p:transition>
+    </mc:Choice>
+    <mc:Fallback xmlns="">
+      <p:transition spd="slow">
+        <p:push dir="u"/>
+      </p:transition>
+    </mc:Fallback>
+  </mc:AlternateContent>
   <p:timing>
     <p:tnLst>
       <p:par>
@@ -14196,17 +14467,17 @@
       </p:grpSpPr>
       <p:pic>
         <p:nvPicPr>
-          <p:cNvPr id="2" name="PPTIndicator201506281946070190"/>
+          <p:cNvPr id="2" name="PPTIndicator201507011917551667"/>
           <p:cNvPicPr>
             <a:picLocks/>
           </p:cNvPicPr>
           <p:nvPr/>
         </p:nvPicPr>
         <p:blipFill>
-          <a:blip r:embed="rId2" cstate="email">
+          <a:blip r:embed="rId2" cstate="print">
             <a:extLst>
               <a:ext uri="{28A0092B-C50C-407E-A947-70E740481C1C}">
-                <a14:useLocalDpi xmlns:a14="http://schemas.microsoft.com/office/drawing/2010/main"/>
+                <a14:useLocalDpi xmlns:a14="http://schemas.microsoft.com/office/drawing/2010/main" val="0"/>
               </a:ext>
             </a:extLst>
           </a:blip>
@@ -14246,7 +14517,7 @@
             <a:normAutofit/>
           </a:bodyPr>
           <a:lstStyle>
-            <a:lvl1pPr>
+            <a:lvl1pPr algn="ctr">
               <a:spcBef>
                 <a:spcPct val="0"/>
               </a:spcBef>
@@ -14328,7 +14599,7 @@
       </p:sp>
       <p:sp>
         <p:nvSpPr>
-          <p:cNvPr id="6" name="PptLabsAgenda_&amp;^@ContentShape_&amp;^@2015062819460661800"/>
+          <p:cNvPr id="6" name="PptLabsAgenda_&amp;^@ContentShape_&amp;^@2015070119175332550"/>
           <p:cNvSpPr txBox="1">
             <a:spLocks/>
           </p:cNvSpPr>
@@ -14579,143 +14850,420 @@
             </a:endParaRPr>
           </a:p>
           <a:p>
-            <a:endParaRPr lang="en-SG" dirty="0"/>
-          </a:p>
-        </p:txBody>
-      </p:sp>
-      <p:sp>
-        <p:nvSpPr>
-          <p:cNvPr id="21" name="Rounded Rectangular Callout 2"/>
-          <p:cNvSpPr/>
+            <a:endParaRPr lang="en-SG"/>
+          </a:p>
+        </p:txBody>
+      </p:sp>
+      <p:grpSp>
+        <p:nvGrpSpPr>
+          <p:cNvPr id="16" name="Group 15"/>
+          <p:cNvGrpSpPr/>
           <p:nvPr/>
-        </p:nvSpPr>
-        <p:spPr>
+        </p:nvGrpSpPr>
+        <p:grpSpPr>
           <a:xfrm>
             <a:off x="4788024" y="2564904"/>
             <a:ext cx="3528392" cy="2016224"/>
+            <a:chOff x="4788024" y="2564904"/>
+            <a:chExt cx="3528392" cy="2016224"/>
           </a:xfrm>
-          <a:prstGeom prst="wedgeRoundRectCallout">
-            <a:avLst>
-              <a:gd name="adj1" fmla="val -60426"/>
-              <a:gd name="adj2" fmla="val -34502"/>
-              <a:gd name="adj3" fmla="val 16667"/>
-            </a:avLst>
-          </a:prstGeom>
-          <a:solidFill>
-            <a:schemeClr val="bg1"/>
-          </a:solidFill>
-          <a:ln>
+        </p:grpSpPr>
+        <p:sp>
+          <p:nvSpPr>
+            <p:cNvPr id="13" name="Rounded Rectangular Callout 2"/>
+            <p:cNvSpPr/>
+            <p:nvPr/>
+          </p:nvSpPr>
+          <p:spPr>
+            <a:xfrm>
+              <a:off x="4788024" y="2564904"/>
+              <a:ext cx="3528392" cy="2016224"/>
+            </a:xfrm>
+            <a:prstGeom prst="wedgeRoundRectCallout">
+              <a:avLst>
+                <a:gd name="adj1" fmla="val -60426"/>
+                <a:gd name="adj2" fmla="val -34502"/>
+                <a:gd name="adj3" fmla="val 16667"/>
+              </a:avLst>
+            </a:prstGeom>
+            <a:solidFill>
+              <a:schemeClr val="bg1"/>
+            </a:solidFill>
+            <a:ln>
+              <a:noFill/>
+            </a:ln>
+          </p:spPr>
+          <p:style>
+            <a:lnRef idx="2">
+              <a:schemeClr val="accent1">
+                <a:shade val="50000"/>
+              </a:schemeClr>
+            </a:lnRef>
+            <a:fillRef idx="1">
+              <a:schemeClr val="accent1"/>
+            </a:fillRef>
+            <a:effectRef idx="0">
+              <a:schemeClr val="accent1"/>
+            </a:effectRef>
+            <a:fontRef idx="minor">
+              <a:schemeClr val="lt1"/>
+            </a:fontRef>
+          </p:style>
+          <p:txBody>
+            <a:bodyPr rtlCol="0" anchor="ctr"/>
+            <a:lstStyle/>
+            <a:p>
+              <a:pPr algn="ctr"/>
+              <a:endParaRPr lang="en-US"/>
+            </a:p>
+          </p:txBody>
+        </p:sp>
+        <p:pic>
+          <p:nvPicPr>
+            <p:cNvPr id="14" name="Picture 2" descr="Bonsack's machine"/>
+            <p:cNvPicPr>
+              <a:picLocks noChangeAspect="1" noChangeArrowheads="1"/>
+            </p:cNvPicPr>
+            <p:nvPr/>
+          </p:nvPicPr>
+          <p:blipFill rotWithShape="1">
+            <a:blip r:embed="rId3" cstate="email">
+              <a:extLst>
+                <a:ext uri="{28A0092B-C50C-407E-A947-70E740481C1C}">
+                  <a14:useLocalDpi xmlns:a14="http://schemas.microsoft.com/office/drawing/2010/main"/>
+                </a:ext>
+              </a:extLst>
+            </a:blip>
+            <a:srcRect l="4043" t="51596" r="62546" b="19313"/>
+            <a:stretch/>
+          </p:blipFill>
+          <p:spPr bwMode="auto">
+            <a:xfrm>
+              <a:off x="5076056" y="2996952"/>
+              <a:ext cx="1812862" cy="1212755"/>
+            </a:xfrm>
+            <a:prstGeom prst="roundRect">
+              <a:avLst>
+                <a:gd name="adj" fmla="val 7165"/>
+              </a:avLst>
+            </a:prstGeom>
             <a:noFill/>
-          </a:ln>
-        </p:spPr>
-        <p:style>
-          <a:lnRef idx="2">
-            <a:schemeClr val="accent1">
-              <a:shade val="50000"/>
-            </a:schemeClr>
-          </a:lnRef>
-          <a:fillRef idx="1">
-            <a:schemeClr val="accent1"/>
-          </a:fillRef>
-          <a:effectRef idx="0">
-            <a:schemeClr val="accent1"/>
-          </a:effectRef>
-          <a:fontRef idx="minor">
-            <a:schemeClr val="lt1"/>
-          </a:fontRef>
-        </p:style>
-        <p:txBody>
-          <a:bodyPr rtlCol="0" anchor="ctr"/>
-          <a:lstStyle/>
-          <a:p>
-            <a:pPr algn="ctr"/>
-            <a:endParaRPr lang="en-US"/>
-          </a:p>
-        </p:txBody>
-      </p:sp>
-      <p:pic>
-        <p:nvPicPr>
-          <p:cNvPr id="22" name="Picture 2" descr="Bonsack's machine"/>
-          <p:cNvPicPr>
-            <a:picLocks noChangeAspect="1" noChangeArrowheads="1"/>
-          </p:cNvPicPr>
-          <p:nvPr/>
-        </p:nvPicPr>
-        <p:blipFill rotWithShape="1">
-          <a:blip r:embed="rId3" cstate="email">
             <a:extLst>
-              <a:ext uri="{28A0092B-C50C-407E-A947-70E740481C1C}">
-                <a14:useLocalDpi xmlns:a14="http://schemas.microsoft.com/office/drawing/2010/main"/>
+              <a:ext uri="{909E8E84-426E-40DD-AFC4-6F175D3DCCD1}">
+                <a14:hiddenFill xmlns:a14="http://schemas.microsoft.com/office/drawing/2010/main">
+                  <a:solidFill>
+                    <a:srgbClr val="FFFFFF"/>
+                  </a:solidFill>
+                </a14:hiddenFill>
               </a:ext>
             </a:extLst>
-          </a:blip>
-          <a:srcRect l="4043" t="51596" r="62546" b="19313"/>
-          <a:stretch/>
-        </p:blipFill>
-        <p:spPr bwMode="auto">
+          </p:spPr>
+        </p:pic>
+        <p:sp>
+          <p:nvSpPr>
+            <p:cNvPr id="15" name="TextBox 22"/>
+            <p:cNvSpPr txBox="1"/>
+            <p:nvPr/>
+          </p:nvSpPr>
+          <p:spPr>
+            <a:xfrm>
+              <a:off x="7164288" y="3284984"/>
+              <a:ext cx="1008112" cy="707886"/>
+            </a:xfrm>
+            <a:prstGeom prst="rect">
+              <a:avLst/>
+            </a:prstGeom>
+            <a:noFill/>
+          </p:spPr>
+          <p:txBody>
+            <a:bodyPr wrap="square" rtlCol="0">
+              <a:spAutoFit/>
+            </a:bodyPr>
+            <a:lstStyle/>
+            <a:p>
+              <a:r>
+                <a:rPr lang="en-US" sz="2000" dirty="0" smtClean="0">
+                  <a:solidFill>
+                    <a:srgbClr val="C00000"/>
+                  </a:solidFill>
+                </a:rPr>
+                <a:t>Buy or build?</a:t>
+              </a:r>
+              <a:endParaRPr lang="en-US" sz="2000" dirty="0">
+                <a:solidFill>
+                  <a:srgbClr val="C00000"/>
+                </a:solidFill>
+              </a:endParaRPr>
+            </a:p>
+          </p:txBody>
+        </p:sp>
+      </p:grpSp>
+      <p:grpSp>
+        <p:nvGrpSpPr>
+          <p:cNvPr id="33" name="Unnamed Shape 20150713135318707214"/>
+          <p:cNvGrpSpPr/>
+          <p:nvPr/>
+        </p:nvGrpSpPr>
+        <p:grpSpPr>
           <a:xfrm>
-            <a:off x="5076056" y="2996952"/>
-            <a:ext cx="1812862" cy="1212755"/>
+            <a:off x="827584" y="5291916"/>
+            <a:ext cx="7488832" cy="657364"/>
+            <a:chOff x="827584" y="5291916"/>
+            <a:chExt cx="7488832" cy="657364"/>
           </a:xfrm>
-          <a:prstGeom prst="roundRect">
-            <a:avLst>
-              <a:gd name="adj" fmla="val 7165"/>
-            </a:avLst>
-          </a:prstGeom>
-          <a:noFill/>
-          <a:extLst>
-            <a:ext uri="{909E8E84-426E-40DD-AFC4-6F175D3DCCD1}">
-              <a14:hiddenFill xmlns:a14="http://schemas.microsoft.com/office/drawing/2010/main">
-                <a:solidFill>
-                  <a:srgbClr val="FFFFFF"/>
-                </a:solidFill>
-              </a14:hiddenFill>
-            </a:ext>
-          </a:extLst>
-        </p:spPr>
-      </p:pic>
-      <p:sp>
-        <p:nvSpPr>
-          <p:cNvPr id="23" name="TextBox 22"/>
-          <p:cNvSpPr txBox="1"/>
-          <p:nvPr/>
-        </p:nvSpPr>
-        <p:spPr>
-          <a:xfrm>
-            <a:off x="7164288" y="3284984"/>
-            <a:ext cx="1008112" cy="707886"/>
-          </a:xfrm>
-          <a:prstGeom prst="rect">
-            <a:avLst/>
-          </a:prstGeom>
-          <a:noFill/>
-        </p:spPr>
-        <p:txBody>
-          <a:bodyPr wrap="square" rtlCol="0">
-            <a:spAutoFit/>
-          </a:bodyPr>
-          <a:lstStyle/>
-          <a:p>
-            <a:r>
-              <a:rPr lang="en-US" sz="2000" dirty="0" smtClean="0">
-                <a:solidFill>
-                  <a:srgbClr val="C00000"/>
-                </a:solidFill>
-              </a:rPr>
-              <a:t>Buy or build?</a:t>
-            </a:r>
-            <a:endParaRPr lang="en-US" sz="2000" dirty="0">
+        </p:grpSpPr>
+        <p:sp>
+          <p:nvSpPr>
+            <p:cNvPr id="34" name="Rectangle 33"/>
+            <p:cNvSpPr/>
+            <p:nvPr/>
+          </p:nvSpPr>
+          <p:spPr>
+            <a:xfrm>
+              <a:off x="5436096" y="5661248"/>
+              <a:ext cx="2376264" cy="288032"/>
+            </a:xfrm>
+            <a:prstGeom prst="rect">
+              <a:avLst/>
+            </a:prstGeom>
+            <a:noFill/>
+            <a:ln>
               <a:solidFill>
-                <a:srgbClr val="C00000"/>
+                <a:schemeClr val="bg1">
+                  <a:lumMod val="65000"/>
+                </a:schemeClr>
               </a:solidFill>
-            </a:endParaRPr>
-          </a:p>
-        </p:txBody>
-      </p:sp>
+            </a:ln>
+          </p:spPr>
+          <p:style>
+            <a:lnRef idx="2">
+              <a:schemeClr val="accent1">
+                <a:shade val="50000"/>
+              </a:schemeClr>
+            </a:lnRef>
+            <a:fillRef idx="1">
+              <a:schemeClr val="accent1"/>
+            </a:fillRef>
+            <a:effectRef idx="0">
+              <a:schemeClr val="accent1"/>
+            </a:effectRef>
+            <a:fontRef idx="minor">
+              <a:schemeClr val="lt1"/>
+            </a:fontRef>
+          </p:style>
+          <p:txBody>
+            <a:bodyPr rtlCol="0" anchor="ctr"/>
+            <a:lstStyle/>
+            <a:p>
+              <a:pPr algn="ctr"/>
+              <a:r>
+                <a:rPr lang="en-US" dirty="0" smtClean="0">
+                  <a:solidFill>
+                    <a:schemeClr val="bg1">
+                      <a:lumMod val="65000"/>
+                    </a:schemeClr>
+                  </a:solidFill>
+                </a:rPr>
+                <a:t>2.5 months</a:t>
+              </a:r>
+              <a:endParaRPr lang="en-SG" dirty="0">
+                <a:solidFill>
+                  <a:schemeClr val="bg1">
+                    <a:lumMod val="65000"/>
+                  </a:schemeClr>
+                </a:solidFill>
+              </a:endParaRPr>
+            </a:p>
+          </p:txBody>
+        </p:sp>
+        <p:sp>
+          <p:nvSpPr>
+            <p:cNvPr id="35" name="TextBox 34"/>
+            <p:cNvSpPr txBox="1"/>
+            <p:nvPr/>
+          </p:nvSpPr>
+          <p:spPr>
+            <a:xfrm>
+              <a:off x="7251436" y="5291916"/>
+              <a:ext cx="1064980" cy="369332"/>
+            </a:xfrm>
+            <a:prstGeom prst="rect">
+              <a:avLst/>
+            </a:prstGeom>
+            <a:noFill/>
+          </p:spPr>
+          <p:txBody>
+            <a:bodyPr wrap="square" rtlCol="0">
+              <a:spAutoFit/>
+            </a:bodyPr>
+            <a:lstStyle/>
+            <a:p>
+              <a:pPr algn="r"/>
+              <a:r>
+                <a:rPr lang="en-US" dirty="0" smtClean="0">
+                  <a:solidFill>
+                    <a:schemeClr val="bg1">
+                      <a:lumMod val="65000"/>
+                    </a:schemeClr>
+                  </a:solidFill>
+                </a:rPr>
+                <a:t>Deadline</a:t>
+              </a:r>
+              <a:endParaRPr lang="en-SG" dirty="0">
+                <a:solidFill>
+                  <a:schemeClr val="bg1">
+                    <a:lumMod val="65000"/>
+                  </a:schemeClr>
+                </a:solidFill>
+              </a:endParaRPr>
+            </a:p>
+          </p:txBody>
+        </p:sp>
+        <p:sp>
+          <p:nvSpPr>
+            <p:cNvPr id="36" name="Pentagon 35"/>
+            <p:cNvSpPr/>
+            <p:nvPr/>
+          </p:nvSpPr>
+          <p:spPr>
+            <a:xfrm>
+              <a:off x="1187624" y="5661248"/>
+              <a:ext cx="4392488" cy="288032"/>
+            </a:xfrm>
+            <a:prstGeom prst="homePlate">
+              <a:avLst/>
+            </a:prstGeom>
+            <a:solidFill>
+              <a:schemeClr val="bg1">
+                <a:lumMod val="65000"/>
+              </a:schemeClr>
+            </a:solidFill>
+            <a:ln>
+              <a:solidFill>
+                <a:schemeClr val="bg1">
+                  <a:lumMod val="65000"/>
+                </a:schemeClr>
+              </a:solidFill>
+            </a:ln>
+          </p:spPr>
+          <p:style>
+            <a:lnRef idx="2">
+              <a:schemeClr val="accent1">
+                <a:shade val="50000"/>
+              </a:schemeClr>
+            </a:lnRef>
+            <a:fillRef idx="1">
+              <a:schemeClr val="accent1"/>
+            </a:fillRef>
+            <a:effectRef idx="0">
+              <a:schemeClr val="accent1"/>
+            </a:effectRef>
+            <a:fontRef idx="minor">
+              <a:schemeClr val="lt1"/>
+            </a:fontRef>
+          </p:style>
+          <p:txBody>
+            <a:bodyPr rtlCol="0" anchor="ctr"/>
+            <a:lstStyle/>
+            <a:p>
+              <a:pPr algn="ctr"/>
+              <a:r>
+                <a:rPr lang="en-US" dirty="0" smtClean="0"/>
+                <a:t>8 months</a:t>
+              </a:r>
+              <a:endParaRPr lang="en-SG" dirty="0"/>
+            </a:p>
+          </p:txBody>
+        </p:sp>
+        <p:sp>
+          <p:nvSpPr>
+            <p:cNvPr id="37" name="TextBox 36"/>
+            <p:cNvSpPr txBox="1"/>
+            <p:nvPr/>
+          </p:nvSpPr>
+          <p:spPr>
+            <a:xfrm>
+              <a:off x="827584" y="5301208"/>
+              <a:ext cx="963812" cy="369332"/>
+            </a:xfrm>
+            <a:prstGeom prst="rect">
+              <a:avLst/>
+            </a:prstGeom>
+            <a:noFill/>
+          </p:spPr>
+          <p:txBody>
+            <a:bodyPr wrap="square" rtlCol="0">
+              <a:spAutoFit/>
+            </a:bodyPr>
+            <a:lstStyle/>
+            <a:p>
+              <a:r>
+                <a:rPr lang="en-US" dirty="0" smtClean="0">
+                  <a:solidFill>
+                    <a:schemeClr val="bg1">
+                      <a:lumMod val="65000"/>
+                    </a:schemeClr>
+                  </a:solidFill>
+                </a:rPr>
+                <a:t>Kickoff</a:t>
+              </a:r>
+              <a:endParaRPr lang="en-SG" dirty="0">
+                <a:solidFill>
+                  <a:schemeClr val="bg1">
+                    <a:lumMod val="65000"/>
+                  </a:schemeClr>
+                </a:solidFill>
+              </a:endParaRPr>
+            </a:p>
+          </p:txBody>
+        </p:sp>
+        <p:sp>
+          <p:nvSpPr>
+            <p:cNvPr id="38" name="TextBox 37"/>
+            <p:cNvSpPr txBox="1"/>
+            <p:nvPr/>
+          </p:nvSpPr>
+          <p:spPr>
+            <a:xfrm>
+              <a:off x="5120356" y="5301208"/>
+              <a:ext cx="675780" cy="369332"/>
+            </a:xfrm>
+            <a:prstGeom prst="rect">
+              <a:avLst/>
+            </a:prstGeom>
+            <a:noFill/>
+          </p:spPr>
+          <p:txBody>
+            <a:bodyPr wrap="square" rtlCol="0">
+              <a:spAutoFit/>
+            </a:bodyPr>
+            <a:lstStyle/>
+            <a:p>
+              <a:r>
+                <a:rPr lang="en-US" dirty="0" smtClean="0">
+                  <a:solidFill>
+                    <a:schemeClr val="bg1">
+                      <a:lumMod val="65000"/>
+                    </a:schemeClr>
+                  </a:solidFill>
+                </a:rPr>
+                <a:t>Now</a:t>
+              </a:r>
+              <a:endParaRPr lang="en-SG" dirty="0">
+                <a:solidFill>
+                  <a:schemeClr val="bg1">
+                    <a:lumMod val="65000"/>
+                  </a:schemeClr>
+                </a:solidFill>
+              </a:endParaRPr>
+            </a:p>
+          </p:txBody>
+        </p:sp>
+      </p:grpSp>
     </p:spTree>
     <p:extLst>
       <p:ext uri="{BB962C8B-B14F-4D97-AF65-F5344CB8AC3E}">
-        <p14:creationId xmlns:p14="http://schemas.microsoft.com/office/powerpoint/2010/main" val="336308403"/>
+        <p14:creationId xmlns:p14="http://schemas.microsoft.com/office/powerpoint/2010/main" val="565962193"/>
       </p:ext>
     </p:extLst>
   </p:cSld>
@@ -14805,6 +15353,50 @@
                             </p:childTnLst>
                           </p:cTn>
                         </p:par>
+                        <p:par>
+                          <p:cTn id="9" fill="hold">
+                            <p:stCondLst>
+                              <p:cond delay="0"/>
+                            </p:stCondLst>
+                            <p:childTnLst>
+                              <p:par>
+                                <p:cTn id="10" presetID="10" presetClass="entr" presetSubtype="0" fill="hold" nodeType="afterEffect">
+                                  <p:stCondLst>
+                                    <p:cond delay="0"/>
+                                  </p:stCondLst>
+                                  <p:childTnLst>
+                                    <p:set>
+                                      <p:cBhvr>
+                                        <p:cTn id="11" dur="1" fill="hold">
+                                          <p:stCondLst>
+                                            <p:cond delay="0"/>
+                                          </p:stCondLst>
+                                        </p:cTn>
+                                        <p:tgtEl>
+                                          <p:spTgt spid="16"/>
+                                        </p:tgtEl>
+                                        <p:attrNameLst>
+                                          <p:attrName>style.visibility</p:attrName>
+                                        </p:attrNameLst>
+                                      </p:cBhvr>
+                                      <p:to>
+                                        <p:strVal val="visible"/>
+                                      </p:to>
+                                    </p:set>
+                                    <p:animEffect transition="in" filter="fade">
+                                      <p:cBhvr>
+                                        <p:cTn id="12" dur="500"/>
+                                        <p:tgtEl>
+                                          <p:spTgt spid="16"/>
+                                        </p:tgtEl>
+                                      </p:cBhvr>
+                                    </p:animEffect>
+                                  </p:childTnLst>
+                                </p:cTn>
+                              </p:par>
+                            </p:childTnLst>
+                          </p:cTn>
+                        </p:par>
                       </p:childTnLst>
                     </p:cTn>
                   </p:par>
@@ -14852,17 +15444,17 @@
       </p:grpSpPr>
       <p:pic>
         <p:nvPicPr>
-          <p:cNvPr id="2" name="PPTIndicator201506281946072380"/>
+          <p:cNvPr id="2" name="PPTIndicator201507011917556607"/>
           <p:cNvPicPr>
             <a:picLocks/>
           </p:cNvPicPr>
           <p:nvPr/>
         </p:nvPicPr>
         <p:blipFill>
-          <a:blip r:embed="rId2" cstate="email">
+          <a:blip r:embed="rId2" cstate="print">
             <a:extLst>
               <a:ext uri="{28A0092B-C50C-407E-A947-70E740481C1C}">
-                <a14:useLocalDpi xmlns:a14="http://schemas.microsoft.com/office/drawing/2010/main"/>
+                <a14:useLocalDpi xmlns:a14="http://schemas.microsoft.com/office/drawing/2010/main" val="0"/>
               </a:ext>
             </a:extLst>
           </a:blip>
@@ -14902,7 +15494,7 @@
             <a:normAutofit/>
           </a:bodyPr>
           <a:lstStyle>
-            <a:lvl1pPr>
+            <a:lvl1pPr algn="ctr">
               <a:spcBef>
                 <a:spcPct val="0"/>
               </a:spcBef>
@@ -14984,7 +15576,7 @@
       </p:sp>
       <p:sp>
         <p:nvSpPr>
-          <p:cNvPr id="6" name="PptLabsAgenda_&amp;^@ContentShape_&amp;^@2015062819460661800"/>
+          <p:cNvPr id="6" name="PptLabsAgenda_&amp;^@ContentShape_&amp;^@2015070119175332550"/>
           <p:cNvSpPr txBox="1">
             <a:spLocks/>
           </p:cNvSpPr>
@@ -15233,10 +15825,272 @@
           </a:p>
         </p:txBody>
       </p:sp>
+      <p:grpSp>
+        <p:nvGrpSpPr>
+          <p:cNvPr id="29" name="Unnamed Shape 20150713135318707214"/>
+          <p:cNvGrpSpPr/>
+          <p:nvPr/>
+        </p:nvGrpSpPr>
+        <p:grpSpPr>
+          <a:xfrm>
+            <a:off x="827584" y="5291916"/>
+            <a:ext cx="7488832" cy="657364"/>
+            <a:chOff x="827584" y="5291916"/>
+            <a:chExt cx="7488832" cy="657364"/>
+          </a:xfrm>
+        </p:grpSpPr>
+        <p:sp>
+          <p:nvSpPr>
+            <p:cNvPr id="30" name="Rectangle 29"/>
+            <p:cNvSpPr/>
+            <p:nvPr/>
+          </p:nvSpPr>
+          <p:spPr>
+            <a:xfrm>
+              <a:off x="5436096" y="5661248"/>
+              <a:ext cx="2376264" cy="288032"/>
+            </a:xfrm>
+            <a:prstGeom prst="rect">
+              <a:avLst/>
+            </a:prstGeom>
+            <a:noFill/>
+            <a:ln>
+              <a:solidFill>
+                <a:schemeClr val="bg1">
+                  <a:lumMod val="65000"/>
+                </a:schemeClr>
+              </a:solidFill>
+            </a:ln>
+          </p:spPr>
+          <p:style>
+            <a:lnRef idx="2">
+              <a:schemeClr val="accent1">
+                <a:shade val="50000"/>
+              </a:schemeClr>
+            </a:lnRef>
+            <a:fillRef idx="1">
+              <a:schemeClr val="accent1"/>
+            </a:fillRef>
+            <a:effectRef idx="0">
+              <a:schemeClr val="accent1"/>
+            </a:effectRef>
+            <a:fontRef idx="minor">
+              <a:schemeClr val="lt1"/>
+            </a:fontRef>
+          </p:style>
+          <p:txBody>
+            <a:bodyPr rtlCol="0" anchor="ctr"/>
+            <a:lstStyle/>
+            <a:p>
+              <a:pPr algn="ctr"/>
+              <a:r>
+                <a:rPr lang="en-US" dirty="0" smtClean="0">
+                  <a:solidFill>
+                    <a:schemeClr val="bg1">
+                      <a:lumMod val="65000"/>
+                    </a:schemeClr>
+                  </a:solidFill>
+                </a:rPr>
+                <a:t>2.5 months</a:t>
+              </a:r>
+              <a:endParaRPr lang="en-SG" dirty="0">
+                <a:solidFill>
+                  <a:schemeClr val="bg1">
+                    <a:lumMod val="65000"/>
+                  </a:schemeClr>
+                </a:solidFill>
+              </a:endParaRPr>
+            </a:p>
+          </p:txBody>
+        </p:sp>
+        <p:sp>
+          <p:nvSpPr>
+            <p:cNvPr id="31" name="TextBox 30"/>
+            <p:cNvSpPr txBox="1"/>
+            <p:nvPr/>
+          </p:nvSpPr>
+          <p:spPr>
+            <a:xfrm>
+              <a:off x="7251436" y="5291916"/>
+              <a:ext cx="1064980" cy="369332"/>
+            </a:xfrm>
+            <a:prstGeom prst="rect">
+              <a:avLst/>
+            </a:prstGeom>
+            <a:noFill/>
+          </p:spPr>
+          <p:txBody>
+            <a:bodyPr wrap="square" rtlCol="0">
+              <a:spAutoFit/>
+            </a:bodyPr>
+            <a:lstStyle/>
+            <a:p>
+              <a:pPr algn="r"/>
+              <a:r>
+                <a:rPr lang="en-US" dirty="0" smtClean="0">
+                  <a:solidFill>
+                    <a:schemeClr val="bg1">
+                      <a:lumMod val="65000"/>
+                    </a:schemeClr>
+                  </a:solidFill>
+                </a:rPr>
+                <a:t>Deadline</a:t>
+              </a:r>
+              <a:endParaRPr lang="en-SG" dirty="0">
+                <a:solidFill>
+                  <a:schemeClr val="bg1">
+                    <a:lumMod val="65000"/>
+                  </a:schemeClr>
+                </a:solidFill>
+              </a:endParaRPr>
+            </a:p>
+          </p:txBody>
+        </p:sp>
+        <p:sp>
+          <p:nvSpPr>
+            <p:cNvPr id="32" name="Pentagon 31"/>
+            <p:cNvSpPr/>
+            <p:nvPr/>
+          </p:nvSpPr>
+          <p:spPr>
+            <a:xfrm>
+              <a:off x="1187624" y="5661248"/>
+              <a:ext cx="4392488" cy="288032"/>
+            </a:xfrm>
+            <a:prstGeom prst="homePlate">
+              <a:avLst/>
+            </a:prstGeom>
+            <a:solidFill>
+              <a:schemeClr val="bg1">
+                <a:lumMod val="65000"/>
+              </a:schemeClr>
+            </a:solidFill>
+            <a:ln>
+              <a:solidFill>
+                <a:schemeClr val="bg1">
+                  <a:lumMod val="65000"/>
+                </a:schemeClr>
+              </a:solidFill>
+            </a:ln>
+          </p:spPr>
+          <p:style>
+            <a:lnRef idx="2">
+              <a:schemeClr val="accent1">
+                <a:shade val="50000"/>
+              </a:schemeClr>
+            </a:lnRef>
+            <a:fillRef idx="1">
+              <a:schemeClr val="accent1"/>
+            </a:fillRef>
+            <a:effectRef idx="0">
+              <a:schemeClr val="accent1"/>
+            </a:effectRef>
+            <a:fontRef idx="minor">
+              <a:schemeClr val="lt1"/>
+            </a:fontRef>
+          </p:style>
+          <p:txBody>
+            <a:bodyPr rtlCol="0" anchor="ctr"/>
+            <a:lstStyle/>
+            <a:p>
+              <a:pPr algn="ctr"/>
+              <a:r>
+                <a:rPr lang="en-US" dirty="0" smtClean="0"/>
+                <a:t>8 months</a:t>
+              </a:r>
+              <a:endParaRPr lang="en-SG" dirty="0"/>
+            </a:p>
+          </p:txBody>
+        </p:sp>
+        <p:sp>
+          <p:nvSpPr>
+            <p:cNvPr id="33" name="TextBox 32"/>
+            <p:cNvSpPr txBox="1"/>
+            <p:nvPr/>
+          </p:nvSpPr>
+          <p:spPr>
+            <a:xfrm>
+              <a:off x="827584" y="5301208"/>
+              <a:ext cx="963812" cy="369332"/>
+            </a:xfrm>
+            <a:prstGeom prst="rect">
+              <a:avLst/>
+            </a:prstGeom>
+            <a:noFill/>
+          </p:spPr>
+          <p:txBody>
+            <a:bodyPr wrap="square" rtlCol="0">
+              <a:spAutoFit/>
+            </a:bodyPr>
+            <a:lstStyle/>
+            <a:p>
+              <a:r>
+                <a:rPr lang="en-US" dirty="0" smtClean="0">
+                  <a:solidFill>
+                    <a:schemeClr val="bg1">
+                      <a:lumMod val="65000"/>
+                    </a:schemeClr>
+                  </a:solidFill>
+                </a:rPr>
+                <a:t>Kickoff</a:t>
+              </a:r>
+              <a:endParaRPr lang="en-SG" dirty="0">
+                <a:solidFill>
+                  <a:schemeClr val="bg1">
+                    <a:lumMod val="65000"/>
+                  </a:schemeClr>
+                </a:solidFill>
+              </a:endParaRPr>
+            </a:p>
+          </p:txBody>
+        </p:sp>
+        <p:sp>
+          <p:nvSpPr>
+            <p:cNvPr id="34" name="TextBox 33"/>
+            <p:cNvSpPr txBox="1"/>
+            <p:nvPr/>
+          </p:nvSpPr>
+          <p:spPr>
+            <a:xfrm>
+              <a:off x="5120356" y="5301208"/>
+              <a:ext cx="675780" cy="369332"/>
+            </a:xfrm>
+            <a:prstGeom prst="rect">
+              <a:avLst/>
+            </a:prstGeom>
+            <a:noFill/>
+          </p:spPr>
+          <p:txBody>
+            <a:bodyPr wrap="square" rtlCol="0">
+              <a:spAutoFit/>
+            </a:bodyPr>
+            <a:lstStyle/>
+            <a:p>
+              <a:r>
+                <a:rPr lang="en-US" dirty="0" smtClean="0">
+                  <a:solidFill>
+                    <a:schemeClr val="bg1">
+                      <a:lumMod val="65000"/>
+                    </a:schemeClr>
+                  </a:solidFill>
+                </a:rPr>
+                <a:t>Now</a:t>
+              </a:r>
+              <a:endParaRPr lang="en-SG" dirty="0">
+                <a:solidFill>
+                  <a:schemeClr val="bg1">
+                    <a:lumMod val="65000"/>
+                  </a:schemeClr>
+                </a:solidFill>
+              </a:endParaRPr>
+            </a:p>
+          </p:txBody>
+        </p:sp>
+      </p:grpSp>
     </p:spTree>
     <p:extLst>
       <p:ext uri="{BB962C8B-B14F-4D97-AF65-F5344CB8AC3E}">
-        <p14:creationId xmlns:p14="http://schemas.microsoft.com/office/powerpoint/2010/main" val="2915947164"/>
+        <p14:creationId xmlns:p14="http://schemas.microsoft.com/office/powerpoint/2010/main" val="3063447467"/>
       </p:ext>
     </p:extLst>
   </p:cSld>
@@ -15524,9 +16378,18 @@
   <p:clrMapOvr>
     <a:masterClrMapping/>
   </p:clrMapOvr>
-  <p:transition spd="slow">
-    <p:push dir="u"/>
-  </p:transition>
+  <mc:AlternateContent xmlns:mc="http://schemas.openxmlformats.org/markup-compatibility/2006" xmlns:p14="http://schemas.microsoft.com/office/powerpoint/2010/main">
+    <mc:Choice Requires="p14">
+      <p:transition spd="slow" p14:dur="800">
+        <p:push dir="u"/>
+      </p:transition>
+    </mc:Choice>
+    <mc:Fallback xmlns="">
+      <p:transition spd="slow">
+        <p:push dir="u"/>
+      </p:transition>
+    </mc:Fallback>
+  </mc:AlternateContent>
   <p:timing>
     <p:tnLst>
       <p:par>
@@ -15851,17 +16714,17 @@
       </p:grpSpPr>
       <p:pic>
         <p:nvPicPr>
-          <p:cNvPr id="2" name="PPTIndicator201506281946072530"/>
+          <p:cNvPr id="2" name="PPTIndicator201507011917556747"/>
           <p:cNvPicPr>
             <a:picLocks/>
           </p:cNvPicPr>
           <p:nvPr/>
         </p:nvPicPr>
         <p:blipFill>
-          <a:blip r:embed="rId2" cstate="email">
+          <a:blip r:embed="rId2" cstate="print">
             <a:extLst>
               <a:ext uri="{28A0092B-C50C-407E-A947-70E740481C1C}">
-                <a14:useLocalDpi xmlns:a14="http://schemas.microsoft.com/office/drawing/2010/main"/>
+                <a14:useLocalDpi xmlns:a14="http://schemas.microsoft.com/office/drawing/2010/main" val="0"/>
               </a:ext>
             </a:extLst>
           </a:blip>
@@ -15901,7 +16764,7 @@
             <a:normAutofit/>
           </a:bodyPr>
           <a:lstStyle>
-            <a:lvl1pPr>
+            <a:lvl1pPr algn="ctr">
               <a:spcBef>
                 <a:spcPct val="0"/>
               </a:spcBef>
@@ -15983,7 +16846,7 @@
       </p:sp>
       <p:sp>
         <p:nvSpPr>
-          <p:cNvPr id="6" name="PptLabsAgenda_&amp;^@ContentShape_&amp;^@2015062819460661800"/>
+          <p:cNvPr id="6" name="PptLabsAgenda_&amp;^@ContentShape_&amp;^@2015070119175332550"/>
           <p:cNvSpPr txBox="1">
             <a:spLocks/>
           </p:cNvSpPr>
@@ -16228,14 +17091,276 @@
             </a:endParaRPr>
           </a:p>
           <a:p>
-            <a:endParaRPr lang="en-SG" dirty="0"/>
-          </a:p>
-        </p:txBody>
-      </p:sp>
+            <a:endParaRPr lang="en-SG"/>
+          </a:p>
+        </p:txBody>
+      </p:sp>
+      <p:grpSp>
+        <p:nvGrpSpPr>
+          <p:cNvPr id="29" name="Unnamed Shape 20150713135318707214"/>
+          <p:cNvGrpSpPr/>
+          <p:nvPr/>
+        </p:nvGrpSpPr>
+        <p:grpSpPr>
+          <a:xfrm>
+            <a:off x="827584" y="5291916"/>
+            <a:ext cx="7488832" cy="657364"/>
+            <a:chOff x="827584" y="5291916"/>
+            <a:chExt cx="7488832" cy="657364"/>
+          </a:xfrm>
+        </p:grpSpPr>
+        <p:sp>
+          <p:nvSpPr>
+            <p:cNvPr id="30" name="Rectangle 29"/>
+            <p:cNvSpPr/>
+            <p:nvPr/>
+          </p:nvSpPr>
+          <p:spPr>
+            <a:xfrm>
+              <a:off x="5436096" y="5661248"/>
+              <a:ext cx="2376264" cy="288032"/>
+            </a:xfrm>
+            <a:prstGeom prst="rect">
+              <a:avLst/>
+            </a:prstGeom>
+            <a:noFill/>
+            <a:ln>
+              <a:solidFill>
+                <a:schemeClr val="bg1">
+                  <a:lumMod val="65000"/>
+                </a:schemeClr>
+              </a:solidFill>
+            </a:ln>
+          </p:spPr>
+          <p:style>
+            <a:lnRef idx="2">
+              <a:schemeClr val="accent1">
+                <a:shade val="50000"/>
+              </a:schemeClr>
+            </a:lnRef>
+            <a:fillRef idx="1">
+              <a:schemeClr val="accent1"/>
+            </a:fillRef>
+            <a:effectRef idx="0">
+              <a:schemeClr val="accent1"/>
+            </a:effectRef>
+            <a:fontRef idx="minor">
+              <a:schemeClr val="lt1"/>
+            </a:fontRef>
+          </p:style>
+          <p:txBody>
+            <a:bodyPr rtlCol="0" anchor="ctr"/>
+            <a:lstStyle/>
+            <a:p>
+              <a:pPr algn="ctr"/>
+              <a:r>
+                <a:rPr lang="en-US" dirty="0" smtClean="0">
+                  <a:solidFill>
+                    <a:schemeClr val="bg1">
+                      <a:lumMod val="65000"/>
+                    </a:schemeClr>
+                  </a:solidFill>
+                </a:rPr>
+                <a:t>2.5 months</a:t>
+              </a:r>
+              <a:endParaRPr lang="en-SG" dirty="0">
+                <a:solidFill>
+                  <a:schemeClr val="bg1">
+                    <a:lumMod val="65000"/>
+                  </a:schemeClr>
+                </a:solidFill>
+              </a:endParaRPr>
+            </a:p>
+          </p:txBody>
+        </p:sp>
+        <p:sp>
+          <p:nvSpPr>
+            <p:cNvPr id="31" name="TextBox 30"/>
+            <p:cNvSpPr txBox="1"/>
+            <p:nvPr/>
+          </p:nvSpPr>
+          <p:spPr>
+            <a:xfrm>
+              <a:off x="7251436" y="5291916"/>
+              <a:ext cx="1064980" cy="369332"/>
+            </a:xfrm>
+            <a:prstGeom prst="rect">
+              <a:avLst/>
+            </a:prstGeom>
+            <a:noFill/>
+          </p:spPr>
+          <p:txBody>
+            <a:bodyPr wrap="square" rtlCol="0">
+              <a:spAutoFit/>
+            </a:bodyPr>
+            <a:lstStyle/>
+            <a:p>
+              <a:pPr algn="r"/>
+              <a:r>
+                <a:rPr lang="en-US" dirty="0" smtClean="0">
+                  <a:solidFill>
+                    <a:schemeClr val="bg1">
+                      <a:lumMod val="65000"/>
+                    </a:schemeClr>
+                  </a:solidFill>
+                </a:rPr>
+                <a:t>Deadline</a:t>
+              </a:r>
+              <a:endParaRPr lang="en-SG" dirty="0">
+                <a:solidFill>
+                  <a:schemeClr val="bg1">
+                    <a:lumMod val="65000"/>
+                  </a:schemeClr>
+                </a:solidFill>
+              </a:endParaRPr>
+            </a:p>
+          </p:txBody>
+        </p:sp>
+        <p:sp>
+          <p:nvSpPr>
+            <p:cNvPr id="32" name="Pentagon 31"/>
+            <p:cNvSpPr/>
+            <p:nvPr/>
+          </p:nvSpPr>
+          <p:spPr>
+            <a:xfrm>
+              <a:off x="1187624" y="5661248"/>
+              <a:ext cx="4392488" cy="288032"/>
+            </a:xfrm>
+            <a:prstGeom prst="homePlate">
+              <a:avLst/>
+            </a:prstGeom>
+            <a:solidFill>
+              <a:schemeClr val="bg1">
+                <a:lumMod val="65000"/>
+              </a:schemeClr>
+            </a:solidFill>
+            <a:ln>
+              <a:solidFill>
+                <a:schemeClr val="bg1">
+                  <a:lumMod val="65000"/>
+                </a:schemeClr>
+              </a:solidFill>
+            </a:ln>
+          </p:spPr>
+          <p:style>
+            <a:lnRef idx="2">
+              <a:schemeClr val="accent1">
+                <a:shade val="50000"/>
+              </a:schemeClr>
+            </a:lnRef>
+            <a:fillRef idx="1">
+              <a:schemeClr val="accent1"/>
+            </a:fillRef>
+            <a:effectRef idx="0">
+              <a:schemeClr val="accent1"/>
+            </a:effectRef>
+            <a:fontRef idx="minor">
+              <a:schemeClr val="lt1"/>
+            </a:fontRef>
+          </p:style>
+          <p:txBody>
+            <a:bodyPr rtlCol="0" anchor="ctr"/>
+            <a:lstStyle/>
+            <a:p>
+              <a:pPr algn="ctr"/>
+              <a:r>
+                <a:rPr lang="en-US" dirty="0" smtClean="0"/>
+                <a:t>8 months</a:t>
+              </a:r>
+              <a:endParaRPr lang="en-SG" dirty="0"/>
+            </a:p>
+          </p:txBody>
+        </p:sp>
+        <p:sp>
+          <p:nvSpPr>
+            <p:cNvPr id="33" name="TextBox 32"/>
+            <p:cNvSpPr txBox="1"/>
+            <p:nvPr/>
+          </p:nvSpPr>
+          <p:spPr>
+            <a:xfrm>
+              <a:off x="827584" y="5301208"/>
+              <a:ext cx="963812" cy="369332"/>
+            </a:xfrm>
+            <a:prstGeom prst="rect">
+              <a:avLst/>
+            </a:prstGeom>
+            <a:noFill/>
+          </p:spPr>
+          <p:txBody>
+            <a:bodyPr wrap="square" rtlCol="0">
+              <a:spAutoFit/>
+            </a:bodyPr>
+            <a:lstStyle/>
+            <a:p>
+              <a:r>
+                <a:rPr lang="en-US" dirty="0" smtClean="0">
+                  <a:solidFill>
+                    <a:schemeClr val="bg1">
+                      <a:lumMod val="65000"/>
+                    </a:schemeClr>
+                  </a:solidFill>
+                </a:rPr>
+                <a:t>Kickoff</a:t>
+              </a:r>
+              <a:endParaRPr lang="en-SG" dirty="0">
+                <a:solidFill>
+                  <a:schemeClr val="bg1">
+                    <a:lumMod val="65000"/>
+                  </a:schemeClr>
+                </a:solidFill>
+              </a:endParaRPr>
+            </a:p>
+          </p:txBody>
+        </p:sp>
+        <p:sp>
+          <p:nvSpPr>
+            <p:cNvPr id="34" name="TextBox 33"/>
+            <p:cNvSpPr txBox="1"/>
+            <p:nvPr/>
+          </p:nvSpPr>
+          <p:spPr>
+            <a:xfrm>
+              <a:off x="5120356" y="5301208"/>
+              <a:ext cx="675780" cy="369332"/>
+            </a:xfrm>
+            <a:prstGeom prst="rect">
+              <a:avLst/>
+            </a:prstGeom>
+            <a:noFill/>
+          </p:spPr>
+          <p:txBody>
+            <a:bodyPr wrap="square" rtlCol="0">
+              <a:spAutoFit/>
+            </a:bodyPr>
+            <a:lstStyle/>
+            <a:p>
+              <a:r>
+                <a:rPr lang="en-US" dirty="0" smtClean="0">
+                  <a:solidFill>
+                    <a:schemeClr val="bg1">
+                      <a:lumMod val="65000"/>
+                    </a:schemeClr>
+                  </a:solidFill>
+                </a:rPr>
+                <a:t>Now</a:t>
+              </a:r>
+              <a:endParaRPr lang="en-SG" dirty="0">
+                <a:solidFill>
+                  <a:schemeClr val="bg1">
+                    <a:lumMod val="65000"/>
+                  </a:schemeClr>
+                </a:solidFill>
+              </a:endParaRPr>
+            </a:p>
+          </p:txBody>
+        </p:sp>
+      </p:grpSp>
     </p:spTree>
     <p:extLst>
       <p:ext uri="{BB962C8B-B14F-4D97-AF65-F5344CB8AC3E}">
-        <p14:creationId xmlns:p14="http://schemas.microsoft.com/office/powerpoint/2010/main" val="2367088873"/>
+        <p14:creationId xmlns:p14="http://schemas.microsoft.com/office/powerpoint/2010/main" val="2749225324"/>
       </p:ext>
     </p:extLst>
   </p:cSld>
@@ -16372,17 +17497,17 @@
       </p:grpSpPr>
       <p:pic>
         <p:nvPicPr>
-          <p:cNvPr id="2" name="PPTIndicator201506281946074650"/>
+          <p:cNvPr id="2" name="PPTIndicator201507011917562548"/>
           <p:cNvPicPr>
             <a:picLocks/>
           </p:cNvPicPr>
           <p:nvPr/>
         </p:nvPicPr>
         <p:blipFill>
-          <a:blip r:embed="rId2" cstate="email">
+          <a:blip r:embed="rId2" cstate="print">
             <a:extLst>
               <a:ext uri="{28A0092B-C50C-407E-A947-70E740481C1C}">
-                <a14:useLocalDpi xmlns:a14="http://schemas.microsoft.com/office/drawing/2010/main"/>
+                <a14:useLocalDpi xmlns:a14="http://schemas.microsoft.com/office/drawing/2010/main" val="0"/>
               </a:ext>
             </a:extLst>
           </a:blip>
@@ -16422,7 +17547,7 @@
             <a:normAutofit/>
           </a:bodyPr>
           <a:lstStyle>
-            <a:lvl1pPr>
+            <a:lvl1pPr algn="ctr">
               <a:spcBef>
                 <a:spcPct val="0"/>
               </a:spcBef>
@@ -16504,7 +17629,7 @@
       </p:sp>
       <p:sp>
         <p:nvSpPr>
-          <p:cNvPr id="6" name="PptLabsAgenda_&amp;^@ContentShape_&amp;^@2015062819460661800"/>
+          <p:cNvPr id="6" name="PptLabsAgenda_&amp;^@ContentShape_&amp;^@2015070119175332550"/>
           <p:cNvSpPr txBox="1">
             <a:spLocks/>
           </p:cNvSpPr>
@@ -16747,10 +17872,272 @@
           </a:p>
         </p:txBody>
       </p:sp>
+      <p:grpSp>
+        <p:nvGrpSpPr>
+          <p:cNvPr id="29" name="Unnamed Shape 20150713135318707214"/>
+          <p:cNvGrpSpPr/>
+          <p:nvPr/>
+        </p:nvGrpSpPr>
+        <p:grpSpPr>
+          <a:xfrm>
+            <a:off x="827584" y="5291916"/>
+            <a:ext cx="7488832" cy="657364"/>
+            <a:chOff x="827584" y="5291916"/>
+            <a:chExt cx="7488832" cy="657364"/>
+          </a:xfrm>
+        </p:grpSpPr>
+        <p:sp>
+          <p:nvSpPr>
+            <p:cNvPr id="30" name="Rectangle 29"/>
+            <p:cNvSpPr/>
+            <p:nvPr/>
+          </p:nvSpPr>
+          <p:spPr>
+            <a:xfrm>
+              <a:off x="5436096" y="5661248"/>
+              <a:ext cx="2376264" cy="288032"/>
+            </a:xfrm>
+            <a:prstGeom prst="rect">
+              <a:avLst/>
+            </a:prstGeom>
+            <a:noFill/>
+            <a:ln>
+              <a:solidFill>
+                <a:schemeClr val="bg1">
+                  <a:lumMod val="65000"/>
+                </a:schemeClr>
+              </a:solidFill>
+            </a:ln>
+          </p:spPr>
+          <p:style>
+            <a:lnRef idx="2">
+              <a:schemeClr val="accent1">
+                <a:shade val="50000"/>
+              </a:schemeClr>
+            </a:lnRef>
+            <a:fillRef idx="1">
+              <a:schemeClr val="accent1"/>
+            </a:fillRef>
+            <a:effectRef idx="0">
+              <a:schemeClr val="accent1"/>
+            </a:effectRef>
+            <a:fontRef idx="minor">
+              <a:schemeClr val="lt1"/>
+            </a:fontRef>
+          </p:style>
+          <p:txBody>
+            <a:bodyPr rtlCol="0" anchor="ctr"/>
+            <a:lstStyle/>
+            <a:p>
+              <a:pPr algn="ctr"/>
+              <a:r>
+                <a:rPr lang="en-US" dirty="0" smtClean="0">
+                  <a:solidFill>
+                    <a:schemeClr val="bg1">
+                      <a:lumMod val="65000"/>
+                    </a:schemeClr>
+                  </a:solidFill>
+                </a:rPr>
+                <a:t>2.5 months</a:t>
+              </a:r>
+              <a:endParaRPr lang="en-SG" dirty="0">
+                <a:solidFill>
+                  <a:schemeClr val="bg1">
+                    <a:lumMod val="65000"/>
+                  </a:schemeClr>
+                </a:solidFill>
+              </a:endParaRPr>
+            </a:p>
+          </p:txBody>
+        </p:sp>
+        <p:sp>
+          <p:nvSpPr>
+            <p:cNvPr id="31" name="TextBox 30"/>
+            <p:cNvSpPr txBox="1"/>
+            <p:nvPr/>
+          </p:nvSpPr>
+          <p:spPr>
+            <a:xfrm>
+              <a:off x="7251436" y="5291916"/>
+              <a:ext cx="1064980" cy="369332"/>
+            </a:xfrm>
+            <a:prstGeom prst="rect">
+              <a:avLst/>
+            </a:prstGeom>
+            <a:noFill/>
+          </p:spPr>
+          <p:txBody>
+            <a:bodyPr wrap="square" rtlCol="0">
+              <a:spAutoFit/>
+            </a:bodyPr>
+            <a:lstStyle/>
+            <a:p>
+              <a:pPr algn="r"/>
+              <a:r>
+                <a:rPr lang="en-US" dirty="0" smtClean="0">
+                  <a:solidFill>
+                    <a:schemeClr val="bg1">
+                      <a:lumMod val="65000"/>
+                    </a:schemeClr>
+                  </a:solidFill>
+                </a:rPr>
+                <a:t>Deadline</a:t>
+              </a:r>
+              <a:endParaRPr lang="en-SG" dirty="0">
+                <a:solidFill>
+                  <a:schemeClr val="bg1">
+                    <a:lumMod val="65000"/>
+                  </a:schemeClr>
+                </a:solidFill>
+              </a:endParaRPr>
+            </a:p>
+          </p:txBody>
+        </p:sp>
+        <p:sp>
+          <p:nvSpPr>
+            <p:cNvPr id="32" name="Pentagon 31"/>
+            <p:cNvSpPr/>
+            <p:nvPr/>
+          </p:nvSpPr>
+          <p:spPr>
+            <a:xfrm>
+              <a:off x="1187624" y="5661248"/>
+              <a:ext cx="4392488" cy="288032"/>
+            </a:xfrm>
+            <a:prstGeom prst="homePlate">
+              <a:avLst/>
+            </a:prstGeom>
+            <a:solidFill>
+              <a:schemeClr val="bg1">
+                <a:lumMod val="65000"/>
+              </a:schemeClr>
+            </a:solidFill>
+            <a:ln>
+              <a:solidFill>
+                <a:schemeClr val="bg1">
+                  <a:lumMod val="65000"/>
+                </a:schemeClr>
+              </a:solidFill>
+            </a:ln>
+          </p:spPr>
+          <p:style>
+            <a:lnRef idx="2">
+              <a:schemeClr val="accent1">
+                <a:shade val="50000"/>
+              </a:schemeClr>
+            </a:lnRef>
+            <a:fillRef idx="1">
+              <a:schemeClr val="accent1"/>
+            </a:fillRef>
+            <a:effectRef idx="0">
+              <a:schemeClr val="accent1"/>
+            </a:effectRef>
+            <a:fontRef idx="minor">
+              <a:schemeClr val="lt1"/>
+            </a:fontRef>
+          </p:style>
+          <p:txBody>
+            <a:bodyPr rtlCol="0" anchor="ctr"/>
+            <a:lstStyle/>
+            <a:p>
+              <a:pPr algn="ctr"/>
+              <a:r>
+                <a:rPr lang="en-US" dirty="0" smtClean="0"/>
+                <a:t>8 months</a:t>
+              </a:r>
+              <a:endParaRPr lang="en-SG" dirty="0"/>
+            </a:p>
+          </p:txBody>
+        </p:sp>
+        <p:sp>
+          <p:nvSpPr>
+            <p:cNvPr id="33" name="TextBox 32"/>
+            <p:cNvSpPr txBox="1"/>
+            <p:nvPr/>
+          </p:nvSpPr>
+          <p:spPr>
+            <a:xfrm>
+              <a:off x="827584" y="5301208"/>
+              <a:ext cx="963812" cy="369332"/>
+            </a:xfrm>
+            <a:prstGeom prst="rect">
+              <a:avLst/>
+            </a:prstGeom>
+            <a:noFill/>
+          </p:spPr>
+          <p:txBody>
+            <a:bodyPr wrap="square" rtlCol="0">
+              <a:spAutoFit/>
+            </a:bodyPr>
+            <a:lstStyle/>
+            <a:p>
+              <a:r>
+                <a:rPr lang="en-US" dirty="0" smtClean="0">
+                  <a:solidFill>
+                    <a:schemeClr val="bg1">
+                      <a:lumMod val="65000"/>
+                    </a:schemeClr>
+                  </a:solidFill>
+                </a:rPr>
+                <a:t>Kickoff</a:t>
+              </a:r>
+              <a:endParaRPr lang="en-SG" dirty="0">
+                <a:solidFill>
+                  <a:schemeClr val="bg1">
+                    <a:lumMod val="65000"/>
+                  </a:schemeClr>
+                </a:solidFill>
+              </a:endParaRPr>
+            </a:p>
+          </p:txBody>
+        </p:sp>
+        <p:sp>
+          <p:nvSpPr>
+            <p:cNvPr id="34" name="TextBox 33"/>
+            <p:cNvSpPr txBox="1"/>
+            <p:nvPr/>
+          </p:nvSpPr>
+          <p:spPr>
+            <a:xfrm>
+              <a:off x="5120356" y="5301208"/>
+              <a:ext cx="675780" cy="369332"/>
+            </a:xfrm>
+            <a:prstGeom prst="rect">
+              <a:avLst/>
+            </a:prstGeom>
+            <a:noFill/>
+          </p:spPr>
+          <p:txBody>
+            <a:bodyPr wrap="square" rtlCol="0">
+              <a:spAutoFit/>
+            </a:bodyPr>
+            <a:lstStyle/>
+            <a:p>
+              <a:r>
+                <a:rPr lang="en-US" dirty="0" smtClean="0">
+                  <a:solidFill>
+                    <a:schemeClr val="bg1">
+                      <a:lumMod val="65000"/>
+                    </a:schemeClr>
+                  </a:solidFill>
+                </a:rPr>
+                <a:t>Now</a:t>
+              </a:r>
+              <a:endParaRPr lang="en-SG" dirty="0">
+                <a:solidFill>
+                  <a:schemeClr val="bg1">
+                    <a:lumMod val="65000"/>
+                  </a:schemeClr>
+                </a:solidFill>
+              </a:endParaRPr>
+            </a:p>
+          </p:txBody>
+        </p:sp>
+      </p:grpSp>
     </p:spTree>
     <p:extLst>
       <p:ext uri="{BB962C8B-B14F-4D97-AF65-F5344CB8AC3E}">
-        <p14:creationId xmlns:p14="http://schemas.microsoft.com/office/powerpoint/2010/main" val="3483504912"/>
+        <p14:creationId xmlns:p14="http://schemas.microsoft.com/office/powerpoint/2010/main" val="2331505179"/>
       </p:ext>
     </p:extLst>
   </p:cSld>
@@ -17143,9 +18530,18 @@
   <p:clrMapOvr>
     <a:masterClrMapping/>
   </p:clrMapOvr>
-  <p:transition spd="slow">
-    <p:push dir="u"/>
-  </p:transition>
+  <mc:AlternateContent xmlns:mc="http://schemas.openxmlformats.org/markup-compatibility/2006" xmlns:p14="http://schemas.microsoft.com/office/powerpoint/2010/main">
+    <mc:Choice Requires="p14">
+      <p:transition spd="slow" p14:dur="800">
+        <p:push dir="u"/>
+      </p:transition>
+    </mc:Choice>
+    <mc:Fallback xmlns="">
+      <p:transition spd="slow">
+        <p:push dir="u"/>
+      </p:transition>
+    </mc:Fallback>
+  </mc:AlternateContent>
   <p:timing>
     <p:tnLst>
       <p:par>
@@ -17505,17 +18901,17 @@
       </p:grpSpPr>
       <p:pic>
         <p:nvPicPr>
-          <p:cNvPr id="2" name="PPTIndicator201506281946075090"/>
+          <p:cNvPr id="2" name="PPTIndicator201507011917562708"/>
           <p:cNvPicPr>
             <a:picLocks/>
           </p:cNvPicPr>
           <p:nvPr/>
         </p:nvPicPr>
         <p:blipFill>
-          <a:blip r:embed="rId2" cstate="email">
+          <a:blip r:embed="rId2" cstate="print">
             <a:extLst>
               <a:ext uri="{28A0092B-C50C-407E-A947-70E740481C1C}">
-                <a14:useLocalDpi xmlns:a14="http://schemas.microsoft.com/office/drawing/2010/main"/>
+                <a14:useLocalDpi xmlns:a14="http://schemas.microsoft.com/office/drawing/2010/main" val="0"/>
               </a:ext>
             </a:extLst>
           </a:blip>
@@ -17555,7 +18951,7 @@
             <a:normAutofit/>
           </a:bodyPr>
           <a:lstStyle>
-            <a:lvl1pPr>
+            <a:lvl1pPr algn="ctr">
               <a:spcBef>
                 <a:spcPct val="0"/>
               </a:spcBef>
@@ -17637,7 +19033,7 @@
       </p:sp>
       <p:sp>
         <p:nvSpPr>
-          <p:cNvPr id="6" name="PptLabsAgenda_&amp;^@ContentShape_&amp;^@2015062819460661800"/>
+          <p:cNvPr id="6" name="PptLabsAgenda_&amp;^@ContentShape_&amp;^@2015070119175332550"/>
           <p:cNvSpPr txBox="1">
             <a:spLocks/>
           </p:cNvSpPr>
@@ -17876,14 +19272,276 @@
             </a:endParaRPr>
           </a:p>
           <a:p>
-            <a:endParaRPr lang="en-SG" dirty="0"/>
-          </a:p>
-        </p:txBody>
-      </p:sp>
+            <a:endParaRPr lang="en-SG"/>
+          </a:p>
+        </p:txBody>
+      </p:sp>
+      <p:grpSp>
+        <p:nvGrpSpPr>
+          <p:cNvPr id="29" name="Unnamed Shape 20150713135318707214"/>
+          <p:cNvGrpSpPr/>
+          <p:nvPr/>
+        </p:nvGrpSpPr>
+        <p:grpSpPr>
+          <a:xfrm>
+            <a:off x="827584" y="5291916"/>
+            <a:ext cx="7488832" cy="657364"/>
+            <a:chOff x="827584" y="5291916"/>
+            <a:chExt cx="7488832" cy="657364"/>
+          </a:xfrm>
+        </p:grpSpPr>
+        <p:sp>
+          <p:nvSpPr>
+            <p:cNvPr id="30" name="Rectangle 29"/>
+            <p:cNvSpPr/>
+            <p:nvPr/>
+          </p:nvSpPr>
+          <p:spPr>
+            <a:xfrm>
+              <a:off x="5436096" y="5661248"/>
+              <a:ext cx="2376264" cy="288032"/>
+            </a:xfrm>
+            <a:prstGeom prst="rect">
+              <a:avLst/>
+            </a:prstGeom>
+            <a:noFill/>
+            <a:ln>
+              <a:solidFill>
+                <a:schemeClr val="bg1">
+                  <a:lumMod val="65000"/>
+                </a:schemeClr>
+              </a:solidFill>
+            </a:ln>
+          </p:spPr>
+          <p:style>
+            <a:lnRef idx="2">
+              <a:schemeClr val="accent1">
+                <a:shade val="50000"/>
+              </a:schemeClr>
+            </a:lnRef>
+            <a:fillRef idx="1">
+              <a:schemeClr val="accent1"/>
+            </a:fillRef>
+            <a:effectRef idx="0">
+              <a:schemeClr val="accent1"/>
+            </a:effectRef>
+            <a:fontRef idx="minor">
+              <a:schemeClr val="lt1"/>
+            </a:fontRef>
+          </p:style>
+          <p:txBody>
+            <a:bodyPr rtlCol="0" anchor="ctr"/>
+            <a:lstStyle/>
+            <a:p>
+              <a:pPr algn="ctr"/>
+              <a:r>
+                <a:rPr lang="en-US" dirty="0" smtClean="0">
+                  <a:solidFill>
+                    <a:schemeClr val="bg1">
+                      <a:lumMod val="65000"/>
+                    </a:schemeClr>
+                  </a:solidFill>
+                </a:rPr>
+                <a:t>2.5 months</a:t>
+              </a:r>
+              <a:endParaRPr lang="en-SG" dirty="0">
+                <a:solidFill>
+                  <a:schemeClr val="bg1">
+                    <a:lumMod val="65000"/>
+                  </a:schemeClr>
+                </a:solidFill>
+              </a:endParaRPr>
+            </a:p>
+          </p:txBody>
+        </p:sp>
+        <p:sp>
+          <p:nvSpPr>
+            <p:cNvPr id="31" name="TextBox 30"/>
+            <p:cNvSpPr txBox="1"/>
+            <p:nvPr/>
+          </p:nvSpPr>
+          <p:spPr>
+            <a:xfrm>
+              <a:off x="7251436" y="5291916"/>
+              <a:ext cx="1064980" cy="369332"/>
+            </a:xfrm>
+            <a:prstGeom prst="rect">
+              <a:avLst/>
+            </a:prstGeom>
+            <a:noFill/>
+          </p:spPr>
+          <p:txBody>
+            <a:bodyPr wrap="square" rtlCol="0">
+              <a:spAutoFit/>
+            </a:bodyPr>
+            <a:lstStyle/>
+            <a:p>
+              <a:pPr algn="r"/>
+              <a:r>
+                <a:rPr lang="en-US" dirty="0" smtClean="0">
+                  <a:solidFill>
+                    <a:schemeClr val="bg1">
+                      <a:lumMod val="65000"/>
+                    </a:schemeClr>
+                  </a:solidFill>
+                </a:rPr>
+                <a:t>Deadline</a:t>
+              </a:r>
+              <a:endParaRPr lang="en-SG" dirty="0">
+                <a:solidFill>
+                  <a:schemeClr val="bg1">
+                    <a:lumMod val="65000"/>
+                  </a:schemeClr>
+                </a:solidFill>
+              </a:endParaRPr>
+            </a:p>
+          </p:txBody>
+        </p:sp>
+        <p:sp>
+          <p:nvSpPr>
+            <p:cNvPr id="32" name="Pentagon 31"/>
+            <p:cNvSpPr/>
+            <p:nvPr/>
+          </p:nvSpPr>
+          <p:spPr>
+            <a:xfrm>
+              <a:off x="1187624" y="5661248"/>
+              <a:ext cx="4392488" cy="288032"/>
+            </a:xfrm>
+            <a:prstGeom prst="homePlate">
+              <a:avLst/>
+            </a:prstGeom>
+            <a:solidFill>
+              <a:schemeClr val="bg1">
+                <a:lumMod val="65000"/>
+              </a:schemeClr>
+            </a:solidFill>
+            <a:ln>
+              <a:solidFill>
+                <a:schemeClr val="bg1">
+                  <a:lumMod val="65000"/>
+                </a:schemeClr>
+              </a:solidFill>
+            </a:ln>
+          </p:spPr>
+          <p:style>
+            <a:lnRef idx="2">
+              <a:schemeClr val="accent1">
+                <a:shade val="50000"/>
+              </a:schemeClr>
+            </a:lnRef>
+            <a:fillRef idx="1">
+              <a:schemeClr val="accent1"/>
+            </a:fillRef>
+            <a:effectRef idx="0">
+              <a:schemeClr val="accent1"/>
+            </a:effectRef>
+            <a:fontRef idx="minor">
+              <a:schemeClr val="lt1"/>
+            </a:fontRef>
+          </p:style>
+          <p:txBody>
+            <a:bodyPr rtlCol="0" anchor="ctr"/>
+            <a:lstStyle/>
+            <a:p>
+              <a:pPr algn="ctr"/>
+              <a:r>
+                <a:rPr lang="en-US" dirty="0" smtClean="0"/>
+                <a:t>8 months</a:t>
+              </a:r>
+              <a:endParaRPr lang="en-SG" dirty="0"/>
+            </a:p>
+          </p:txBody>
+        </p:sp>
+        <p:sp>
+          <p:nvSpPr>
+            <p:cNvPr id="33" name="TextBox 32"/>
+            <p:cNvSpPr txBox="1"/>
+            <p:nvPr/>
+          </p:nvSpPr>
+          <p:spPr>
+            <a:xfrm>
+              <a:off x="827584" y="5301208"/>
+              <a:ext cx="963812" cy="369332"/>
+            </a:xfrm>
+            <a:prstGeom prst="rect">
+              <a:avLst/>
+            </a:prstGeom>
+            <a:noFill/>
+          </p:spPr>
+          <p:txBody>
+            <a:bodyPr wrap="square" rtlCol="0">
+              <a:spAutoFit/>
+            </a:bodyPr>
+            <a:lstStyle/>
+            <a:p>
+              <a:r>
+                <a:rPr lang="en-US" dirty="0" smtClean="0">
+                  <a:solidFill>
+                    <a:schemeClr val="bg1">
+                      <a:lumMod val="65000"/>
+                    </a:schemeClr>
+                  </a:solidFill>
+                </a:rPr>
+                <a:t>Kickoff</a:t>
+              </a:r>
+              <a:endParaRPr lang="en-SG" dirty="0">
+                <a:solidFill>
+                  <a:schemeClr val="bg1">
+                    <a:lumMod val="65000"/>
+                  </a:schemeClr>
+                </a:solidFill>
+              </a:endParaRPr>
+            </a:p>
+          </p:txBody>
+        </p:sp>
+        <p:sp>
+          <p:nvSpPr>
+            <p:cNvPr id="34" name="TextBox 33"/>
+            <p:cNvSpPr txBox="1"/>
+            <p:nvPr/>
+          </p:nvSpPr>
+          <p:spPr>
+            <a:xfrm>
+              <a:off x="5120356" y="5301208"/>
+              <a:ext cx="675780" cy="369332"/>
+            </a:xfrm>
+            <a:prstGeom prst="rect">
+              <a:avLst/>
+            </a:prstGeom>
+            <a:noFill/>
+          </p:spPr>
+          <p:txBody>
+            <a:bodyPr wrap="square" rtlCol="0">
+              <a:spAutoFit/>
+            </a:bodyPr>
+            <a:lstStyle/>
+            <a:p>
+              <a:r>
+                <a:rPr lang="en-US" dirty="0" smtClean="0">
+                  <a:solidFill>
+                    <a:schemeClr val="bg1">
+                      <a:lumMod val="65000"/>
+                    </a:schemeClr>
+                  </a:solidFill>
+                </a:rPr>
+                <a:t>Now</a:t>
+              </a:r>
+              <a:endParaRPr lang="en-SG" dirty="0">
+                <a:solidFill>
+                  <a:schemeClr val="bg1">
+                    <a:lumMod val="65000"/>
+                  </a:schemeClr>
+                </a:solidFill>
+              </a:endParaRPr>
+            </a:p>
+          </p:txBody>
+        </p:sp>
+      </p:grpSp>
     </p:spTree>
     <p:extLst>
       <p:ext uri="{BB962C8B-B14F-4D97-AF65-F5344CB8AC3E}">
-        <p14:creationId xmlns:p14="http://schemas.microsoft.com/office/powerpoint/2010/main" val="2292323010"/>
+        <p14:creationId xmlns:p14="http://schemas.microsoft.com/office/powerpoint/2010/main" val="2298115954"/>
       </p:ext>
     </p:extLst>
   </p:cSld>
@@ -18020,17 +19678,17 @@
       </p:grpSpPr>
       <p:pic>
         <p:nvPicPr>
-          <p:cNvPr id="2" name="PPTIndicator201506281955317500"/>
+          <p:cNvPr id="2" name="PPTIndicator201507011917570389"/>
           <p:cNvPicPr>
             <a:picLocks/>
           </p:cNvPicPr>
           <p:nvPr/>
         </p:nvPicPr>
         <p:blipFill>
-          <a:blip r:embed="rId2" cstate="email">
+          <a:blip r:embed="rId2" cstate="print">
             <a:extLst>
               <a:ext uri="{28A0092B-C50C-407E-A947-70E740481C1C}">
-                <a14:useLocalDpi xmlns:a14="http://schemas.microsoft.com/office/drawing/2010/main"/>
+                <a14:useLocalDpi xmlns:a14="http://schemas.microsoft.com/office/drawing/2010/main" val="0"/>
               </a:ext>
             </a:extLst>
           </a:blip>
@@ -18070,7 +19728,7 @@
             <a:normAutofit/>
           </a:bodyPr>
           <a:lstStyle>
-            <a:lvl1pPr>
+            <a:lvl1pPr algn="ctr">
               <a:spcBef>
                 <a:spcPct val="0"/>
               </a:spcBef>
@@ -18146,13 +19804,13 @@
               <a:rPr lang="en-SG"/>
               <a:t>Project Progress Report</a:t>
             </a:r>
-            <a:endParaRPr lang="en-SG" dirty="0"/>
-          </a:p>
-        </p:txBody>
-      </p:sp>
-      <p:sp>
-        <p:nvSpPr>
-          <p:cNvPr id="6" name="PptLabsAgenda_&amp;^@ContentShape_&amp;^@2015062819460661800"/>
+            <a:endParaRPr lang="en-SG"/>
+          </a:p>
+        </p:txBody>
+      </p:sp>
+      <p:sp>
+        <p:nvSpPr>
+          <p:cNvPr id="6" name="PptLabsAgenda_&amp;^@ContentShape_&amp;^@2015070119175332550"/>
           <p:cNvSpPr txBox="1">
             <a:spLocks/>
           </p:cNvSpPr>
@@ -18385,14 +20043,276 @@
             </a:endParaRPr>
           </a:p>
           <a:p>
-            <a:endParaRPr lang="en-SG" dirty="0"/>
-          </a:p>
-        </p:txBody>
-      </p:sp>
+            <a:endParaRPr lang="en-SG"/>
+          </a:p>
+        </p:txBody>
+      </p:sp>
+      <p:grpSp>
+        <p:nvGrpSpPr>
+          <p:cNvPr id="29" name="Unnamed Shape 20150713135318707214"/>
+          <p:cNvGrpSpPr/>
+          <p:nvPr/>
+        </p:nvGrpSpPr>
+        <p:grpSpPr>
+          <a:xfrm>
+            <a:off x="827584" y="5291916"/>
+            <a:ext cx="7488832" cy="657364"/>
+            <a:chOff x="827584" y="5291916"/>
+            <a:chExt cx="7488832" cy="657364"/>
+          </a:xfrm>
+        </p:grpSpPr>
+        <p:sp>
+          <p:nvSpPr>
+            <p:cNvPr id="30" name="Rectangle 29"/>
+            <p:cNvSpPr/>
+            <p:nvPr/>
+          </p:nvSpPr>
+          <p:spPr>
+            <a:xfrm>
+              <a:off x="5436096" y="5661248"/>
+              <a:ext cx="2376264" cy="288032"/>
+            </a:xfrm>
+            <a:prstGeom prst="rect">
+              <a:avLst/>
+            </a:prstGeom>
+            <a:noFill/>
+            <a:ln>
+              <a:solidFill>
+                <a:schemeClr val="bg1">
+                  <a:lumMod val="65000"/>
+                </a:schemeClr>
+              </a:solidFill>
+            </a:ln>
+          </p:spPr>
+          <p:style>
+            <a:lnRef idx="2">
+              <a:schemeClr val="accent1">
+                <a:shade val="50000"/>
+              </a:schemeClr>
+            </a:lnRef>
+            <a:fillRef idx="1">
+              <a:schemeClr val="accent1"/>
+            </a:fillRef>
+            <a:effectRef idx="0">
+              <a:schemeClr val="accent1"/>
+            </a:effectRef>
+            <a:fontRef idx="minor">
+              <a:schemeClr val="lt1"/>
+            </a:fontRef>
+          </p:style>
+          <p:txBody>
+            <a:bodyPr rtlCol="0" anchor="ctr"/>
+            <a:lstStyle/>
+            <a:p>
+              <a:pPr algn="ctr"/>
+              <a:r>
+                <a:rPr lang="en-US" dirty="0" smtClean="0">
+                  <a:solidFill>
+                    <a:schemeClr val="bg1">
+                      <a:lumMod val="65000"/>
+                    </a:schemeClr>
+                  </a:solidFill>
+                </a:rPr>
+                <a:t>2.5 months</a:t>
+              </a:r>
+              <a:endParaRPr lang="en-SG" dirty="0">
+                <a:solidFill>
+                  <a:schemeClr val="bg1">
+                    <a:lumMod val="65000"/>
+                  </a:schemeClr>
+                </a:solidFill>
+              </a:endParaRPr>
+            </a:p>
+          </p:txBody>
+        </p:sp>
+        <p:sp>
+          <p:nvSpPr>
+            <p:cNvPr id="31" name="TextBox 30"/>
+            <p:cNvSpPr txBox="1"/>
+            <p:nvPr/>
+          </p:nvSpPr>
+          <p:spPr>
+            <a:xfrm>
+              <a:off x="7251436" y="5291916"/>
+              <a:ext cx="1064980" cy="369332"/>
+            </a:xfrm>
+            <a:prstGeom prst="rect">
+              <a:avLst/>
+            </a:prstGeom>
+            <a:noFill/>
+          </p:spPr>
+          <p:txBody>
+            <a:bodyPr wrap="square" rtlCol="0">
+              <a:spAutoFit/>
+            </a:bodyPr>
+            <a:lstStyle/>
+            <a:p>
+              <a:pPr algn="r"/>
+              <a:r>
+                <a:rPr lang="en-US" dirty="0" smtClean="0">
+                  <a:solidFill>
+                    <a:schemeClr val="bg1">
+                      <a:lumMod val="65000"/>
+                    </a:schemeClr>
+                  </a:solidFill>
+                </a:rPr>
+                <a:t>Deadline</a:t>
+              </a:r>
+              <a:endParaRPr lang="en-SG" dirty="0">
+                <a:solidFill>
+                  <a:schemeClr val="bg1">
+                    <a:lumMod val="65000"/>
+                  </a:schemeClr>
+                </a:solidFill>
+              </a:endParaRPr>
+            </a:p>
+          </p:txBody>
+        </p:sp>
+        <p:sp>
+          <p:nvSpPr>
+            <p:cNvPr id="32" name="Pentagon 31"/>
+            <p:cNvSpPr/>
+            <p:nvPr/>
+          </p:nvSpPr>
+          <p:spPr>
+            <a:xfrm>
+              <a:off x="1187624" y="5661248"/>
+              <a:ext cx="4392488" cy="288032"/>
+            </a:xfrm>
+            <a:prstGeom prst="homePlate">
+              <a:avLst/>
+            </a:prstGeom>
+            <a:solidFill>
+              <a:schemeClr val="bg1">
+                <a:lumMod val="65000"/>
+              </a:schemeClr>
+            </a:solidFill>
+            <a:ln>
+              <a:solidFill>
+                <a:schemeClr val="bg1">
+                  <a:lumMod val="65000"/>
+                </a:schemeClr>
+              </a:solidFill>
+            </a:ln>
+          </p:spPr>
+          <p:style>
+            <a:lnRef idx="2">
+              <a:schemeClr val="accent1">
+                <a:shade val="50000"/>
+              </a:schemeClr>
+            </a:lnRef>
+            <a:fillRef idx="1">
+              <a:schemeClr val="accent1"/>
+            </a:fillRef>
+            <a:effectRef idx="0">
+              <a:schemeClr val="accent1"/>
+            </a:effectRef>
+            <a:fontRef idx="minor">
+              <a:schemeClr val="lt1"/>
+            </a:fontRef>
+          </p:style>
+          <p:txBody>
+            <a:bodyPr rtlCol="0" anchor="ctr"/>
+            <a:lstStyle/>
+            <a:p>
+              <a:pPr algn="ctr"/>
+              <a:r>
+                <a:rPr lang="en-US" dirty="0" smtClean="0"/>
+                <a:t>8 months</a:t>
+              </a:r>
+              <a:endParaRPr lang="en-SG" dirty="0"/>
+            </a:p>
+          </p:txBody>
+        </p:sp>
+        <p:sp>
+          <p:nvSpPr>
+            <p:cNvPr id="33" name="TextBox 32"/>
+            <p:cNvSpPr txBox="1"/>
+            <p:nvPr/>
+          </p:nvSpPr>
+          <p:spPr>
+            <a:xfrm>
+              <a:off x="827584" y="5301208"/>
+              <a:ext cx="963812" cy="369332"/>
+            </a:xfrm>
+            <a:prstGeom prst="rect">
+              <a:avLst/>
+            </a:prstGeom>
+            <a:noFill/>
+          </p:spPr>
+          <p:txBody>
+            <a:bodyPr wrap="square" rtlCol="0">
+              <a:spAutoFit/>
+            </a:bodyPr>
+            <a:lstStyle/>
+            <a:p>
+              <a:r>
+                <a:rPr lang="en-US" dirty="0" smtClean="0">
+                  <a:solidFill>
+                    <a:schemeClr val="bg1">
+                      <a:lumMod val="65000"/>
+                    </a:schemeClr>
+                  </a:solidFill>
+                </a:rPr>
+                <a:t>Kickoff</a:t>
+              </a:r>
+              <a:endParaRPr lang="en-SG" dirty="0">
+                <a:solidFill>
+                  <a:schemeClr val="bg1">
+                    <a:lumMod val="65000"/>
+                  </a:schemeClr>
+                </a:solidFill>
+              </a:endParaRPr>
+            </a:p>
+          </p:txBody>
+        </p:sp>
+        <p:sp>
+          <p:nvSpPr>
+            <p:cNvPr id="34" name="TextBox 33"/>
+            <p:cNvSpPr txBox="1"/>
+            <p:nvPr/>
+          </p:nvSpPr>
+          <p:spPr>
+            <a:xfrm>
+              <a:off x="5120356" y="5301208"/>
+              <a:ext cx="675780" cy="369332"/>
+            </a:xfrm>
+            <a:prstGeom prst="rect">
+              <a:avLst/>
+            </a:prstGeom>
+            <a:noFill/>
+          </p:spPr>
+          <p:txBody>
+            <a:bodyPr wrap="square" rtlCol="0">
+              <a:spAutoFit/>
+            </a:bodyPr>
+            <a:lstStyle/>
+            <a:p>
+              <a:r>
+                <a:rPr lang="en-US" dirty="0" smtClean="0">
+                  <a:solidFill>
+                    <a:schemeClr val="bg1">
+                      <a:lumMod val="65000"/>
+                    </a:schemeClr>
+                  </a:solidFill>
+                </a:rPr>
+                <a:t>Now</a:t>
+              </a:r>
+              <a:endParaRPr lang="en-SG" dirty="0">
+                <a:solidFill>
+                  <a:schemeClr val="bg1">
+                    <a:lumMod val="65000"/>
+                  </a:schemeClr>
+                </a:solidFill>
+              </a:endParaRPr>
+            </a:p>
+          </p:txBody>
+        </p:sp>
+      </p:grpSp>
     </p:spTree>
     <p:extLst>
       <p:ext uri="{BB962C8B-B14F-4D97-AF65-F5344CB8AC3E}">
-        <p14:creationId xmlns:p14="http://schemas.microsoft.com/office/powerpoint/2010/main" val="1233911584"/>
+        <p14:creationId xmlns:p14="http://schemas.microsoft.com/office/powerpoint/2010/main" val="2200705080"/>
       </p:ext>
     </p:extLst>
   </p:cSld>
@@ -18647,9 +20567,18 @@
   <p:clrMapOvr>
     <a:masterClrMapping/>
   </p:clrMapOvr>
-  <p:transition spd="slow">
-    <p:push dir="u"/>
-  </p:transition>
+  <mc:AlternateContent xmlns:mc="http://schemas.openxmlformats.org/markup-compatibility/2006" xmlns:p14="http://schemas.microsoft.com/office/powerpoint/2010/main">
+    <mc:Choice Requires="p14">
+      <p:transition spd="slow" p14:dur="800">
+        <p:push dir="u"/>
+      </p:transition>
+    </mc:Choice>
+    <mc:Fallback xmlns="">
+      <p:transition spd="slow">
+        <p:push dir="u"/>
+      </p:transition>
+    </mc:Fallback>
+  </mc:AlternateContent>
   <p:timing>
     <p:tnLst>
       <p:par>
@@ -19012,17 +20941,17 @@
       </p:grpSpPr>
       <p:pic>
         <p:nvPicPr>
-          <p:cNvPr id="2" name="PPTIndicator201506281955317690"/>
+          <p:cNvPr id="2" name="PPTIndicator201507011917570909"/>
           <p:cNvPicPr>
             <a:picLocks/>
           </p:cNvPicPr>
           <p:nvPr/>
         </p:nvPicPr>
         <p:blipFill>
-          <a:blip r:embed="rId2" cstate="email">
+          <a:blip r:embed="rId2" cstate="print">
             <a:extLst>
               <a:ext uri="{28A0092B-C50C-407E-A947-70E740481C1C}">
-                <a14:useLocalDpi xmlns:a14="http://schemas.microsoft.com/office/drawing/2010/main"/>
+                <a14:useLocalDpi xmlns:a14="http://schemas.microsoft.com/office/drawing/2010/main" val="0"/>
               </a:ext>
             </a:extLst>
           </a:blip>
@@ -19062,7 +20991,7 @@
             <a:normAutofit/>
           </a:bodyPr>
           <a:lstStyle>
-            <a:lvl1pPr>
+            <a:lvl1pPr algn="ctr">
               <a:spcBef>
                 <a:spcPct val="0"/>
               </a:spcBef>
@@ -19138,13 +21067,13 @@
               <a:rPr lang="en-SG"/>
               <a:t>Project Progress Report</a:t>
             </a:r>
-            <a:endParaRPr lang="en-SG" dirty="0"/>
-          </a:p>
-        </p:txBody>
-      </p:sp>
-      <p:sp>
-        <p:nvSpPr>
-          <p:cNvPr id="6" name="PptLabsAgenda_&amp;^@ContentShape_&amp;^@2015062819460661800"/>
+            <a:endParaRPr lang="en-SG"/>
+          </a:p>
+        </p:txBody>
+      </p:sp>
+      <p:sp>
+        <p:nvSpPr>
+          <p:cNvPr id="6" name="PptLabsAgenda_&amp;^@ContentShape_&amp;^@2015070119175332550"/>
           <p:cNvSpPr txBox="1">
             <a:spLocks/>
           </p:cNvSpPr>
@@ -19377,14 +21306,276 @@
             </a:endParaRPr>
           </a:p>
           <a:p>
-            <a:endParaRPr lang="en-SG" dirty="0"/>
-          </a:p>
-        </p:txBody>
-      </p:sp>
+            <a:endParaRPr lang="en-SG"/>
+          </a:p>
+        </p:txBody>
+      </p:sp>
+      <p:grpSp>
+        <p:nvGrpSpPr>
+          <p:cNvPr id="29" name="Unnamed Shape 20150713135318707214"/>
+          <p:cNvGrpSpPr/>
+          <p:nvPr/>
+        </p:nvGrpSpPr>
+        <p:grpSpPr>
+          <a:xfrm>
+            <a:off x="827584" y="5291916"/>
+            <a:ext cx="7488832" cy="657364"/>
+            <a:chOff x="827584" y="5291916"/>
+            <a:chExt cx="7488832" cy="657364"/>
+          </a:xfrm>
+        </p:grpSpPr>
+        <p:sp>
+          <p:nvSpPr>
+            <p:cNvPr id="30" name="Rectangle 29"/>
+            <p:cNvSpPr/>
+            <p:nvPr/>
+          </p:nvSpPr>
+          <p:spPr>
+            <a:xfrm>
+              <a:off x="5436096" y="5661248"/>
+              <a:ext cx="2376264" cy="288032"/>
+            </a:xfrm>
+            <a:prstGeom prst="rect">
+              <a:avLst/>
+            </a:prstGeom>
+            <a:noFill/>
+            <a:ln>
+              <a:solidFill>
+                <a:schemeClr val="bg1">
+                  <a:lumMod val="65000"/>
+                </a:schemeClr>
+              </a:solidFill>
+            </a:ln>
+          </p:spPr>
+          <p:style>
+            <a:lnRef idx="2">
+              <a:schemeClr val="accent1">
+                <a:shade val="50000"/>
+              </a:schemeClr>
+            </a:lnRef>
+            <a:fillRef idx="1">
+              <a:schemeClr val="accent1"/>
+            </a:fillRef>
+            <a:effectRef idx="0">
+              <a:schemeClr val="accent1"/>
+            </a:effectRef>
+            <a:fontRef idx="minor">
+              <a:schemeClr val="lt1"/>
+            </a:fontRef>
+          </p:style>
+          <p:txBody>
+            <a:bodyPr rtlCol="0" anchor="ctr"/>
+            <a:lstStyle/>
+            <a:p>
+              <a:pPr algn="ctr"/>
+              <a:r>
+                <a:rPr lang="en-US" dirty="0" smtClean="0">
+                  <a:solidFill>
+                    <a:schemeClr val="bg1">
+                      <a:lumMod val="65000"/>
+                    </a:schemeClr>
+                  </a:solidFill>
+                </a:rPr>
+                <a:t>2.5 months</a:t>
+              </a:r>
+              <a:endParaRPr lang="en-SG" dirty="0">
+                <a:solidFill>
+                  <a:schemeClr val="bg1">
+                    <a:lumMod val="65000"/>
+                  </a:schemeClr>
+                </a:solidFill>
+              </a:endParaRPr>
+            </a:p>
+          </p:txBody>
+        </p:sp>
+        <p:sp>
+          <p:nvSpPr>
+            <p:cNvPr id="31" name="TextBox 30"/>
+            <p:cNvSpPr txBox="1"/>
+            <p:nvPr/>
+          </p:nvSpPr>
+          <p:spPr>
+            <a:xfrm>
+              <a:off x="7251436" y="5291916"/>
+              <a:ext cx="1064980" cy="369332"/>
+            </a:xfrm>
+            <a:prstGeom prst="rect">
+              <a:avLst/>
+            </a:prstGeom>
+            <a:noFill/>
+          </p:spPr>
+          <p:txBody>
+            <a:bodyPr wrap="square" rtlCol="0">
+              <a:spAutoFit/>
+            </a:bodyPr>
+            <a:lstStyle/>
+            <a:p>
+              <a:pPr algn="r"/>
+              <a:r>
+                <a:rPr lang="en-US" dirty="0" smtClean="0">
+                  <a:solidFill>
+                    <a:schemeClr val="bg1">
+                      <a:lumMod val="65000"/>
+                    </a:schemeClr>
+                  </a:solidFill>
+                </a:rPr>
+                <a:t>Deadline</a:t>
+              </a:r>
+              <a:endParaRPr lang="en-SG" dirty="0">
+                <a:solidFill>
+                  <a:schemeClr val="bg1">
+                    <a:lumMod val="65000"/>
+                  </a:schemeClr>
+                </a:solidFill>
+              </a:endParaRPr>
+            </a:p>
+          </p:txBody>
+        </p:sp>
+        <p:sp>
+          <p:nvSpPr>
+            <p:cNvPr id="32" name="Pentagon 31"/>
+            <p:cNvSpPr/>
+            <p:nvPr/>
+          </p:nvSpPr>
+          <p:spPr>
+            <a:xfrm>
+              <a:off x="1187624" y="5661248"/>
+              <a:ext cx="4392488" cy="288032"/>
+            </a:xfrm>
+            <a:prstGeom prst="homePlate">
+              <a:avLst/>
+            </a:prstGeom>
+            <a:solidFill>
+              <a:schemeClr val="bg1">
+                <a:lumMod val="65000"/>
+              </a:schemeClr>
+            </a:solidFill>
+            <a:ln>
+              <a:solidFill>
+                <a:schemeClr val="bg1">
+                  <a:lumMod val="65000"/>
+                </a:schemeClr>
+              </a:solidFill>
+            </a:ln>
+          </p:spPr>
+          <p:style>
+            <a:lnRef idx="2">
+              <a:schemeClr val="accent1">
+                <a:shade val="50000"/>
+              </a:schemeClr>
+            </a:lnRef>
+            <a:fillRef idx="1">
+              <a:schemeClr val="accent1"/>
+            </a:fillRef>
+            <a:effectRef idx="0">
+              <a:schemeClr val="accent1"/>
+            </a:effectRef>
+            <a:fontRef idx="minor">
+              <a:schemeClr val="lt1"/>
+            </a:fontRef>
+          </p:style>
+          <p:txBody>
+            <a:bodyPr rtlCol="0" anchor="ctr"/>
+            <a:lstStyle/>
+            <a:p>
+              <a:pPr algn="ctr"/>
+              <a:r>
+                <a:rPr lang="en-US" dirty="0" smtClean="0"/>
+                <a:t>8 months</a:t>
+              </a:r>
+              <a:endParaRPr lang="en-SG" dirty="0"/>
+            </a:p>
+          </p:txBody>
+        </p:sp>
+        <p:sp>
+          <p:nvSpPr>
+            <p:cNvPr id="33" name="TextBox 32"/>
+            <p:cNvSpPr txBox="1"/>
+            <p:nvPr/>
+          </p:nvSpPr>
+          <p:spPr>
+            <a:xfrm>
+              <a:off x="827584" y="5301208"/>
+              <a:ext cx="963812" cy="369332"/>
+            </a:xfrm>
+            <a:prstGeom prst="rect">
+              <a:avLst/>
+            </a:prstGeom>
+            <a:noFill/>
+          </p:spPr>
+          <p:txBody>
+            <a:bodyPr wrap="square" rtlCol="0">
+              <a:spAutoFit/>
+            </a:bodyPr>
+            <a:lstStyle/>
+            <a:p>
+              <a:r>
+                <a:rPr lang="en-US" dirty="0" smtClean="0">
+                  <a:solidFill>
+                    <a:schemeClr val="bg1">
+                      <a:lumMod val="65000"/>
+                    </a:schemeClr>
+                  </a:solidFill>
+                </a:rPr>
+                <a:t>Kickoff</a:t>
+              </a:r>
+              <a:endParaRPr lang="en-SG" dirty="0">
+                <a:solidFill>
+                  <a:schemeClr val="bg1">
+                    <a:lumMod val="65000"/>
+                  </a:schemeClr>
+                </a:solidFill>
+              </a:endParaRPr>
+            </a:p>
+          </p:txBody>
+        </p:sp>
+        <p:sp>
+          <p:nvSpPr>
+            <p:cNvPr id="34" name="TextBox 33"/>
+            <p:cNvSpPr txBox="1"/>
+            <p:nvPr/>
+          </p:nvSpPr>
+          <p:spPr>
+            <a:xfrm>
+              <a:off x="5120356" y="5301208"/>
+              <a:ext cx="675780" cy="369332"/>
+            </a:xfrm>
+            <a:prstGeom prst="rect">
+              <a:avLst/>
+            </a:prstGeom>
+            <a:noFill/>
+          </p:spPr>
+          <p:txBody>
+            <a:bodyPr wrap="square" rtlCol="0">
+              <a:spAutoFit/>
+            </a:bodyPr>
+            <a:lstStyle/>
+            <a:p>
+              <a:r>
+                <a:rPr lang="en-US" dirty="0" smtClean="0">
+                  <a:solidFill>
+                    <a:schemeClr val="bg1">
+                      <a:lumMod val="65000"/>
+                    </a:schemeClr>
+                  </a:solidFill>
+                </a:rPr>
+                <a:t>Now</a:t>
+              </a:r>
+              <a:endParaRPr lang="en-SG" dirty="0">
+                <a:solidFill>
+                  <a:schemeClr val="bg1">
+                    <a:lumMod val="65000"/>
+                  </a:schemeClr>
+                </a:solidFill>
+              </a:endParaRPr>
+            </a:p>
+          </p:txBody>
+        </p:sp>
+      </p:grpSp>
     </p:spTree>
     <p:extLst>
       <p:ext uri="{BB962C8B-B14F-4D97-AF65-F5344CB8AC3E}">
-        <p14:creationId xmlns:p14="http://schemas.microsoft.com/office/powerpoint/2010/main" val="3224787011"/>
+        <p14:creationId xmlns:p14="http://schemas.microsoft.com/office/powerpoint/2010/main" val="309569572"/>
       </p:ext>
     </p:extLst>
   </p:cSld>
@@ -19521,17 +21712,17 @@
       </p:grpSpPr>
       <p:pic>
         <p:nvPicPr>
-          <p:cNvPr id="2" name="PPTIndicator201506281946077190"/>
+          <p:cNvPr id="2" name="PPTIndicator201507011917575489"/>
           <p:cNvPicPr>
             <a:picLocks/>
           </p:cNvPicPr>
           <p:nvPr/>
         </p:nvPicPr>
         <p:blipFill>
-          <a:blip r:embed="rId2" cstate="email">
+          <a:blip r:embed="rId2" cstate="print">
             <a:extLst>
               <a:ext uri="{28A0092B-C50C-407E-A947-70E740481C1C}">
-                <a14:useLocalDpi xmlns:a14="http://schemas.microsoft.com/office/drawing/2010/main"/>
+                <a14:useLocalDpi xmlns:a14="http://schemas.microsoft.com/office/drawing/2010/main" val="0"/>
               </a:ext>
             </a:extLst>
           </a:blip>
@@ -19571,7 +21762,7 @@
             <a:normAutofit/>
           </a:bodyPr>
           <a:lstStyle>
-            <a:lvl1pPr>
+            <a:lvl1pPr algn="ctr">
               <a:spcBef>
                 <a:spcPct val="0"/>
               </a:spcBef>
@@ -19653,7 +21844,7 @@
       </p:sp>
       <p:sp>
         <p:nvSpPr>
-          <p:cNvPr id="6" name="PptLabsAgenda_&amp;^@ContentShape_&amp;^@2015062819460661800"/>
+          <p:cNvPr id="6" name="PptLabsAgenda_&amp;^@ContentShape_&amp;^@2015070119175332550"/>
           <p:cNvSpPr txBox="1">
             <a:spLocks/>
           </p:cNvSpPr>
@@ -19884,10 +22075,272 @@
           </a:p>
         </p:txBody>
       </p:sp>
+      <p:grpSp>
+        <p:nvGrpSpPr>
+          <p:cNvPr id="29" name="Unnamed Shape 20150713135318707214"/>
+          <p:cNvGrpSpPr/>
+          <p:nvPr/>
+        </p:nvGrpSpPr>
+        <p:grpSpPr>
+          <a:xfrm>
+            <a:off x="827584" y="5291916"/>
+            <a:ext cx="7488832" cy="657364"/>
+            <a:chOff x="827584" y="5291916"/>
+            <a:chExt cx="7488832" cy="657364"/>
+          </a:xfrm>
+        </p:grpSpPr>
+        <p:sp>
+          <p:nvSpPr>
+            <p:cNvPr id="30" name="Rectangle 29"/>
+            <p:cNvSpPr/>
+            <p:nvPr/>
+          </p:nvSpPr>
+          <p:spPr>
+            <a:xfrm>
+              <a:off x="5436096" y="5661248"/>
+              <a:ext cx="2376264" cy="288032"/>
+            </a:xfrm>
+            <a:prstGeom prst="rect">
+              <a:avLst/>
+            </a:prstGeom>
+            <a:noFill/>
+            <a:ln>
+              <a:solidFill>
+                <a:schemeClr val="bg1">
+                  <a:lumMod val="65000"/>
+                </a:schemeClr>
+              </a:solidFill>
+            </a:ln>
+          </p:spPr>
+          <p:style>
+            <a:lnRef idx="2">
+              <a:schemeClr val="accent1">
+                <a:shade val="50000"/>
+              </a:schemeClr>
+            </a:lnRef>
+            <a:fillRef idx="1">
+              <a:schemeClr val="accent1"/>
+            </a:fillRef>
+            <a:effectRef idx="0">
+              <a:schemeClr val="accent1"/>
+            </a:effectRef>
+            <a:fontRef idx="minor">
+              <a:schemeClr val="lt1"/>
+            </a:fontRef>
+          </p:style>
+          <p:txBody>
+            <a:bodyPr rtlCol="0" anchor="ctr"/>
+            <a:lstStyle/>
+            <a:p>
+              <a:pPr algn="ctr"/>
+              <a:r>
+                <a:rPr lang="en-US" dirty="0" smtClean="0">
+                  <a:solidFill>
+                    <a:schemeClr val="bg1">
+                      <a:lumMod val="65000"/>
+                    </a:schemeClr>
+                  </a:solidFill>
+                </a:rPr>
+                <a:t>2.5 months</a:t>
+              </a:r>
+              <a:endParaRPr lang="en-SG" dirty="0">
+                <a:solidFill>
+                  <a:schemeClr val="bg1">
+                    <a:lumMod val="65000"/>
+                  </a:schemeClr>
+                </a:solidFill>
+              </a:endParaRPr>
+            </a:p>
+          </p:txBody>
+        </p:sp>
+        <p:sp>
+          <p:nvSpPr>
+            <p:cNvPr id="31" name="TextBox 30"/>
+            <p:cNvSpPr txBox="1"/>
+            <p:nvPr/>
+          </p:nvSpPr>
+          <p:spPr>
+            <a:xfrm>
+              <a:off x="7251436" y="5291916"/>
+              <a:ext cx="1064980" cy="369332"/>
+            </a:xfrm>
+            <a:prstGeom prst="rect">
+              <a:avLst/>
+            </a:prstGeom>
+            <a:noFill/>
+          </p:spPr>
+          <p:txBody>
+            <a:bodyPr wrap="square" rtlCol="0">
+              <a:spAutoFit/>
+            </a:bodyPr>
+            <a:lstStyle/>
+            <a:p>
+              <a:pPr algn="r"/>
+              <a:r>
+                <a:rPr lang="en-US" dirty="0" smtClean="0">
+                  <a:solidFill>
+                    <a:schemeClr val="bg1">
+                      <a:lumMod val="65000"/>
+                    </a:schemeClr>
+                  </a:solidFill>
+                </a:rPr>
+                <a:t>Deadline</a:t>
+              </a:r>
+              <a:endParaRPr lang="en-SG" dirty="0">
+                <a:solidFill>
+                  <a:schemeClr val="bg1">
+                    <a:lumMod val="65000"/>
+                  </a:schemeClr>
+                </a:solidFill>
+              </a:endParaRPr>
+            </a:p>
+          </p:txBody>
+        </p:sp>
+        <p:sp>
+          <p:nvSpPr>
+            <p:cNvPr id="32" name="Pentagon 31"/>
+            <p:cNvSpPr/>
+            <p:nvPr/>
+          </p:nvSpPr>
+          <p:spPr>
+            <a:xfrm>
+              <a:off x="1187624" y="5661248"/>
+              <a:ext cx="4392488" cy="288032"/>
+            </a:xfrm>
+            <a:prstGeom prst="homePlate">
+              <a:avLst/>
+            </a:prstGeom>
+            <a:solidFill>
+              <a:schemeClr val="bg1">
+                <a:lumMod val="65000"/>
+              </a:schemeClr>
+            </a:solidFill>
+            <a:ln>
+              <a:solidFill>
+                <a:schemeClr val="bg1">
+                  <a:lumMod val="65000"/>
+                </a:schemeClr>
+              </a:solidFill>
+            </a:ln>
+          </p:spPr>
+          <p:style>
+            <a:lnRef idx="2">
+              <a:schemeClr val="accent1">
+                <a:shade val="50000"/>
+              </a:schemeClr>
+            </a:lnRef>
+            <a:fillRef idx="1">
+              <a:schemeClr val="accent1"/>
+            </a:fillRef>
+            <a:effectRef idx="0">
+              <a:schemeClr val="accent1"/>
+            </a:effectRef>
+            <a:fontRef idx="minor">
+              <a:schemeClr val="lt1"/>
+            </a:fontRef>
+          </p:style>
+          <p:txBody>
+            <a:bodyPr rtlCol="0" anchor="ctr"/>
+            <a:lstStyle/>
+            <a:p>
+              <a:pPr algn="ctr"/>
+              <a:r>
+                <a:rPr lang="en-US" dirty="0" smtClean="0"/>
+                <a:t>8 months</a:t>
+              </a:r>
+              <a:endParaRPr lang="en-SG" dirty="0"/>
+            </a:p>
+          </p:txBody>
+        </p:sp>
+        <p:sp>
+          <p:nvSpPr>
+            <p:cNvPr id="33" name="TextBox 32"/>
+            <p:cNvSpPr txBox="1"/>
+            <p:nvPr/>
+          </p:nvSpPr>
+          <p:spPr>
+            <a:xfrm>
+              <a:off x="827584" y="5301208"/>
+              <a:ext cx="963812" cy="369332"/>
+            </a:xfrm>
+            <a:prstGeom prst="rect">
+              <a:avLst/>
+            </a:prstGeom>
+            <a:noFill/>
+          </p:spPr>
+          <p:txBody>
+            <a:bodyPr wrap="square" rtlCol="0">
+              <a:spAutoFit/>
+            </a:bodyPr>
+            <a:lstStyle/>
+            <a:p>
+              <a:r>
+                <a:rPr lang="en-US" dirty="0" smtClean="0">
+                  <a:solidFill>
+                    <a:schemeClr val="bg1">
+                      <a:lumMod val="65000"/>
+                    </a:schemeClr>
+                  </a:solidFill>
+                </a:rPr>
+                <a:t>Kickoff</a:t>
+              </a:r>
+              <a:endParaRPr lang="en-SG" dirty="0">
+                <a:solidFill>
+                  <a:schemeClr val="bg1">
+                    <a:lumMod val="65000"/>
+                  </a:schemeClr>
+                </a:solidFill>
+              </a:endParaRPr>
+            </a:p>
+          </p:txBody>
+        </p:sp>
+        <p:sp>
+          <p:nvSpPr>
+            <p:cNvPr id="34" name="TextBox 33"/>
+            <p:cNvSpPr txBox="1"/>
+            <p:nvPr/>
+          </p:nvSpPr>
+          <p:spPr>
+            <a:xfrm>
+              <a:off x="5120356" y="5301208"/>
+              <a:ext cx="675780" cy="369332"/>
+            </a:xfrm>
+            <a:prstGeom prst="rect">
+              <a:avLst/>
+            </a:prstGeom>
+            <a:noFill/>
+          </p:spPr>
+          <p:txBody>
+            <a:bodyPr wrap="square" rtlCol="0">
+              <a:spAutoFit/>
+            </a:bodyPr>
+            <a:lstStyle/>
+            <a:p>
+              <a:r>
+                <a:rPr lang="en-US" dirty="0" smtClean="0">
+                  <a:solidFill>
+                    <a:schemeClr val="bg1">
+                      <a:lumMod val="65000"/>
+                    </a:schemeClr>
+                  </a:solidFill>
+                </a:rPr>
+                <a:t>Now</a:t>
+              </a:r>
+              <a:endParaRPr lang="en-SG" dirty="0">
+                <a:solidFill>
+                  <a:schemeClr val="bg1">
+                    <a:lumMod val="65000"/>
+                  </a:schemeClr>
+                </a:solidFill>
+              </a:endParaRPr>
+            </a:p>
+          </p:txBody>
+        </p:sp>
+      </p:grpSp>
     </p:spTree>
     <p:extLst>
       <p:ext uri="{BB962C8B-B14F-4D97-AF65-F5344CB8AC3E}">
-        <p14:creationId xmlns:p14="http://schemas.microsoft.com/office/powerpoint/2010/main" val="4032274764"/>
+        <p14:creationId xmlns:p14="http://schemas.microsoft.com/office/powerpoint/2010/main" val="3950092454"/>
       </p:ext>
     </p:extLst>
   </p:cSld>
@@ -20033,7 +22486,7 @@
       </p:grpSpPr>
       <p:pic>
         <p:nvPicPr>
-          <p:cNvPr id="2" name="PPTIndicator201506301431350078"/>
+          <p:cNvPr id="2" name="PPTIndicator201507011917537505"/>
           <p:cNvPicPr>
             <a:picLocks/>
           </p:cNvPicPr>
@@ -20083,7 +22536,7 @@
             <a:normAutofit/>
           </a:bodyPr>
           <a:lstStyle>
-            <a:lvl1pPr>
+            <a:lvl1pPr algn="ctr">
               <a:spcBef>
                 <a:spcPct val="0"/>
               </a:spcBef>
@@ -20159,13 +22612,13 @@
               <a:rPr lang="en-SG"/>
               <a:t>Project Progress Report</a:t>
             </a:r>
-            <a:endParaRPr lang="en-SG" dirty="0"/>
-          </a:p>
-        </p:txBody>
-      </p:sp>
-      <p:sp>
-        <p:nvSpPr>
-          <p:cNvPr id="6" name="PptLabsAgenda_&amp;^@ContentShape_&amp;^@2015062819460661800"/>
+            <a:endParaRPr lang="en-SG"/>
+          </a:p>
+        </p:txBody>
+      </p:sp>
+      <p:sp>
+        <p:nvSpPr>
+          <p:cNvPr id="6" name="PptLabsAgenda_&amp;^@ContentShape_&amp;^@2015070119175332550"/>
           <p:cNvSpPr txBox="1">
             <a:spLocks/>
           </p:cNvSpPr>
@@ -20420,26 +22873,292 @@
             </a:endParaRPr>
           </a:p>
           <a:p>
-            <a:endParaRPr lang="en-SG" dirty="0"/>
-          </a:p>
-        </p:txBody>
-      </p:sp>
+            <a:endParaRPr lang="en-SG"/>
+          </a:p>
+        </p:txBody>
+      </p:sp>
+      <p:grpSp>
+        <p:nvGrpSpPr>
+          <p:cNvPr id="31" name="Unnamed Shape 20150713135318707214"/>
+          <p:cNvGrpSpPr/>
+          <p:nvPr/>
+        </p:nvGrpSpPr>
+        <p:grpSpPr>
+          <a:xfrm>
+            <a:off x="827584" y="5291916"/>
+            <a:ext cx="7488832" cy="657364"/>
+            <a:chOff x="827584" y="5291916"/>
+            <a:chExt cx="7488832" cy="657364"/>
+          </a:xfrm>
+        </p:grpSpPr>
+        <p:sp>
+          <p:nvSpPr>
+            <p:cNvPr id="32" name="Rectangle 31"/>
+            <p:cNvSpPr/>
+            <p:nvPr/>
+          </p:nvSpPr>
+          <p:spPr>
+            <a:xfrm>
+              <a:off x="5436096" y="5661248"/>
+              <a:ext cx="2376264" cy="288032"/>
+            </a:xfrm>
+            <a:prstGeom prst="rect">
+              <a:avLst/>
+            </a:prstGeom>
+            <a:noFill/>
+            <a:ln>
+              <a:solidFill>
+                <a:schemeClr val="bg1">
+                  <a:lumMod val="65000"/>
+                </a:schemeClr>
+              </a:solidFill>
+            </a:ln>
+          </p:spPr>
+          <p:style>
+            <a:lnRef idx="2">
+              <a:schemeClr val="accent1">
+                <a:shade val="50000"/>
+              </a:schemeClr>
+            </a:lnRef>
+            <a:fillRef idx="1">
+              <a:schemeClr val="accent1"/>
+            </a:fillRef>
+            <a:effectRef idx="0">
+              <a:schemeClr val="accent1"/>
+            </a:effectRef>
+            <a:fontRef idx="minor">
+              <a:schemeClr val="lt1"/>
+            </a:fontRef>
+          </p:style>
+          <p:txBody>
+            <a:bodyPr rtlCol="0" anchor="ctr"/>
+            <a:lstStyle/>
+            <a:p>
+              <a:pPr algn="ctr"/>
+              <a:r>
+                <a:rPr lang="en-US" dirty="0" smtClean="0">
+                  <a:solidFill>
+                    <a:schemeClr val="bg1">
+                      <a:lumMod val="65000"/>
+                    </a:schemeClr>
+                  </a:solidFill>
+                </a:rPr>
+                <a:t>2.5 months</a:t>
+              </a:r>
+              <a:endParaRPr lang="en-SG" dirty="0">
+                <a:solidFill>
+                  <a:schemeClr val="bg1">
+                    <a:lumMod val="65000"/>
+                  </a:schemeClr>
+                </a:solidFill>
+              </a:endParaRPr>
+            </a:p>
+          </p:txBody>
+        </p:sp>
+        <p:sp>
+          <p:nvSpPr>
+            <p:cNvPr id="33" name="TextBox 32"/>
+            <p:cNvSpPr txBox="1"/>
+            <p:nvPr/>
+          </p:nvSpPr>
+          <p:spPr>
+            <a:xfrm>
+              <a:off x="7251436" y="5291916"/>
+              <a:ext cx="1064980" cy="369332"/>
+            </a:xfrm>
+            <a:prstGeom prst="rect">
+              <a:avLst/>
+            </a:prstGeom>
+            <a:noFill/>
+          </p:spPr>
+          <p:txBody>
+            <a:bodyPr wrap="square" rtlCol="0">
+              <a:spAutoFit/>
+            </a:bodyPr>
+            <a:lstStyle/>
+            <a:p>
+              <a:pPr algn="r"/>
+              <a:r>
+                <a:rPr lang="en-US" dirty="0" smtClean="0">
+                  <a:solidFill>
+                    <a:schemeClr val="bg1">
+                      <a:lumMod val="65000"/>
+                    </a:schemeClr>
+                  </a:solidFill>
+                </a:rPr>
+                <a:t>Deadline</a:t>
+              </a:r>
+              <a:endParaRPr lang="en-SG" dirty="0">
+                <a:solidFill>
+                  <a:schemeClr val="bg1">
+                    <a:lumMod val="65000"/>
+                  </a:schemeClr>
+                </a:solidFill>
+              </a:endParaRPr>
+            </a:p>
+          </p:txBody>
+        </p:sp>
+        <p:sp>
+          <p:nvSpPr>
+            <p:cNvPr id="34" name="Pentagon 33"/>
+            <p:cNvSpPr/>
+            <p:nvPr/>
+          </p:nvSpPr>
+          <p:spPr>
+            <a:xfrm>
+              <a:off x="1187624" y="5661248"/>
+              <a:ext cx="4392488" cy="288032"/>
+            </a:xfrm>
+            <a:prstGeom prst="homePlate">
+              <a:avLst/>
+            </a:prstGeom>
+            <a:solidFill>
+              <a:schemeClr val="bg1">
+                <a:lumMod val="65000"/>
+              </a:schemeClr>
+            </a:solidFill>
+            <a:ln>
+              <a:solidFill>
+                <a:schemeClr val="bg1">
+                  <a:lumMod val="65000"/>
+                </a:schemeClr>
+              </a:solidFill>
+            </a:ln>
+          </p:spPr>
+          <p:style>
+            <a:lnRef idx="2">
+              <a:schemeClr val="accent1">
+                <a:shade val="50000"/>
+              </a:schemeClr>
+            </a:lnRef>
+            <a:fillRef idx="1">
+              <a:schemeClr val="accent1"/>
+            </a:fillRef>
+            <a:effectRef idx="0">
+              <a:schemeClr val="accent1"/>
+            </a:effectRef>
+            <a:fontRef idx="minor">
+              <a:schemeClr val="lt1"/>
+            </a:fontRef>
+          </p:style>
+          <p:txBody>
+            <a:bodyPr rtlCol="0" anchor="ctr"/>
+            <a:lstStyle/>
+            <a:p>
+              <a:pPr algn="ctr"/>
+              <a:r>
+                <a:rPr lang="en-US" dirty="0" smtClean="0"/>
+                <a:t>8 months</a:t>
+              </a:r>
+              <a:endParaRPr lang="en-SG" dirty="0"/>
+            </a:p>
+          </p:txBody>
+        </p:sp>
+        <p:sp>
+          <p:nvSpPr>
+            <p:cNvPr id="35" name="TextBox 34"/>
+            <p:cNvSpPr txBox="1"/>
+            <p:nvPr/>
+          </p:nvSpPr>
+          <p:spPr>
+            <a:xfrm>
+              <a:off x="827584" y="5301208"/>
+              <a:ext cx="963812" cy="369332"/>
+            </a:xfrm>
+            <a:prstGeom prst="rect">
+              <a:avLst/>
+            </a:prstGeom>
+            <a:noFill/>
+          </p:spPr>
+          <p:txBody>
+            <a:bodyPr wrap="square" rtlCol="0">
+              <a:spAutoFit/>
+            </a:bodyPr>
+            <a:lstStyle/>
+            <a:p>
+              <a:r>
+                <a:rPr lang="en-US" dirty="0" smtClean="0">
+                  <a:solidFill>
+                    <a:schemeClr val="bg1">
+                      <a:lumMod val="65000"/>
+                    </a:schemeClr>
+                  </a:solidFill>
+                </a:rPr>
+                <a:t>Kickoff</a:t>
+              </a:r>
+              <a:endParaRPr lang="en-SG" dirty="0">
+                <a:solidFill>
+                  <a:schemeClr val="bg1">
+                    <a:lumMod val="65000"/>
+                  </a:schemeClr>
+                </a:solidFill>
+              </a:endParaRPr>
+            </a:p>
+          </p:txBody>
+        </p:sp>
+        <p:sp>
+          <p:nvSpPr>
+            <p:cNvPr id="36" name="TextBox 35"/>
+            <p:cNvSpPr txBox="1"/>
+            <p:nvPr/>
+          </p:nvSpPr>
+          <p:spPr>
+            <a:xfrm>
+              <a:off x="5120356" y="5301208"/>
+              <a:ext cx="675780" cy="369332"/>
+            </a:xfrm>
+            <a:prstGeom prst="rect">
+              <a:avLst/>
+            </a:prstGeom>
+            <a:noFill/>
+          </p:spPr>
+          <p:txBody>
+            <a:bodyPr wrap="square" rtlCol="0">
+              <a:spAutoFit/>
+            </a:bodyPr>
+            <a:lstStyle/>
+            <a:p>
+              <a:r>
+                <a:rPr lang="en-US" dirty="0" smtClean="0">
+                  <a:solidFill>
+                    <a:schemeClr val="bg1">
+                      <a:lumMod val="65000"/>
+                    </a:schemeClr>
+                  </a:solidFill>
+                </a:rPr>
+                <a:t>Now</a:t>
+              </a:r>
+              <a:endParaRPr lang="en-SG" dirty="0">
+                <a:solidFill>
+                  <a:schemeClr val="bg1">
+                    <a:lumMod val="65000"/>
+                  </a:schemeClr>
+                </a:solidFill>
+              </a:endParaRPr>
+            </a:p>
+          </p:txBody>
+        </p:sp>
+      </p:grpSp>
     </p:spTree>
     <p:extLst>
       <p:ext uri="{BB962C8B-B14F-4D97-AF65-F5344CB8AC3E}">
-        <p14:creationId xmlns:p14="http://schemas.microsoft.com/office/powerpoint/2010/main" val="3867516016"/>
+        <p14:creationId xmlns:p14="http://schemas.microsoft.com/office/powerpoint/2010/main" val="2668600746"/>
       </p:ext>
     </p:extLst>
   </p:cSld>
   <p:clrMapOvr>
     <a:masterClrMapping/>
   </p:clrMapOvr>
-  <mc:AlternateContent xmlns:mc="http://schemas.openxmlformats.org/markup-compatibility/2006">
-    <mc:Choice xmlns:p14="http://schemas.microsoft.com/office/powerpoint/2010/main" Requires="p14">
-      <p:transition spd="slow" p14:dur="2000"/>
+  <mc:AlternateContent xmlns:mc="http://schemas.openxmlformats.org/markup-compatibility/2006" xmlns:p14="http://schemas.microsoft.com/office/powerpoint/2010/main">
+    <mc:Choice Requires="p14">
+      <p:transition spd="med" p14:dur="700">
+        <p:fade/>
+      </p:transition>
     </mc:Choice>
-    <mc:Fallback>
-      <p:transition spd="slow"/>
+    <mc:Fallback xmlns="">
+      <p:transition spd="med">
+        <p:fade/>
+      </p:transition>
     </mc:Fallback>
   </mc:AlternateContent>
   <p:timing>
@@ -20678,9 +23397,18 @@
   <p:clrMapOvr>
     <a:masterClrMapping/>
   </p:clrMapOvr>
-  <p:transition spd="slow">
-    <p:push dir="u"/>
-  </p:transition>
+  <mc:AlternateContent xmlns:mc="http://schemas.openxmlformats.org/markup-compatibility/2006" xmlns:p14="http://schemas.microsoft.com/office/powerpoint/2010/main">
+    <mc:Choice Requires="p14">
+      <p:transition spd="slow" p14:dur="800">
+        <p:push dir="u"/>
+      </p:transition>
+    </mc:Choice>
+    <mc:Fallback xmlns="">
+      <p:transition spd="slow">
+        <p:push dir="u"/>
+      </p:transition>
+    </mc:Fallback>
+  </mc:AlternateContent>
   <p:timing>
     <p:tnLst>
       <p:par>
@@ -20710,17 +23438,17 @@
       </p:grpSpPr>
       <p:pic>
         <p:nvPicPr>
-          <p:cNvPr id="2" name="PPTIndicator201506281946077340"/>
+          <p:cNvPr id="2" name="PPTIndicator201507011917575639"/>
           <p:cNvPicPr>
             <a:picLocks/>
           </p:cNvPicPr>
           <p:nvPr/>
         </p:nvPicPr>
         <p:blipFill>
-          <a:blip r:embed="rId2" cstate="email">
+          <a:blip r:embed="rId2" cstate="print">
             <a:extLst>
               <a:ext uri="{28A0092B-C50C-407E-A947-70E740481C1C}">
-                <a14:useLocalDpi xmlns:a14="http://schemas.microsoft.com/office/drawing/2010/main"/>
+                <a14:useLocalDpi xmlns:a14="http://schemas.microsoft.com/office/drawing/2010/main" val="0"/>
               </a:ext>
             </a:extLst>
           </a:blip>
@@ -20760,7 +23488,7 @@
             <a:normAutofit/>
           </a:bodyPr>
           <a:lstStyle>
-            <a:lvl1pPr>
+            <a:lvl1pPr algn="ctr">
               <a:spcBef>
                 <a:spcPct val="0"/>
               </a:spcBef>
@@ -20842,7 +23570,7 @@
       </p:sp>
       <p:sp>
         <p:nvSpPr>
-          <p:cNvPr id="6" name="PptLabsAgenda_&amp;^@ContentShape_&amp;^@2015062819460661800"/>
+          <p:cNvPr id="6" name="PptLabsAgenda_&amp;^@ContentShape_&amp;^@2015070119175332550"/>
           <p:cNvSpPr txBox="1">
             <a:spLocks/>
           </p:cNvSpPr>
@@ -21073,19 +23801,290 @@
           </a:p>
         </p:txBody>
       </p:sp>
+      <p:grpSp>
+        <p:nvGrpSpPr>
+          <p:cNvPr id="29" name="Unnamed Shape 20150713135318707214"/>
+          <p:cNvGrpSpPr/>
+          <p:nvPr/>
+        </p:nvGrpSpPr>
+        <p:grpSpPr>
+          <a:xfrm>
+            <a:off x="827584" y="5291916"/>
+            <a:ext cx="7488832" cy="657364"/>
+            <a:chOff x="827584" y="5291916"/>
+            <a:chExt cx="7488832" cy="657364"/>
+          </a:xfrm>
+        </p:grpSpPr>
+        <p:sp>
+          <p:nvSpPr>
+            <p:cNvPr id="30" name="Rectangle 29"/>
+            <p:cNvSpPr/>
+            <p:nvPr/>
+          </p:nvSpPr>
+          <p:spPr>
+            <a:xfrm>
+              <a:off x="5436096" y="5661248"/>
+              <a:ext cx="2376264" cy="288032"/>
+            </a:xfrm>
+            <a:prstGeom prst="rect">
+              <a:avLst/>
+            </a:prstGeom>
+            <a:noFill/>
+            <a:ln>
+              <a:solidFill>
+                <a:schemeClr val="bg1">
+                  <a:lumMod val="65000"/>
+                </a:schemeClr>
+              </a:solidFill>
+            </a:ln>
+          </p:spPr>
+          <p:style>
+            <a:lnRef idx="2">
+              <a:schemeClr val="accent1">
+                <a:shade val="50000"/>
+              </a:schemeClr>
+            </a:lnRef>
+            <a:fillRef idx="1">
+              <a:schemeClr val="accent1"/>
+            </a:fillRef>
+            <a:effectRef idx="0">
+              <a:schemeClr val="accent1"/>
+            </a:effectRef>
+            <a:fontRef idx="minor">
+              <a:schemeClr val="lt1"/>
+            </a:fontRef>
+          </p:style>
+          <p:txBody>
+            <a:bodyPr rtlCol="0" anchor="ctr"/>
+            <a:lstStyle/>
+            <a:p>
+              <a:pPr algn="ctr"/>
+              <a:r>
+                <a:rPr lang="en-US" dirty="0" smtClean="0">
+                  <a:solidFill>
+                    <a:schemeClr val="bg1">
+                      <a:lumMod val="65000"/>
+                    </a:schemeClr>
+                  </a:solidFill>
+                </a:rPr>
+                <a:t>2.5 months</a:t>
+              </a:r>
+              <a:endParaRPr lang="en-SG" dirty="0">
+                <a:solidFill>
+                  <a:schemeClr val="bg1">
+                    <a:lumMod val="65000"/>
+                  </a:schemeClr>
+                </a:solidFill>
+              </a:endParaRPr>
+            </a:p>
+          </p:txBody>
+        </p:sp>
+        <p:sp>
+          <p:nvSpPr>
+            <p:cNvPr id="31" name="TextBox 30"/>
+            <p:cNvSpPr txBox="1"/>
+            <p:nvPr/>
+          </p:nvSpPr>
+          <p:spPr>
+            <a:xfrm>
+              <a:off x="7251436" y="5291916"/>
+              <a:ext cx="1064980" cy="369332"/>
+            </a:xfrm>
+            <a:prstGeom prst="rect">
+              <a:avLst/>
+            </a:prstGeom>
+            <a:noFill/>
+          </p:spPr>
+          <p:txBody>
+            <a:bodyPr wrap="square" rtlCol="0">
+              <a:spAutoFit/>
+            </a:bodyPr>
+            <a:lstStyle/>
+            <a:p>
+              <a:pPr algn="r"/>
+              <a:r>
+                <a:rPr lang="en-US" dirty="0" smtClean="0">
+                  <a:solidFill>
+                    <a:schemeClr val="bg1">
+                      <a:lumMod val="65000"/>
+                    </a:schemeClr>
+                  </a:solidFill>
+                </a:rPr>
+                <a:t>Deadline</a:t>
+              </a:r>
+              <a:endParaRPr lang="en-SG" dirty="0">
+                <a:solidFill>
+                  <a:schemeClr val="bg1">
+                    <a:lumMod val="65000"/>
+                  </a:schemeClr>
+                </a:solidFill>
+              </a:endParaRPr>
+            </a:p>
+          </p:txBody>
+        </p:sp>
+        <p:sp>
+          <p:nvSpPr>
+            <p:cNvPr id="32" name="Pentagon 31"/>
+            <p:cNvSpPr/>
+            <p:nvPr/>
+          </p:nvSpPr>
+          <p:spPr>
+            <a:xfrm>
+              <a:off x="1187624" y="5661248"/>
+              <a:ext cx="4392488" cy="288032"/>
+            </a:xfrm>
+            <a:prstGeom prst="homePlate">
+              <a:avLst/>
+            </a:prstGeom>
+            <a:solidFill>
+              <a:schemeClr val="bg1">
+                <a:lumMod val="65000"/>
+              </a:schemeClr>
+            </a:solidFill>
+            <a:ln>
+              <a:solidFill>
+                <a:schemeClr val="bg1">
+                  <a:lumMod val="65000"/>
+                </a:schemeClr>
+              </a:solidFill>
+            </a:ln>
+          </p:spPr>
+          <p:style>
+            <a:lnRef idx="2">
+              <a:schemeClr val="accent1">
+                <a:shade val="50000"/>
+              </a:schemeClr>
+            </a:lnRef>
+            <a:fillRef idx="1">
+              <a:schemeClr val="accent1"/>
+            </a:fillRef>
+            <a:effectRef idx="0">
+              <a:schemeClr val="accent1"/>
+            </a:effectRef>
+            <a:fontRef idx="minor">
+              <a:schemeClr val="lt1"/>
+            </a:fontRef>
+          </p:style>
+          <p:txBody>
+            <a:bodyPr rtlCol="0" anchor="ctr"/>
+            <a:lstStyle/>
+            <a:p>
+              <a:pPr algn="ctr"/>
+              <a:r>
+                <a:rPr lang="en-US" dirty="0" smtClean="0"/>
+                <a:t>8 months</a:t>
+              </a:r>
+              <a:endParaRPr lang="en-SG" dirty="0"/>
+            </a:p>
+          </p:txBody>
+        </p:sp>
+        <p:sp>
+          <p:nvSpPr>
+            <p:cNvPr id="33" name="TextBox 32"/>
+            <p:cNvSpPr txBox="1"/>
+            <p:nvPr/>
+          </p:nvSpPr>
+          <p:spPr>
+            <a:xfrm>
+              <a:off x="827584" y="5301208"/>
+              <a:ext cx="963812" cy="369332"/>
+            </a:xfrm>
+            <a:prstGeom prst="rect">
+              <a:avLst/>
+            </a:prstGeom>
+            <a:noFill/>
+          </p:spPr>
+          <p:txBody>
+            <a:bodyPr wrap="square" rtlCol="0">
+              <a:spAutoFit/>
+            </a:bodyPr>
+            <a:lstStyle/>
+            <a:p>
+              <a:r>
+                <a:rPr lang="en-US" dirty="0" smtClean="0">
+                  <a:solidFill>
+                    <a:schemeClr val="bg1">
+                      <a:lumMod val="65000"/>
+                    </a:schemeClr>
+                  </a:solidFill>
+                </a:rPr>
+                <a:t>Kickoff</a:t>
+              </a:r>
+              <a:endParaRPr lang="en-SG" dirty="0">
+                <a:solidFill>
+                  <a:schemeClr val="bg1">
+                    <a:lumMod val="65000"/>
+                  </a:schemeClr>
+                </a:solidFill>
+              </a:endParaRPr>
+            </a:p>
+          </p:txBody>
+        </p:sp>
+        <p:sp>
+          <p:nvSpPr>
+            <p:cNvPr id="34" name="TextBox 33"/>
+            <p:cNvSpPr txBox="1"/>
+            <p:nvPr/>
+          </p:nvSpPr>
+          <p:spPr>
+            <a:xfrm>
+              <a:off x="5120356" y="5301208"/>
+              <a:ext cx="675780" cy="369332"/>
+            </a:xfrm>
+            <a:prstGeom prst="rect">
+              <a:avLst/>
+            </a:prstGeom>
+            <a:noFill/>
+          </p:spPr>
+          <p:txBody>
+            <a:bodyPr wrap="square" rtlCol="0">
+              <a:spAutoFit/>
+            </a:bodyPr>
+            <a:lstStyle/>
+            <a:p>
+              <a:r>
+                <a:rPr lang="en-US" dirty="0" smtClean="0">
+                  <a:solidFill>
+                    <a:schemeClr val="bg1">
+                      <a:lumMod val="65000"/>
+                    </a:schemeClr>
+                  </a:solidFill>
+                </a:rPr>
+                <a:t>Now</a:t>
+              </a:r>
+              <a:endParaRPr lang="en-SG" dirty="0">
+                <a:solidFill>
+                  <a:schemeClr val="bg1">
+                    <a:lumMod val="65000"/>
+                  </a:schemeClr>
+                </a:solidFill>
+              </a:endParaRPr>
+            </a:p>
+          </p:txBody>
+        </p:sp>
+      </p:grpSp>
     </p:spTree>
     <p:extLst>
       <p:ext uri="{BB962C8B-B14F-4D97-AF65-F5344CB8AC3E}">
-        <p14:creationId xmlns:p14="http://schemas.microsoft.com/office/powerpoint/2010/main" val="746547136"/>
+        <p14:creationId xmlns:p14="http://schemas.microsoft.com/office/powerpoint/2010/main" val="2879643252"/>
       </p:ext>
     </p:extLst>
   </p:cSld>
   <p:clrMapOvr>
     <a:masterClrMapping/>
   </p:clrMapOvr>
-  <p:transition spd="slow">
-    <p:push dir="d"/>
-  </p:transition>
+  <mc:AlternateContent xmlns:mc="http://schemas.openxmlformats.org/markup-compatibility/2006" xmlns:p14="http://schemas.microsoft.com/office/powerpoint/2010/main">
+    <mc:Choice Requires="p14">
+      <p:transition spd="slow" p14:dur="800">
+        <p:push dir="u"/>
+      </p:transition>
+    </mc:Choice>
+    <mc:Fallback xmlns="">
+      <p:transition spd="slow">
+        <p:push dir="u"/>
+      </p:transition>
+    </mc:Fallback>
+  </mc:AlternateContent>
   <p:timing>
     <p:tnLst>
       <p:par>
@@ -21213,7 +24212,7 @@
       </p:grpSpPr>
       <p:pic>
         <p:nvPicPr>
-          <p:cNvPr id="2" name="PPTIndicator201506301431380770"/>
+          <p:cNvPr id="2" name="PPTIndicator201507011917575789"/>
           <p:cNvPicPr>
             <a:picLocks/>
           </p:cNvPicPr>
@@ -21263,7 +24262,7 @@
             <a:normAutofit/>
           </a:bodyPr>
           <a:lstStyle>
-            <a:lvl1pPr>
+            <a:lvl1pPr algn="ctr">
               <a:spcBef>
                 <a:spcPct val="0"/>
               </a:spcBef>
@@ -21339,13 +24338,13 @@
               <a:rPr lang="en-SG"/>
               <a:t>Project Progress Report</a:t>
             </a:r>
-            <a:endParaRPr lang="en-SG" dirty="0"/>
-          </a:p>
-        </p:txBody>
-      </p:sp>
-      <p:sp>
-        <p:nvSpPr>
-          <p:cNvPr id="6" name="PptLabsAgenda_&amp;^@ContentShape_&amp;^@2015062819460661800"/>
+            <a:endParaRPr lang="en-SG"/>
+          </a:p>
+        </p:txBody>
+      </p:sp>
+      <p:sp>
+        <p:nvSpPr>
+          <p:cNvPr id="6" name="PptLabsAgenda_&amp;^@ContentShape_&amp;^@2015070119175332550"/>
           <p:cNvSpPr txBox="1">
             <a:spLocks/>
           </p:cNvSpPr>
@@ -21564,74 +24563,289 @@
             <a:endParaRPr lang="en-SG"/>
           </a:p>
           <a:p>
-            <a:endParaRPr lang="en-SG" dirty="0"/>
-          </a:p>
-        </p:txBody>
-      </p:sp>
-      <p:sp>
-        <p:nvSpPr>
-          <p:cNvPr id="7" name="TextBox 2"/>
-          <p:cNvSpPr txBox="1"/>
+            <a:endParaRPr lang="en-SG"/>
+          </a:p>
+        </p:txBody>
+      </p:sp>
+      <p:grpSp>
+        <p:nvGrpSpPr>
+          <p:cNvPr id="29" name="Unnamed Shape 20150713135318707214"/>
+          <p:cNvGrpSpPr/>
           <p:nvPr/>
-        </p:nvSpPr>
-        <p:spPr>
+        </p:nvGrpSpPr>
+        <p:grpSpPr>
           <a:xfrm>
-            <a:off x="2195736" y="5229200"/>
-            <a:ext cx="4968552" cy="584775"/>
+            <a:off x="827584" y="5291916"/>
+            <a:ext cx="7488832" cy="657364"/>
+            <a:chOff x="827584" y="5291916"/>
+            <a:chExt cx="7488832" cy="657364"/>
           </a:xfrm>
-          <a:prstGeom prst="rect">
-            <a:avLst/>
-          </a:prstGeom>
-          <a:noFill/>
-        </p:spPr>
-        <p:txBody>
-          <a:bodyPr wrap="square" rtlCol="0">
-            <a:spAutoFit/>
-          </a:bodyPr>
-          <a:lstStyle/>
-          <a:p>
-            <a:r>
-              <a:rPr lang="en-US" sz="3200" dirty="0" smtClean="0">
-                <a:solidFill>
-                  <a:srgbClr val="C00000"/>
-                </a:solidFill>
-              </a:rPr>
-              <a:t>Thank you. Questions? </a:t>
-            </a:r>
-            <a:r>
-              <a:rPr lang="en-US" sz="3200" dirty="0" smtClean="0">
-                <a:solidFill>
-                  <a:srgbClr val="C00000"/>
-                </a:solidFill>
-                <a:sym typeface="Wingdings" panose="05000000000000000000" pitchFamily="2" charset="2"/>
-              </a:rPr>
-              <a:t></a:t>
-            </a:r>
-            <a:endParaRPr lang="en-SG" sz="3200" dirty="0">
+        </p:grpSpPr>
+        <p:sp>
+          <p:nvSpPr>
+            <p:cNvPr id="30" name="Rectangle 29"/>
+            <p:cNvSpPr/>
+            <p:nvPr/>
+          </p:nvSpPr>
+          <p:spPr>
+            <a:xfrm>
+              <a:off x="5436096" y="5661248"/>
+              <a:ext cx="2376264" cy="288032"/>
+            </a:xfrm>
+            <a:prstGeom prst="rect">
+              <a:avLst/>
+            </a:prstGeom>
+            <a:noFill/>
+            <a:ln>
               <a:solidFill>
-                <a:srgbClr val="C00000"/>
+                <a:schemeClr val="bg1">
+                  <a:lumMod val="65000"/>
+                </a:schemeClr>
               </a:solidFill>
-            </a:endParaRPr>
-          </a:p>
-        </p:txBody>
-      </p:sp>
+            </a:ln>
+          </p:spPr>
+          <p:style>
+            <a:lnRef idx="2">
+              <a:schemeClr val="accent1">
+                <a:shade val="50000"/>
+              </a:schemeClr>
+            </a:lnRef>
+            <a:fillRef idx="1">
+              <a:schemeClr val="accent1"/>
+            </a:fillRef>
+            <a:effectRef idx="0">
+              <a:schemeClr val="accent1"/>
+            </a:effectRef>
+            <a:fontRef idx="minor">
+              <a:schemeClr val="lt1"/>
+            </a:fontRef>
+          </p:style>
+          <p:txBody>
+            <a:bodyPr rtlCol="0" anchor="ctr"/>
+            <a:lstStyle/>
+            <a:p>
+              <a:pPr algn="ctr"/>
+              <a:r>
+                <a:rPr lang="en-US" dirty="0" smtClean="0">
+                  <a:solidFill>
+                    <a:schemeClr val="bg1">
+                      <a:lumMod val="65000"/>
+                    </a:schemeClr>
+                  </a:solidFill>
+                </a:rPr>
+                <a:t>2.5 months</a:t>
+              </a:r>
+              <a:endParaRPr lang="en-SG" dirty="0">
+                <a:solidFill>
+                  <a:schemeClr val="bg1">
+                    <a:lumMod val="65000"/>
+                  </a:schemeClr>
+                </a:solidFill>
+              </a:endParaRPr>
+            </a:p>
+          </p:txBody>
+        </p:sp>
+        <p:sp>
+          <p:nvSpPr>
+            <p:cNvPr id="31" name="TextBox 30"/>
+            <p:cNvSpPr txBox="1"/>
+            <p:nvPr/>
+          </p:nvSpPr>
+          <p:spPr>
+            <a:xfrm>
+              <a:off x="7251436" y="5291916"/>
+              <a:ext cx="1064980" cy="369332"/>
+            </a:xfrm>
+            <a:prstGeom prst="rect">
+              <a:avLst/>
+            </a:prstGeom>
+            <a:noFill/>
+          </p:spPr>
+          <p:txBody>
+            <a:bodyPr wrap="square" rtlCol="0">
+              <a:spAutoFit/>
+            </a:bodyPr>
+            <a:lstStyle/>
+            <a:p>
+              <a:pPr algn="r"/>
+              <a:r>
+                <a:rPr lang="en-US" dirty="0" smtClean="0">
+                  <a:solidFill>
+                    <a:schemeClr val="bg1">
+                      <a:lumMod val="65000"/>
+                    </a:schemeClr>
+                  </a:solidFill>
+                </a:rPr>
+                <a:t>Deadline</a:t>
+              </a:r>
+              <a:endParaRPr lang="en-SG" dirty="0">
+                <a:solidFill>
+                  <a:schemeClr val="bg1">
+                    <a:lumMod val="65000"/>
+                  </a:schemeClr>
+                </a:solidFill>
+              </a:endParaRPr>
+            </a:p>
+          </p:txBody>
+        </p:sp>
+        <p:sp>
+          <p:nvSpPr>
+            <p:cNvPr id="32" name="Pentagon 31"/>
+            <p:cNvSpPr/>
+            <p:nvPr/>
+          </p:nvSpPr>
+          <p:spPr>
+            <a:xfrm>
+              <a:off x="1187624" y="5661248"/>
+              <a:ext cx="4392488" cy="288032"/>
+            </a:xfrm>
+            <a:prstGeom prst="homePlate">
+              <a:avLst/>
+            </a:prstGeom>
+            <a:solidFill>
+              <a:schemeClr val="bg1">
+                <a:lumMod val="65000"/>
+              </a:schemeClr>
+            </a:solidFill>
+            <a:ln>
+              <a:solidFill>
+                <a:schemeClr val="bg1">
+                  <a:lumMod val="65000"/>
+                </a:schemeClr>
+              </a:solidFill>
+            </a:ln>
+          </p:spPr>
+          <p:style>
+            <a:lnRef idx="2">
+              <a:schemeClr val="accent1">
+                <a:shade val="50000"/>
+              </a:schemeClr>
+            </a:lnRef>
+            <a:fillRef idx="1">
+              <a:schemeClr val="accent1"/>
+            </a:fillRef>
+            <a:effectRef idx="0">
+              <a:schemeClr val="accent1"/>
+            </a:effectRef>
+            <a:fontRef idx="minor">
+              <a:schemeClr val="lt1"/>
+            </a:fontRef>
+          </p:style>
+          <p:txBody>
+            <a:bodyPr rtlCol="0" anchor="ctr"/>
+            <a:lstStyle/>
+            <a:p>
+              <a:pPr algn="ctr"/>
+              <a:r>
+                <a:rPr lang="en-US" dirty="0" smtClean="0"/>
+                <a:t>8 months</a:t>
+              </a:r>
+              <a:endParaRPr lang="en-SG" dirty="0"/>
+            </a:p>
+          </p:txBody>
+        </p:sp>
+        <p:sp>
+          <p:nvSpPr>
+            <p:cNvPr id="33" name="TextBox 32"/>
+            <p:cNvSpPr txBox="1"/>
+            <p:nvPr/>
+          </p:nvSpPr>
+          <p:spPr>
+            <a:xfrm>
+              <a:off x="827584" y="5301208"/>
+              <a:ext cx="963812" cy="369332"/>
+            </a:xfrm>
+            <a:prstGeom prst="rect">
+              <a:avLst/>
+            </a:prstGeom>
+            <a:noFill/>
+          </p:spPr>
+          <p:txBody>
+            <a:bodyPr wrap="square" rtlCol="0">
+              <a:spAutoFit/>
+            </a:bodyPr>
+            <a:lstStyle/>
+            <a:p>
+              <a:r>
+                <a:rPr lang="en-US" dirty="0" smtClean="0">
+                  <a:solidFill>
+                    <a:schemeClr val="bg1">
+                      <a:lumMod val="65000"/>
+                    </a:schemeClr>
+                  </a:solidFill>
+                </a:rPr>
+                <a:t>Kickoff</a:t>
+              </a:r>
+              <a:endParaRPr lang="en-SG" dirty="0">
+                <a:solidFill>
+                  <a:schemeClr val="bg1">
+                    <a:lumMod val="65000"/>
+                  </a:schemeClr>
+                </a:solidFill>
+              </a:endParaRPr>
+            </a:p>
+          </p:txBody>
+        </p:sp>
+        <p:sp>
+          <p:nvSpPr>
+            <p:cNvPr id="34" name="TextBox 33"/>
+            <p:cNvSpPr txBox="1"/>
+            <p:nvPr/>
+          </p:nvSpPr>
+          <p:spPr>
+            <a:xfrm>
+              <a:off x="5120356" y="5301208"/>
+              <a:ext cx="675780" cy="369332"/>
+            </a:xfrm>
+            <a:prstGeom prst="rect">
+              <a:avLst/>
+            </a:prstGeom>
+            <a:noFill/>
+          </p:spPr>
+          <p:txBody>
+            <a:bodyPr wrap="square" rtlCol="0">
+              <a:spAutoFit/>
+            </a:bodyPr>
+            <a:lstStyle/>
+            <a:p>
+              <a:r>
+                <a:rPr lang="en-US" dirty="0" smtClean="0">
+                  <a:solidFill>
+                    <a:schemeClr val="bg1">
+                      <a:lumMod val="65000"/>
+                    </a:schemeClr>
+                  </a:solidFill>
+                </a:rPr>
+                <a:t>Now</a:t>
+              </a:r>
+              <a:endParaRPr lang="en-SG" dirty="0">
+                <a:solidFill>
+                  <a:schemeClr val="bg1">
+                    <a:lumMod val="65000"/>
+                  </a:schemeClr>
+                </a:solidFill>
+              </a:endParaRPr>
+            </a:p>
+          </p:txBody>
+        </p:sp>
+      </p:grpSp>
     </p:spTree>
     <p:extLst>
       <p:ext uri="{BB962C8B-B14F-4D97-AF65-F5344CB8AC3E}">
-        <p14:creationId xmlns:p14="http://schemas.microsoft.com/office/powerpoint/2010/main" val="1365276402"/>
+        <p14:creationId xmlns:p14="http://schemas.microsoft.com/office/powerpoint/2010/main" val="1392780244"/>
       </p:ext>
     </p:extLst>
   </p:cSld>
   <p:clrMapOvr>
     <a:masterClrMapping/>
   </p:clrMapOvr>
-  <mc:AlternateContent xmlns:mc="http://schemas.openxmlformats.org/markup-compatibility/2006">
-    <mc:Choice xmlns:p14="http://schemas.microsoft.com/office/powerpoint/2010/main" Requires="p14">
+  <mc:AlternateContent xmlns:mc="http://schemas.openxmlformats.org/markup-compatibility/2006" xmlns:p14="http://schemas.microsoft.com/office/powerpoint/2010/main">
+    <mc:Choice Requires="p14">
       <p:transition p14:dur="250">
         <p:fade/>
       </p:transition>
     </mc:Choice>
-    <mc:Fallback>
+    <mc:Fallback xmlns="">
       <p:transition>
         <p:fade/>
       </p:transition>
@@ -21795,7 +25009,7 @@
     </p:spTree>
     <p:extLst>
       <p:ext uri="{BB962C8B-B14F-4D97-AF65-F5344CB8AC3E}">
-        <p14:creationId xmlns:p14="http://schemas.microsoft.com/office/powerpoint/2010/main" val="3552576181"/>
+        <p14:creationId xmlns:p14="http://schemas.microsoft.com/office/powerpoint/2010/main" val="3332830591"/>
       </p:ext>
     </p:extLst>
   </p:cSld>
@@ -21832,7 +25046,7 @@
       </p:grpSpPr>
       <p:pic>
         <p:nvPicPr>
-          <p:cNvPr id="2" name="PPTIndicator201506301431353988"/>
+          <p:cNvPr id="2" name="PPTIndicator201507011917546176"/>
           <p:cNvPicPr>
             <a:picLocks/>
           </p:cNvPicPr>
@@ -21882,7 +25096,7 @@
             <a:normAutofit/>
           </a:bodyPr>
           <a:lstStyle>
-            <a:lvl1pPr>
+            <a:lvl1pPr algn="ctr">
               <a:spcBef>
                 <a:spcPct val="0"/>
               </a:spcBef>
@@ -21958,13 +25172,13 @@
               <a:rPr lang="en-SG"/>
               <a:t>Project Progress Report</a:t>
             </a:r>
-            <a:endParaRPr lang="en-SG" dirty="0"/>
-          </a:p>
-        </p:txBody>
-      </p:sp>
-      <p:sp>
-        <p:nvSpPr>
-          <p:cNvPr id="6" name="PptLabsAgenda_&amp;^@ContentShape_&amp;^@2015062819460661800"/>
+            <a:endParaRPr lang="en-SG"/>
+          </a:p>
+        </p:txBody>
+      </p:sp>
+      <p:sp>
+        <p:nvSpPr>
+          <p:cNvPr id="6" name="PptLabsAgenda_&amp;^@ContentShape_&amp;^@2015070119175332550"/>
           <p:cNvSpPr txBox="1">
             <a:spLocks/>
           </p:cNvSpPr>
@@ -22221,13 +25435,13 @@
             </a:endParaRPr>
           </a:p>
           <a:p>
-            <a:endParaRPr lang="en-SG" dirty="0"/>
-          </a:p>
-        </p:txBody>
-      </p:sp>
-      <p:sp>
-        <p:nvSpPr>
-          <p:cNvPr id="7" name="Rounded Rectangular Callout 2"/>
+            <a:endParaRPr lang="en-SG"/>
+          </a:p>
+        </p:txBody>
+      </p:sp>
+      <p:sp>
+        <p:nvSpPr>
+          <p:cNvPr id="13" name="Rounded Rectangular Callout 2"/>
           <p:cNvSpPr/>
           <p:nvPr/>
         </p:nvSpPr>
@@ -22277,7 +25491,7 @@
       </p:sp>
       <p:pic>
         <p:nvPicPr>
-          <p:cNvPr id="8" name="Picture 2" descr="https://upload.wikimedia.org/wikipedia/commons/4/49/Ape_skeletons.png"/>
+          <p:cNvPr id="14" name="Picture 2" descr="https://upload.wikimedia.org/wikipedia/commons/4/49/Ape_skeletons.png"/>
           <p:cNvPicPr>
             <a:picLocks noChangeAspect="1" noChangeArrowheads="1"/>
           </p:cNvPicPr>
@@ -22316,7 +25530,7 @@
       </p:pic>
       <p:sp>
         <p:nvSpPr>
-          <p:cNvPr id="9" name="Rectangle 3"/>
+          <p:cNvPr id="15" name="Rectangle 3"/>
           <p:cNvSpPr/>
           <p:nvPr/>
         </p:nvSpPr>
@@ -22373,23 +25587,285 @@
           </a:p>
         </p:txBody>
       </p:sp>
+      <p:grpSp>
+        <p:nvGrpSpPr>
+          <p:cNvPr id="32" name="Unnamed Shape 20150713135318707214"/>
+          <p:cNvGrpSpPr/>
+          <p:nvPr/>
+        </p:nvGrpSpPr>
+        <p:grpSpPr>
+          <a:xfrm>
+            <a:off x="827584" y="5291916"/>
+            <a:ext cx="7488832" cy="657364"/>
+            <a:chOff x="827584" y="5291916"/>
+            <a:chExt cx="7488832" cy="657364"/>
+          </a:xfrm>
+        </p:grpSpPr>
+        <p:sp>
+          <p:nvSpPr>
+            <p:cNvPr id="33" name="Rectangle 32"/>
+            <p:cNvSpPr/>
+            <p:nvPr/>
+          </p:nvSpPr>
+          <p:spPr>
+            <a:xfrm>
+              <a:off x="5436096" y="5661248"/>
+              <a:ext cx="2376264" cy="288032"/>
+            </a:xfrm>
+            <a:prstGeom prst="rect">
+              <a:avLst/>
+            </a:prstGeom>
+            <a:noFill/>
+            <a:ln>
+              <a:solidFill>
+                <a:schemeClr val="bg1">
+                  <a:lumMod val="65000"/>
+                </a:schemeClr>
+              </a:solidFill>
+            </a:ln>
+          </p:spPr>
+          <p:style>
+            <a:lnRef idx="2">
+              <a:schemeClr val="accent1">
+                <a:shade val="50000"/>
+              </a:schemeClr>
+            </a:lnRef>
+            <a:fillRef idx="1">
+              <a:schemeClr val="accent1"/>
+            </a:fillRef>
+            <a:effectRef idx="0">
+              <a:schemeClr val="accent1"/>
+            </a:effectRef>
+            <a:fontRef idx="minor">
+              <a:schemeClr val="lt1"/>
+            </a:fontRef>
+          </p:style>
+          <p:txBody>
+            <a:bodyPr rtlCol="0" anchor="ctr"/>
+            <a:lstStyle/>
+            <a:p>
+              <a:pPr algn="ctr"/>
+              <a:r>
+                <a:rPr lang="en-US" dirty="0" smtClean="0">
+                  <a:solidFill>
+                    <a:schemeClr val="bg1">
+                      <a:lumMod val="65000"/>
+                    </a:schemeClr>
+                  </a:solidFill>
+                </a:rPr>
+                <a:t>2.5 months</a:t>
+              </a:r>
+              <a:endParaRPr lang="en-SG" dirty="0">
+                <a:solidFill>
+                  <a:schemeClr val="bg1">
+                    <a:lumMod val="65000"/>
+                  </a:schemeClr>
+                </a:solidFill>
+              </a:endParaRPr>
+            </a:p>
+          </p:txBody>
+        </p:sp>
+        <p:sp>
+          <p:nvSpPr>
+            <p:cNvPr id="34" name="TextBox 33"/>
+            <p:cNvSpPr txBox="1"/>
+            <p:nvPr/>
+          </p:nvSpPr>
+          <p:spPr>
+            <a:xfrm>
+              <a:off x="7251436" y="5291916"/>
+              <a:ext cx="1064980" cy="369332"/>
+            </a:xfrm>
+            <a:prstGeom prst="rect">
+              <a:avLst/>
+            </a:prstGeom>
+            <a:noFill/>
+          </p:spPr>
+          <p:txBody>
+            <a:bodyPr wrap="square" rtlCol="0">
+              <a:spAutoFit/>
+            </a:bodyPr>
+            <a:lstStyle/>
+            <a:p>
+              <a:pPr algn="r"/>
+              <a:r>
+                <a:rPr lang="en-US" dirty="0" smtClean="0">
+                  <a:solidFill>
+                    <a:schemeClr val="bg1">
+                      <a:lumMod val="65000"/>
+                    </a:schemeClr>
+                  </a:solidFill>
+                </a:rPr>
+                <a:t>Deadline</a:t>
+              </a:r>
+              <a:endParaRPr lang="en-SG" dirty="0">
+                <a:solidFill>
+                  <a:schemeClr val="bg1">
+                    <a:lumMod val="65000"/>
+                  </a:schemeClr>
+                </a:solidFill>
+              </a:endParaRPr>
+            </a:p>
+          </p:txBody>
+        </p:sp>
+        <p:sp>
+          <p:nvSpPr>
+            <p:cNvPr id="35" name="Pentagon 34"/>
+            <p:cNvSpPr/>
+            <p:nvPr/>
+          </p:nvSpPr>
+          <p:spPr>
+            <a:xfrm>
+              <a:off x="1187624" y="5661248"/>
+              <a:ext cx="4392488" cy="288032"/>
+            </a:xfrm>
+            <a:prstGeom prst="homePlate">
+              <a:avLst/>
+            </a:prstGeom>
+            <a:solidFill>
+              <a:schemeClr val="bg1">
+                <a:lumMod val="65000"/>
+              </a:schemeClr>
+            </a:solidFill>
+            <a:ln>
+              <a:solidFill>
+                <a:schemeClr val="bg1">
+                  <a:lumMod val="65000"/>
+                </a:schemeClr>
+              </a:solidFill>
+            </a:ln>
+          </p:spPr>
+          <p:style>
+            <a:lnRef idx="2">
+              <a:schemeClr val="accent1">
+                <a:shade val="50000"/>
+              </a:schemeClr>
+            </a:lnRef>
+            <a:fillRef idx="1">
+              <a:schemeClr val="accent1"/>
+            </a:fillRef>
+            <a:effectRef idx="0">
+              <a:schemeClr val="accent1"/>
+            </a:effectRef>
+            <a:fontRef idx="minor">
+              <a:schemeClr val="lt1"/>
+            </a:fontRef>
+          </p:style>
+          <p:txBody>
+            <a:bodyPr rtlCol="0" anchor="ctr"/>
+            <a:lstStyle/>
+            <a:p>
+              <a:pPr algn="ctr"/>
+              <a:r>
+                <a:rPr lang="en-US" dirty="0" smtClean="0"/>
+                <a:t>8 months</a:t>
+              </a:r>
+              <a:endParaRPr lang="en-SG" dirty="0"/>
+            </a:p>
+          </p:txBody>
+        </p:sp>
+        <p:sp>
+          <p:nvSpPr>
+            <p:cNvPr id="36" name="TextBox 35"/>
+            <p:cNvSpPr txBox="1"/>
+            <p:nvPr/>
+          </p:nvSpPr>
+          <p:spPr>
+            <a:xfrm>
+              <a:off x="827584" y="5301208"/>
+              <a:ext cx="963812" cy="369332"/>
+            </a:xfrm>
+            <a:prstGeom prst="rect">
+              <a:avLst/>
+            </a:prstGeom>
+            <a:noFill/>
+          </p:spPr>
+          <p:txBody>
+            <a:bodyPr wrap="square" rtlCol="0">
+              <a:spAutoFit/>
+            </a:bodyPr>
+            <a:lstStyle/>
+            <a:p>
+              <a:r>
+                <a:rPr lang="en-US" dirty="0" smtClean="0">
+                  <a:solidFill>
+                    <a:schemeClr val="bg1">
+                      <a:lumMod val="65000"/>
+                    </a:schemeClr>
+                  </a:solidFill>
+                </a:rPr>
+                <a:t>Kickoff</a:t>
+              </a:r>
+              <a:endParaRPr lang="en-SG" dirty="0">
+                <a:solidFill>
+                  <a:schemeClr val="bg1">
+                    <a:lumMod val="65000"/>
+                  </a:schemeClr>
+                </a:solidFill>
+              </a:endParaRPr>
+            </a:p>
+          </p:txBody>
+        </p:sp>
+        <p:sp>
+          <p:nvSpPr>
+            <p:cNvPr id="37" name="TextBox 36"/>
+            <p:cNvSpPr txBox="1"/>
+            <p:nvPr/>
+          </p:nvSpPr>
+          <p:spPr>
+            <a:xfrm>
+              <a:off x="5120356" y="5301208"/>
+              <a:ext cx="675780" cy="369332"/>
+            </a:xfrm>
+            <a:prstGeom prst="rect">
+              <a:avLst/>
+            </a:prstGeom>
+            <a:noFill/>
+          </p:spPr>
+          <p:txBody>
+            <a:bodyPr wrap="square" rtlCol="0">
+              <a:spAutoFit/>
+            </a:bodyPr>
+            <a:lstStyle/>
+            <a:p>
+              <a:r>
+                <a:rPr lang="en-US" dirty="0" smtClean="0">
+                  <a:solidFill>
+                    <a:schemeClr val="bg1">
+                      <a:lumMod val="65000"/>
+                    </a:schemeClr>
+                  </a:solidFill>
+                </a:rPr>
+                <a:t>Now</a:t>
+              </a:r>
+              <a:endParaRPr lang="en-SG" dirty="0">
+                <a:solidFill>
+                  <a:schemeClr val="bg1">
+                    <a:lumMod val="65000"/>
+                  </a:schemeClr>
+                </a:solidFill>
+              </a:endParaRPr>
+            </a:p>
+          </p:txBody>
+        </p:sp>
+      </p:grpSp>
     </p:spTree>
     <p:extLst>
       <p:ext uri="{BB962C8B-B14F-4D97-AF65-F5344CB8AC3E}">
-        <p14:creationId xmlns:p14="http://schemas.microsoft.com/office/powerpoint/2010/main" val="3847405989"/>
+        <p14:creationId xmlns:p14="http://schemas.microsoft.com/office/powerpoint/2010/main" val="3202150009"/>
       </p:ext>
     </p:extLst>
   </p:cSld>
   <p:clrMapOvr>
     <a:masterClrMapping/>
   </p:clrMapOvr>
-  <mc:AlternateContent xmlns:mc="http://schemas.openxmlformats.org/markup-compatibility/2006">
-    <mc:Choice xmlns:p14="http://schemas.microsoft.com/office/powerpoint/2010/main" Requires="p14">
+  <mc:AlternateContent xmlns:mc="http://schemas.openxmlformats.org/markup-compatibility/2006" xmlns:p14="http://schemas.microsoft.com/office/powerpoint/2010/main">
+    <mc:Choice Requires="p14">
       <p:transition p14:dur="250">
         <p:fade/>
       </p:transition>
     </mc:Choice>
-    <mc:Fallback>
+    <mc:Fallback xmlns="">
       <p:transition>
         <p:fade/>
       </p:transition>
@@ -22647,9 +26123,18 @@
   <p:clrMapOvr>
     <a:masterClrMapping/>
   </p:clrMapOvr>
-  <p:transition spd="slow">
-    <p:push dir="u"/>
-  </p:transition>
+  <mc:AlternateContent xmlns:mc="http://schemas.openxmlformats.org/markup-compatibility/2006" xmlns:p14="http://schemas.microsoft.com/office/powerpoint/2010/main">
+    <mc:Choice Requires="p14">
+      <p:transition spd="slow" p14:dur="800">
+        <p:push dir="u"/>
+      </p:transition>
+    </mc:Choice>
+    <mc:Fallback xmlns="">
+      <p:transition spd="slow">
+        <p:push dir="u"/>
+      </p:transition>
+    </mc:Fallback>
+  </mc:AlternateContent>
   <p:timing>
     <p:tnLst>
       <p:par>
@@ -23010,17 +26495,17 @@
       </p:grpSpPr>
       <p:pic>
         <p:nvPicPr>
-          <p:cNvPr id="2" name="PPTIndicator201506281946067150"/>
+          <p:cNvPr id="2" name="PPTIndicator201507011917546326"/>
           <p:cNvPicPr>
             <a:picLocks/>
           </p:cNvPicPr>
           <p:nvPr/>
         </p:nvPicPr>
         <p:blipFill>
-          <a:blip r:embed="rId2" cstate="email">
+          <a:blip r:embed="rId2" cstate="print">
             <a:extLst>
               <a:ext uri="{28A0092B-C50C-407E-A947-70E740481C1C}">
-                <a14:useLocalDpi xmlns:a14="http://schemas.microsoft.com/office/drawing/2010/main"/>
+                <a14:useLocalDpi xmlns:a14="http://schemas.microsoft.com/office/drawing/2010/main" val="0"/>
               </a:ext>
             </a:extLst>
           </a:blip>
@@ -23060,7 +26545,7 @@
             <a:normAutofit/>
           </a:bodyPr>
           <a:lstStyle>
-            <a:lvl1pPr>
+            <a:lvl1pPr algn="ctr">
               <a:spcBef>
                 <a:spcPct val="0"/>
               </a:spcBef>
@@ -23142,7 +26627,7 @@
       </p:sp>
       <p:sp>
         <p:nvSpPr>
-          <p:cNvPr id="6" name="PptLabsAgenda_&amp;^@ContentShape_&amp;^@2015062819460661800"/>
+          <p:cNvPr id="6" name="PptLabsAgenda_&amp;^@ContentShape_&amp;^@2015070119175332550"/>
           <p:cNvSpPr txBox="1">
             <a:spLocks/>
           </p:cNvSpPr>
@@ -23405,7 +26890,7 @@
       </p:sp>
       <p:sp>
         <p:nvSpPr>
-          <p:cNvPr id="21" name="Rounded Rectangular Callout 2"/>
+          <p:cNvPr id="13" name="Rounded Rectangular Callout 2"/>
           <p:cNvSpPr/>
           <p:nvPr/>
         </p:nvSpPr>
@@ -23455,7 +26940,7 @@
       </p:sp>
       <p:pic>
         <p:nvPicPr>
-          <p:cNvPr id="22" name="Picture 2" descr="https://upload.wikimedia.org/wikipedia/commons/4/49/Ape_skeletons.png"/>
+          <p:cNvPr id="14" name="Picture 2" descr="https://upload.wikimedia.org/wikipedia/commons/4/49/Ape_skeletons.png"/>
           <p:cNvPicPr>
             <a:picLocks noChangeAspect="1" noChangeArrowheads="1"/>
           </p:cNvPicPr>
@@ -23494,7 +26979,7 @@
       </p:pic>
       <p:sp>
         <p:nvSpPr>
-          <p:cNvPr id="23" name="Rectangle 3"/>
+          <p:cNvPr id="15" name="Rectangle 3"/>
           <p:cNvSpPr/>
           <p:nvPr/>
         </p:nvSpPr>
@@ -23543,10 +27028,272 @@
           </a:p>
         </p:txBody>
       </p:sp>
+      <p:grpSp>
+        <p:nvGrpSpPr>
+          <p:cNvPr id="32" name="Unnamed Shape 20150713135318707214"/>
+          <p:cNvGrpSpPr/>
+          <p:nvPr/>
+        </p:nvGrpSpPr>
+        <p:grpSpPr>
+          <a:xfrm>
+            <a:off x="827584" y="5291916"/>
+            <a:ext cx="7488832" cy="657364"/>
+            <a:chOff x="827584" y="5291916"/>
+            <a:chExt cx="7488832" cy="657364"/>
+          </a:xfrm>
+        </p:grpSpPr>
+        <p:sp>
+          <p:nvSpPr>
+            <p:cNvPr id="33" name="Rectangle 32"/>
+            <p:cNvSpPr/>
+            <p:nvPr/>
+          </p:nvSpPr>
+          <p:spPr>
+            <a:xfrm>
+              <a:off x="5436096" y="5661248"/>
+              <a:ext cx="2376264" cy="288032"/>
+            </a:xfrm>
+            <a:prstGeom prst="rect">
+              <a:avLst/>
+            </a:prstGeom>
+            <a:noFill/>
+            <a:ln>
+              <a:solidFill>
+                <a:schemeClr val="bg1">
+                  <a:lumMod val="65000"/>
+                </a:schemeClr>
+              </a:solidFill>
+            </a:ln>
+          </p:spPr>
+          <p:style>
+            <a:lnRef idx="2">
+              <a:schemeClr val="accent1">
+                <a:shade val="50000"/>
+              </a:schemeClr>
+            </a:lnRef>
+            <a:fillRef idx="1">
+              <a:schemeClr val="accent1"/>
+            </a:fillRef>
+            <a:effectRef idx="0">
+              <a:schemeClr val="accent1"/>
+            </a:effectRef>
+            <a:fontRef idx="minor">
+              <a:schemeClr val="lt1"/>
+            </a:fontRef>
+          </p:style>
+          <p:txBody>
+            <a:bodyPr rtlCol="0" anchor="ctr"/>
+            <a:lstStyle/>
+            <a:p>
+              <a:pPr algn="ctr"/>
+              <a:r>
+                <a:rPr lang="en-US" dirty="0" smtClean="0">
+                  <a:solidFill>
+                    <a:schemeClr val="bg1">
+                      <a:lumMod val="65000"/>
+                    </a:schemeClr>
+                  </a:solidFill>
+                </a:rPr>
+                <a:t>2.5 months</a:t>
+              </a:r>
+              <a:endParaRPr lang="en-SG" dirty="0">
+                <a:solidFill>
+                  <a:schemeClr val="bg1">
+                    <a:lumMod val="65000"/>
+                  </a:schemeClr>
+                </a:solidFill>
+              </a:endParaRPr>
+            </a:p>
+          </p:txBody>
+        </p:sp>
+        <p:sp>
+          <p:nvSpPr>
+            <p:cNvPr id="34" name="TextBox 33"/>
+            <p:cNvSpPr txBox="1"/>
+            <p:nvPr/>
+          </p:nvSpPr>
+          <p:spPr>
+            <a:xfrm>
+              <a:off x="7251436" y="5291916"/>
+              <a:ext cx="1064980" cy="369332"/>
+            </a:xfrm>
+            <a:prstGeom prst="rect">
+              <a:avLst/>
+            </a:prstGeom>
+            <a:noFill/>
+          </p:spPr>
+          <p:txBody>
+            <a:bodyPr wrap="square" rtlCol="0">
+              <a:spAutoFit/>
+            </a:bodyPr>
+            <a:lstStyle/>
+            <a:p>
+              <a:pPr algn="r"/>
+              <a:r>
+                <a:rPr lang="en-US" dirty="0" smtClean="0">
+                  <a:solidFill>
+                    <a:schemeClr val="bg1">
+                      <a:lumMod val="65000"/>
+                    </a:schemeClr>
+                  </a:solidFill>
+                </a:rPr>
+                <a:t>Deadline</a:t>
+              </a:r>
+              <a:endParaRPr lang="en-SG" dirty="0">
+                <a:solidFill>
+                  <a:schemeClr val="bg1">
+                    <a:lumMod val="65000"/>
+                  </a:schemeClr>
+                </a:solidFill>
+              </a:endParaRPr>
+            </a:p>
+          </p:txBody>
+        </p:sp>
+        <p:sp>
+          <p:nvSpPr>
+            <p:cNvPr id="35" name="Pentagon 34"/>
+            <p:cNvSpPr/>
+            <p:nvPr/>
+          </p:nvSpPr>
+          <p:spPr>
+            <a:xfrm>
+              <a:off x="1187624" y="5661248"/>
+              <a:ext cx="4392488" cy="288032"/>
+            </a:xfrm>
+            <a:prstGeom prst="homePlate">
+              <a:avLst/>
+            </a:prstGeom>
+            <a:solidFill>
+              <a:schemeClr val="bg1">
+                <a:lumMod val="65000"/>
+              </a:schemeClr>
+            </a:solidFill>
+            <a:ln>
+              <a:solidFill>
+                <a:schemeClr val="bg1">
+                  <a:lumMod val="65000"/>
+                </a:schemeClr>
+              </a:solidFill>
+            </a:ln>
+          </p:spPr>
+          <p:style>
+            <a:lnRef idx="2">
+              <a:schemeClr val="accent1">
+                <a:shade val="50000"/>
+              </a:schemeClr>
+            </a:lnRef>
+            <a:fillRef idx="1">
+              <a:schemeClr val="accent1"/>
+            </a:fillRef>
+            <a:effectRef idx="0">
+              <a:schemeClr val="accent1"/>
+            </a:effectRef>
+            <a:fontRef idx="minor">
+              <a:schemeClr val="lt1"/>
+            </a:fontRef>
+          </p:style>
+          <p:txBody>
+            <a:bodyPr rtlCol="0" anchor="ctr"/>
+            <a:lstStyle/>
+            <a:p>
+              <a:pPr algn="ctr"/>
+              <a:r>
+                <a:rPr lang="en-US" dirty="0" smtClean="0"/>
+                <a:t>8 months</a:t>
+              </a:r>
+              <a:endParaRPr lang="en-SG" dirty="0"/>
+            </a:p>
+          </p:txBody>
+        </p:sp>
+        <p:sp>
+          <p:nvSpPr>
+            <p:cNvPr id="36" name="TextBox 35"/>
+            <p:cNvSpPr txBox="1"/>
+            <p:nvPr/>
+          </p:nvSpPr>
+          <p:spPr>
+            <a:xfrm>
+              <a:off x="827584" y="5301208"/>
+              <a:ext cx="963812" cy="369332"/>
+            </a:xfrm>
+            <a:prstGeom prst="rect">
+              <a:avLst/>
+            </a:prstGeom>
+            <a:noFill/>
+          </p:spPr>
+          <p:txBody>
+            <a:bodyPr wrap="square" rtlCol="0">
+              <a:spAutoFit/>
+            </a:bodyPr>
+            <a:lstStyle/>
+            <a:p>
+              <a:r>
+                <a:rPr lang="en-US" dirty="0" smtClean="0">
+                  <a:solidFill>
+                    <a:schemeClr val="bg1">
+                      <a:lumMod val="65000"/>
+                    </a:schemeClr>
+                  </a:solidFill>
+                </a:rPr>
+                <a:t>Kickoff</a:t>
+              </a:r>
+              <a:endParaRPr lang="en-SG" dirty="0">
+                <a:solidFill>
+                  <a:schemeClr val="bg1">
+                    <a:lumMod val="65000"/>
+                  </a:schemeClr>
+                </a:solidFill>
+              </a:endParaRPr>
+            </a:p>
+          </p:txBody>
+        </p:sp>
+        <p:sp>
+          <p:nvSpPr>
+            <p:cNvPr id="37" name="TextBox 36"/>
+            <p:cNvSpPr txBox="1"/>
+            <p:nvPr/>
+          </p:nvSpPr>
+          <p:spPr>
+            <a:xfrm>
+              <a:off x="5120356" y="5301208"/>
+              <a:ext cx="675780" cy="369332"/>
+            </a:xfrm>
+            <a:prstGeom prst="rect">
+              <a:avLst/>
+            </a:prstGeom>
+            <a:noFill/>
+          </p:spPr>
+          <p:txBody>
+            <a:bodyPr wrap="square" rtlCol="0">
+              <a:spAutoFit/>
+            </a:bodyPr>
+            <a:lstStyle/>
+            <a:p>
+              <a:r>
+                <a:rPr lang="en-US" dirty="0" smtClean="0">
+                  <a:solidFill>
+                    <a:schemeClr val="bg1">
+                      <a:lumMod val="65000"/>
+                    </a:schemeClr>
+                  </a:solidFill>
+                </a:rPr>
+                <a:t>Now</a:t>
+              </a:r>
+              <a:endParaRPr lang="en-SG" dirty="0">
+                <a:solidFill>
+                  <a:schemeClr val="bg1">
+                    <a:lumMod val="65000"/>
+                  </a:schemeClr>
+                </a:solidFill>
+              </a:endParaRPr>
+            </a:p>
+          </p:txBody>
+        </p:sp>
+      </p:grpSp>
     </p:spTree>
     <p:extLst>
       <p:ext uri="{BB962C8B-B14F-4D97-AF65-F5344CB8AC3E}">
-        <p14:creationId xmlns:p14="http://schemas.microsoft.com/office/powerpoint/2010/main" val="2761328106"/>
+        <p14:creationId xmlns:p14="http://schemas.microsoft.com/office/powerpoint/2010/main" val="2075065003"/>
       </p:ext>
     </p:extLst>
   </p:cSld>
@@ -23683,17 +27430,17 @@
       </p:grpSpPr>
       <p:pic>
         <p:nvPicPr>
-          <p:cNvPr id="2" name="PPTIndicator201506281946070040"/>
+          <p:cNvPr id="2" name="PPTIndicator201507011917551527"/>
           <p:cNvPicPr>
             <a:picLocks/>
           </p:cNvPicPr>
           <p:nvPr/>
         </p:nvPicPr>
         <p:blipFill>
-          <a:blip r:embed="rId2" cstate="email">
+          <a:blip r:embed="rId2" cstate="print">
             <a:extLst>
               <a:ext uri="{28A0092B-C50C-407E-A947-70E740481C1C}">
-                <a14:useLocalDpi xmlns:a14="http://schemas.microsoft.com/office/drawing/2010/main"/>
+                <a14:useLocalDpi xmlns:a14="http://schemas.microsoft.com/office/drawing/2010/main" val="0"/>
               </a:ext>
             </a:extLst>
           </a:blip>
@@ -23733,7 +27480,7 @@
             <a:normAutofit/>
           </a:bodyPr>
           <a:lstStyle>
-            <a:lvl1pPr>
+            <a:lvl1pPr algn="ctr">
               <a:spcBef>
                 <a:spcPct val="0"/>
               </a:spcBef>
@@ -23815,7 +27562,7 @@
       </p:sp>
       <p:sp>
         <p:nvSpPr>
-          <p:cNvPr id="6" name="PptLabsAgenda_&amp;^@ContentShape_&amp;^@2015062819460661800"/>
+          <p:cNvPr id="6" name="PptLabsAgenda_&amp;^@ContentShape_&amp;^@2015070119175332550"/>
           <p:cNvSpPr txBox="1">
             <a:spLocks/>
           </p:cNvSpPr>
@@ -24072,7 +27819,7 @@
       </p:sp>
       <p:sp>
         <p:nvSpPr>
-          <p:cNvPr id="21" name="Rounded Rectangular Callout 2"/>
+          <p:cNvPr id="13" name="Rounded Rectangular Callout 2"/>
           <p:cNvSpPr/>
           <p:nvPr/>
         </p:nvSpPr>
@@ -24122,7 +27869,7 @@
       </p:sp>
       <p:pic>
         <p:nvPicPr>
-          <p:cNvPr id="22" name="Picture 2" descr="Bonsack's machine"/>
+          <p:cNvPr id="14" name="Picture 2" descr="Bonsack's machine"/>
           <p:cNvPicPr>
             <a:picLocks noChangeAspect="1" noChangeArrowheads="1"/>
           </p:cNvPicPr>
@@ -24161,10 +27908,272 @@
           </a:extLst>
         </p:spPr>
       </p:pic>
+      <p:grpSp>
+        <p:nvGrpSpPr>
+          <p:cNvPr id="31" name="Unnamed Shape 20150713135318707214"/>
+          <p:cNvGrpSpPr/>
+          <p:nvPr/>
+        </p:nvGrpSpPr>
+        <p:grpSpPr>
+          <a:xfrm>
+            <a:off x="827584" y="5291916"/>
+            <a:ext cx="7488832" cy="657364"/>
+            <a:chOff x="827584" y="5291916"/>
+            <a:chExt cx="7488832" cy="657364"/>
+          </a:xfrm>
+        </p:grpSpPr>
+        <p:sp>
+          <p:nvSpPr>
+            <p:cNvPr id="32" name="Rectangle 31"/>
+            <p:cNvSpPr/>
+            <p:nvPr/>
+          </p:nvSpPr>
+          <p:spPr>
+            <a:xfrm>
+              <a:off x="5436096" y="5661248"/>
+              <a:ext cx="2376264" cy="288032"/>
+            </a:xfrm>
+            <a:prstGeom prst="rect">
+              <a:avLst/>
+            </a:prstGeom>
+            <a:noFill/>
+            <a:ln>
+              <a:solidFill>
+                <a:schemeClr val="bg1">
+                  <a:lumMod val="65000"/>
+                </a:schemeClr>
+              </a:solidFill>
+            </a:ln>
+          </p:spPr>
+          <p:style>
+            <a:lnRef idx="2">
+              <a:schemeClr val="accent1">
+                <a:shade val="50000"/>
+              </a:schemeClr>
+            </a:lnRef>
+            <a:fillRef idx="1">
+              <a:schemeClr val="accent1"/>
+            </a:fillRef>
+            <a:effectRef idx="0">
+              <a:schemeClr val="accent1"/>
+            </a:effectRef>
+            <a:fontRef idx="minor">
+              <a:schemeClr val="lt1"/>
+            </a:fontRef>
+          </p:style>
+          <p:txBody>
+            <a:bodyPr rtlCol="0" anchor="ctr"/>
+            <a:lstStyle/>
+            <a:p>
+              <a:pPr algn="ctr"/>
+              <a:r>
+                <a:rPr lang="en-US" dirty="0" smtClean="0">
+                  <a:solidFill>
+                    <a:schemeClr val="bg1">
+                      <a:lumMod val="65000"/>
+                    </a:schemeClr>
+                  </a:solidFill>
+                </a:rPr>
+                <a:t>2.5 months</a:t>
+              </a:r>
+              <a:endParaRPr lang="en-SG" dirty="0">
+                <a:solidFill>
+                  <a:schemeClr val="bg1">
+                    <a:lumMod val="65000"/>
+                  </a:schemeClr>
+                </a:solidFill>
+              </a:endParaRPr>
+            </a:p>
+          </p:txBody>
+        </p:sp>
+        <p:sp>
+          <p:nvSpPr>
+            <p:cNvPr id="33" name="TextBox 32"/>
+            <p:cNvSpPr txBox="1"/>
+            <p:nvPr/>
+          </p:nvSpPr>
+          <p:spPr>
+            <a:xfrm>
+              <a:off x="7251436" y="5291916"/>
+              <a:ext cx="1064980" cy="369332"/>
+            </a:xfrm>
+            <a:prstGeom prst="rect">
+              <a:avLst/>
+            </a:prstGeom>
+            <a:noFill/>
+          </p:spPr>
+          <p:txBody>
+            <a:bodyPr wrap="square" rtlCol="0">
+              <a:spAutoFit/>
+            </a:bodyPr>
+            <a:lstStyle/>
+            <a:p>
+              <a:pPr algn="r"/>
+              <a:r>
+                <a:rPr lang="en-US" dirty="0" smtClean="0">
+                  <a:solidFill>
+                    <a:schemeClr val="bg1">
+                      <a:lumMod val="65000"/>
+                    </a:schemeClr>
+                  </a:solidFill>
+                </a:rPr>
+                <a:t>Deadline</a:t>
+              </a:r>
+              <a:endParaRPr lang="en-SG" dirty="0">
+                <a:solidFill>
+                  <a:schemeClr val="bg1">
+                    <a:lumMod val="65000"/>
+                  </a:schemeClr>
+                </a:solidFill>
+              </a:endParaRPr>
+            </a:p>
+          </p:txBody>
+        </p:sp>
+        <p:sp>
+          <p:nvSpPr>
+            <p:cNvPr id="34" name="Pentagon 33"/>
+            <p:cNvSpPr/>
+            <p:nvPr/>
+          </p:nvSpPr>
+          <p:spPr>
+            <a:xfrm>
+              <a:off x="1187624" y="5661248"/>
+              <a:ext cx="4392488" cy="288032"/>
+            </a:xfrm>
+            <a:prstGeom prst="homePlate">
+              <a:avLst/>
+            </a:prstGeom>
+            <a:solidFill>
+              <a:schemeClr val="bg1">
+                <a:lumMod val="65000"/>
+              </a:schemeClr>
+            </a:solidFill>
+            <a:ln>
+              <a:solidFill>
+                <a:schemeClr val="bg1">
+                  <a:lumMod val="65000"/>
+                </a:schemeClr>
+              </a:solidFill>
+            </a:ln>
+          </p:spPr>
+          <p:style>
+            <a:lnRef idx="2">
+              <a:schemeClr val="accent1">
+                <a:shade val="50000"/>
+              </a:schemeClr>
+            </a:lnRef>
+            <a:fillRef idx="1">
+              <a:schemeClr val="accent1"/>
+            </a:fillRef>
+            <a:effectRef idx="0">
+              <a:schemeClr val="accent1"/>
+            </a:effectRef>
+            <a:fontRef idx="minor">
+              <a:schemeClr val="lt1"/>
+            </a:fontRef>
+          </p:style>
+          <p:txBody>
+            <a:bodyPr rtlCol="0" anchor="ctr"/>
+            <a:lstStyle/>
+            <a:p>
+              <a:pPr algn="ctr"/>
+              <a:r>
+                <a:rPr lang="en-US" dirty="0" smtClean="0"/>
+                <a:t>8 months</a:t>
+              </a:r>
+              <a:endParaRPr lang="en-SG" dirty="0"/>
+            </a:p>
+          </p:txBody>
+        </p:sp>
+        <p:sp>
+          <p:nvSpPr>
+            <p:cNvPr id="35" name="TextBox 34"/>
+            <p:cNvSpPr txBox="1"/>
+            <p:nvPr/>
+          </p:nvSpPr>
+          <p:spPr>
+            <a:xfrm>
+              <a:off x="827584" y="5301208"/>
+              <a:ext cx="963812" cy="369332"/>
+            </a:xfrm>
+            <a:prstGeom prst="rect">
+              <a:avLst/>
+            </a:prstGeom>
+            <a:noFill/>
+          </p:spPr>
+          <p:txBody>
+            <a:bodyPr wrap="square" rtlCol="0">
+              <a:spAutoFit/>
+            </a:bodyPr>
+            <a:lstStyle/>
+            <a:p>
+              <a:r>
+                <a:rPr lang="en-US" dirty="0" smtClean="0">
+                  <a:solidFill>
+                    <a:schemeClr val="bg1">
+                      <a:lumMod val="65000"/>
+                    </a:schemeClr>
+                  </a:solidFill>
+                </a:rPr>
+                <a:t>Kickoff</a:t>
+              </a:r>
+              <a:endParaRPr lang="en-SG" dirty="0">
+                <a:solidFill>
+                  <a:schemeClr val="bg1">
+                    <a:lumMod val="65000"/>
+                  </a:schemeClr>
+                </a:solidFill>
+              </a:endParaRPr>
+            </a:p>
+          </p:txBody>
+        </p:sp>
+        <p:sp>
+          <p:nvSpPr>
+            <p:cNvPr id="36" name="TextBox 35"/>
+            <p:cNvSpPr txBox="1"/>
+            <p:nvPr/>
+          </p:nvSpPr>
+          <p:spPr>
+            <a:xfrm>
+              <a:off x="5120356" y="5301208"/>
+              <a:ext cx="675780" cy="369332"/>
+            </a:xfrm>
+            <a:prstGeom prst="rect">
+              <a:avLst/>
+            </a:prstGeom>
+            <a:noFill/>
+          </p:spPr>
+          <p:txBody>
+            <a:bodyPr wrap="square" rtlCol="0">
+              <a:spAutoFit/>
+            </a:bodyPr>
+            <a:lstStyle/>
+            <a:p>
+              <a:r>
+                <a:rPr lang="en-US" dirty="0" smtClean="0">
+                  <a:solidFill>
+                    <a:schemeClr val="bg1">
+                      <a:lumMod val="65000"/>
+                    </a:schemeClr>
+                  </a:solidFill>
+                </a:rPr>
+                <a:t>Now</a:t>
+              </a:r>
+              <a:endParaRPr lang="en-SG" dirty="0">
+                <a:solidFill>
+                  <a:schemeClr val="bg1">
+                    <a:lumMod val="65000"/>
+                  </a:schemeClr>
+                </a:solidFill>
+              </a:endParaRPr>
+            </a:p>
+          </p:txBody>
+        </p:sp>
+      </p:grpSp>
     </p:spTree>
     <p:extLst>
       <p:ext uri="{BB962C8B-B14F-4D97-AF65-F5344CB8AC3E}">
-        <p14:creationId xmlns:p14="http://schemas.microsoft.com/office/powerpoint/2010/main" val="1270781997"/>
+        <p14:creationId xmlns:p14="http://schemas.microsoft.com/office/powerpoint/2010/main" val="1097721330"/>
       </p:ext>
     </p:extLst>
   </p:cSld>
